--- a/documents/승환이네만화방_사용자_인터페이스_설계서_v02.pptx
+++ b/documents/승환이네만화방_사용자_인터페이스_설계서_v02.pptx
@@ -5,7 +5,7 @@
     <p:sldMasterId id="2147483648" r:id="rId1"/>
   </p:sldMasterIdLst>
   <p:notesMasterIdLst>
-    <p:notesMasterId r:id="rId18"/>
+    <p:notesMasterId r:id="rId17"/>
   </p:notesMasterIdLst>
   <p:sldIdLst>
     <p:sldId id="256" r:id="rId2"/>
@@ -15,15 +15,14 @@
     <p:sldId id="259" r:id="rId6"/>
     <p:sldId id="260" r:id="rId7"/>
     <p:sldId id="261" r:id="rId8"/>
-    <p:sldId id="271" r:id="rId9"/>
-    <p:sldId id="262" r:id="rId10"/>
-    <p:sldId id="272" r:id="rId11"/>
-    <p:sldId id="266" r:id="rId12"/>
-    <p:sldId id="270" r:id="rId13"/>
-    <p:sldId id="269" r:id="rId14"/>
-    <p:sldId id="273" r:id="rId15"/>
-    <p:sldId id="276" r:id="rId16"/>
-    <p:sldId id="274" r:id="rId17"/>
+    <p:sldId id="262" r:id="rId9"/>
+    <p:sldId id="272" r:id="rId10"/>
+    <p:sldId id="266" r:id="rId11"/>
+    <p:sldId id="270" r:id="rId12"/>
+    <p:sldId id="269" r:id="rId13"/>
+    <p:sldId id="273" r:id="rId14"/>
+    <p:sldId id="276" r:id="rId15"/>
+    <p:sldId id="274" r:id="rId16"/>
   </p:sldIdLst>
   <p:sldSz cx="12192000" cy="6858000"/>
   <p:notesSz cx="6858000" cy="9144000"/>
@@ -3924,7 +3923,7 @@
           <p:nvPr>
             <p:extLst>
               <p:ext uri="{D42A27DB-BD31-4B8C-83A1-F6EECF244321}">
-                <p14:modId xmlns:p14="http://schemas.microsoft.com/office/powerpoint/2010/main" val="2459266100"/>
+                <p14:modId xmlns:p14="http://schemas.microsoft.com/office/powerpoint/2010/main" val="520851705"/>
               </p:ext>
             </p:extLst>
           </p:nvPr>
@@ -4055,7 +4054,7 @@
                         <a:rPr lang="ko-KR" altLang="en-US" sz="1000" u="none" strike="noStrike" dirty="0">
                           <a:effectLst/>
                         </a:rPr>
-                        <a:t>수정　</a:t>
+                        <a:t>　출력</a:t>
                       </a:r>
                       <a:endParaRPr lang="ko-KR" altLang="en-US" sz="1000" b="0" i="0" u="none" strike="noStrike" dirty="0">
                         <a:solidFill>
@@ -4180,7 +4179,7 @@
                         <a:rPr lang="ko-KR" altLang="en-US" sz="1000" u="none" strike="noStrike" dirty="0">
                           <a:effectLst/>
                         </a:rPr>
-                        <a:t>유저 정보 수정 페이지　</a:t>
+                        <a:t>　서비스 소개 페이지 </a:t>
                       </a:r>
                       <a:endParaRPr lang="ko-KR" altLang="en-US" sz="1000" b="0" i="0" u="none" strike="noStrike" dirty="0">
                         <a:solidFill>
@@ -4302,1843 +4301,16 @@
                     <a:p>
                       <a:pPr algn="ctr" fontAlgn="ctr"/>
                       <a:r>
+                        <a:rPr lang="ko-KR" altLang="en-US" sz="1000" u="none" strike="noStrike" dirty="0">
+                          <a:effectLst/>
+                        </a:rPr>
+                        <a:t>　</a:t>
+                      </a:r>
+                      <a:r>
                         <a:rPr lang="en-US" altLang="ko-KR" sz="1000" u="none" strike="noStrike" dirty="0">
                           <a:effectLst/>
                         </a:rPr>
                         <a:t>8</a:t>
-                      </a:r>
-                      <a:r>
-                        <a:rPr lang="ko-KR" altLang="en-US" sz="1000" u="none" strike="noStrike" dirty="0">
-                          <a:effectLst/>
-                        </a:rPr>
-                        <a:t>　</a:t>
-                      </a:r>
-                      <a:endParaRPr lang="ko-KR" altLang="en-US" sz="1000" b="0" i="0" u="none" strike="noStrike" dirty="0">
-                        <a:solidFill>
-                          <a:srgbClr val="000000"/>
-                        </a:solidFill>
-                        <a:effectLst/>
-                        <a:latin typeface="맑은 고딕" panose="020B0503020000020004" pitchFamily="34" charset="-127"/>
-                        <a:ea typeface="맑은 고딕" panose="020B0503020000020004" pitchFamily="34" charset="-127"/>
-                      </a:endParaRPr>
-                    </a:p>
-                  </a:txBody>
-                  <a:tcPr marL="7789" marR="7789" marT="7789" marB="0" anchor="ctr">
-                    <a:lnL w="12700" cap="flat" cmpd="sng" algn="ctr">
-                      <a:solidFill>
-                        <a:schemeClr val="tx1"/>
-                      </a:solidFill>
-                      <a:prstDash val="solid"/>
-                      <a:round/>
-                      <a:headEnd type="none" w="med" len="med"/>
-                      <a:tailEnd type="none" w="med" len="med"/>
-                    </a:lnL>
-                    <a:lnR w="12700" cap="flat" cmpd="sng" algn="ctr">
-                      <a:solidFill>
-                        <a:schemeClr val="tx1"/>
-                      </a:solidFill>
-                      <a:prstDash val="solid"/>
-                      <a:round/>
-                      <a:headEnd type="none" w="med" len="med"/>
-                      <a:tailEnd type="none" w="med" len="med"/>
-                    </a:lnR>
-                    <a:lnT w="12700" cap="flat" cmpd="sng" algn="ctr">
-                      <a:solidFill>
-                        <a:schemeClr val="tx1"/>
-                      </a:solidFill>
-                      <a:prstDash val="solid"/>
-                      <a:round/>
-                      <a:headEnd type="none" w="med" len="med"/>
-                      <a:tailEnd type="none" w="med" len="med"/>
-                    </a:lnT>
-                    <a:lnB w="12700" cap="flat" cmpd="sng" algn="ctr">
-                      <a:solidFill>
-                        <a:schemeClr val="tx1"/>
-                      </a:solidFill>
-                      <a:prstDash val="solid"/>
-                      <a:round/>
-                      <a:headEnd type="none" w="med" len="med"/>
-                      <a:tailEnd type="none" w="med" len="med"/>
-                    </a:lnB>
-                    <a:solidFill>
-                      <a:schemeClr val="bg1"/>
-                    </a:solidFill>
-                  </a:tcPr>
-                </a:tc>
-                <a:extLst>
-                  <a:ext uri="{0D108BD9-81ED-4DB2-BD59-A6C34878D82A}">
-                    <a16:rowId xmlns:a16="http://schemas.microsoft.com/office/drawing/2014/main" val="2745676631"/>
-                  </a:ext>
-                </a:extLst>
-              </a:tr>
-              <a:tr h="267409">
-                <a:tc>
-                  <a:txBody>
-                    <a:bodyPr/>
-                    <a:lstStyle/>
-                    <a:p>
-                      <a:pPr algn="ctr" fontAlgn="ctr"/>
-                      <a:r>
-                        <a:rPr lang="ko-KR" altLang="en-US" sz="1000" u="none" strike="noStrike" dirty="0" err="1">
-                          <a:effectLst/>
-                        </a:rPr>
-                        <a:t>메뉴경로</a:t>
-                      </a:r>
-                      <a:endParaRPr lang="ko-KR" altLang="en-US" sz="1000" b="0" i="0" u="none" strike="noStrike" dirty="0">
-                        <a:solidFill>
-                          <a:srgbClr val="000000"/>
-                        </a:solidFill>
-                        <a:effectLst/>
-                        <a:latin typeface="맑은 고딕" panose="020B0503020000020004" pitchFamily="34" charset="-127"/>
-                        <a:ea typeface="맑은 고딕" panose="020B0503020000020004" pitchFamily="34" charset="-127"/>
-                      </a:endParaRPr>
-                    </a:p>
-                  </a:txBody>
-                  <a:tcPr marL="7789" marR="7789" marT="7789" marB="0" anchor="ctr">
-                    <a:lnL w="12700" cap="flat" cmpd="sng" algn="ctr">
-                      <a:solidFill>
-                        <a:schemeClr val="tx1"/>
-                      </a:solidFill>
-                      <a:prstDash val="solid"/>
-                      <a:round/>
-                      <a:headEnd type="none" w="med" len="med"/>
-                      <a:tailEnd type="none" w="med" len="med"/>
-                    </a:lnL>
-                    <a:lnR w="12700" cap="flat" cmpd="sng" algn="ctr">
-                      <a:solidFill>
-                        <a:schemeClr val="tx1"/>
-                      </a:solidFill>
-                      <a:prstDash val="solid"/>
-                      <a:round/>
-                      <a:headEnd type="none" w="med" len="med"/>
-                      <a:tailEnd type="none" w="med" len="med"/>
-                    </a:lnR>
-                    <a:lnT w="12700" cap="flat" cmpd="sng" algn="ctr">
-                      <a:solidFill>
-                        <a:schemeClr val="tx1"/>
-                      </a:solidFill>
-                      <a:prstDash val="solid"/>
-                      <a:round/>
-                      <a:headEnd type="none" w="med" len="med"/>
-                      <a:tailEnd type="none" w="med" len="med"/>
-                    </a:lnT>
-                    <a:lnB w="12700" cap="flat" cmpd="sng" algn="ctr">
-                      <a:solidFill>
-                        <a:schemeClr val="tx1"/>
-                      </a:solidFill>
-                      <a:prstDash val="solid"/>
-                      <a:round/>
-                      <a:headEnd type="none" w="med" len="med"/>
-                      <a:tailEnd type="none" w="med" len="med"/>
-                    </a:lnB>
-                  </a:tcPr>
-                </a:tc>
-                <a:tc gridSpan="3">
-                  <a:txBody>
-                    <a:bodyPr/>
-                    <a:lstStyle/>
-                    <a:p>
-                      <a:pPr algn="ctr" fontAlgn="ctr"/>
-                      <a:r>
-                        <a:rPr lang="ko-KR" altLang="en-US" sz="1000" u="none" strike="noStrike" dirty="0">
-                          <a:effectLst/>
-                        </a:rPr>
-                        <a:t>메인 </a:t>
-                      </a:r>
-                      <a:r>
-                        <a:rPr lang="en-US" altLang="ko-KR" sz="1000" u="none" strike="noStrike" dirty="0">
-                          <a:effectLst/>
-                        </a:rPr>
-                        <a:t>&gt;</a:t>
-                      </a:r>
-                      <a:r>
-                        <a:rPr lang="ko-KR" altLang="en-US" sz="1000" u="none" strike="noStrike" dirty="0">
-                          <a:effectLst/>
-                        </a:rPr>
-                        <a:t> 유저 정보 </a:t>
-                      </a:r>
-                      <a:r>
-                        <a:rPr lang="en-US" altLang="ko-KR" sz="1000" u="none" strike="noStrike" dirty="0">
-                          <a:effectLst/>
-                        </a:rPr>
-                        <a:t>&gt;</a:t>
-                      </a:r>
-                      <a:r>
-                        <a:rPr lang="ko-KR" altLang="en-US" sz="1000" u="none" strike="noStrike" dirty="0">
-                          <a:effectLst/>
-                        </a:rPr>
-                        <a:t> 정보 수정　</a:t>
-                      </a:r>
-                      <a:endParaRPr lang="ko-KR" altLang="en-US" sz="1000" b="0" i="0" u="none" strike="noStrike" dirty="0">
-                        <a:solidFill>
-                          <a:srgbClr val="000000"/>
-                        </a:solidFill>
-                        <a:effectLst/>
-                        <a:latin typeface="맑은 고딕" panose="020B0503020000020004" pitchFamily="34" charset="-127"/>
-                        <a:ea typeface="맑은 고딕" panose="020B0503020000020004" pitchFamily="34" charset="-127"/>
-                      </a:endParaRPr>
-                    </a:p>
-                  </a:txBody>
-                  <a:tcPr marL="7789" marR="7789" marT="7789" marB="0" anchor="ctr">
-                    <a:lnL w="12700" cap="flat" cmpd="sng" algn="ctr">
-                      <a:solidFill>
-                        <a:schemeClr val="tx1"/>
-                      </a:solidFill>
-                      <a:prstDash val="solid"/>
-                      <a:round/>
-                      <a:headEnd type="none" w="med" len="med"/>
-                      <a:tailEnd type="none" w="med" len="med"/>
-                    </a:lnL>
-                    <a:lnR w="12700" cap="flat" cmpd="sng" algn="ctr">
-                      <a:solidFill>
-                        <a:schemeClr val="tx1"/>
-                      </a:solidFill>
-                      <a:prstDash val="solid"/>
-                      <a:round/>
-                      <a:headEnd type="none" w="med" len="med"/>
-                      <a:tailEnd type="none" w="med" len="med"/>
-                    </a:lnR>
-                    <a:lnT w="12700" cap="flat" cmpd="sng" algn="ctr">
-                      <a:solidFill>
-                        <a:schemeClr val="tx1"/>
-                      </a:solidFill>
-                      <a:prstDash val="solid"/>
-                      <a:round/>
-                      <a:headEnd type="none" w="med" len="med"/>
-                      <a:tailEnd type="none" w="med" len="med"/>
-                    </a:lnT>
-                    <a:lnB w="12700" cap="flat" cmpd="sng" algn="ctr">
-                      <a:solidFill>
-                        <a:schemeClr val="tx1"/>
-                      </a:solidFill>
-                      <a:prstDash val="solid"/>
-                      <a:round/>
-                      <a:headEnd type="none" w="med" len="med"/>
-                      <a:tailEnd type="none" w="med" len="med"/>
-                    </a:lnB>
-                    <a:solidFill>
-                      <a:schemeClr val="bg1"/>
-                    </a:solidFill>
-                  </a:tcPr>
-                </a:tc>
-                <a:tc hMerge="1">
-                  <a:txBody>
-                    <a:bodyPr/>
-                    <a:lstStyle/>
-                    <a:p>
-                      <a:pPr latinLnBrk="1"/>
-                      <a:endParaRPr lang="ko-KR" altLang="en-US"/>
-                    </a:p>
-                  </a:txBody>
-                  <a:tcPr/>
-                </a:tc>
-                <a:tc hMerge="1">
-                  <a:txBody>
-                    <a:bodyPr/>
-                    <a:lstStyle/>
-                    <a:p>
-                      <a:pPr latinLnBrk="1"/>
-                      <a:endParaRPr lang="ko-KR" altLang="en-US"/>
-                    </a:p>
-                  </a:txBody>
-                  <a:tcPr/>
-                </a:tc>
-                <a:tc gridSpan="2">
-                  <a:txBody>
-                    <a:bodyPr/>
-                    <a:lstStyle/>
-                    <a:p>
-                      <a:pPr algn="ctr" fontAlgn="ctr"/>
-                      <a:r>
-                        <a:rPr lang="ko-KR" altLang="en-US" sz="1000" u="none" strike="noStrike" dirty="0">
-                          <a:effectLst/>
-                        </a:rPr>
-                        <a:t>화면 항목 설명</a:t>
-                      </a:r>
-                      <a:endParaRPr lang="ko-KR" altLang="en-US" sz="1000" b="0" i="0" u="none" strike="noStrike" dirty="0">
-                        <a:solidFill>
-                          <a:srgbClr val="000000"/>
-                        </a:solidFill>
-                        <a:effectLst/>
-                        <a:latin typeface="맑은 고딕" panose="020B0503020000020004" pitchFamily="34" charset="-127"/>
-                        <a:ea typeface="맑은 고딕" panose="020B0503020000020004" pitchFamily="34" charset="-127"/>
-                      </a:endParaRPr>
-                    </a:p>
-                  </a:txBody>
-                  <a:tcPr marL="7789" marR="7789" marT="7789" marB="0" anchor="ctr">
-                    <a:lnL w="12700" cap="flat" cmpd="sng" algn="ctr">
-                      <a:solidFill>
-                        <a:schemeClr val="tx1"/>
-                      </a:solidFill>
-                      <a:prstDash val="solid"/>
-                      <a:round/>
-                      <a:headEnd type="none" w="med" len="med"/>
-                      <a:tailEnd type="none" w="med" len="med"/>
-                    </a:lnL>
-                    <a:lnR w="12700" cap="flat" cmpd="sng" algn="ctr">
-                      <a:solidFill>
-                        <a:schemeClr val="tx1"/>
-                      </a:solidFill>
-                      <a:prstDash val="solid"/>
-                      <a:round/>
-                      <a:headEnd type="none" w="med" len="med"/>
-                      <a:tailEnd type="none" w="med" len="med"/>
-                    </a:lnR>
-                    <a:lnT w="12700" cap="flat" cmpd="sng" algn="ctr">
-                      <a:solidFill>
-                        <a:schemeClr val="tx1"/>
-                      </a:solidFill>
-                      <a:prstDash val="solid"/>
-                      <a:round/>
-                      <a:headEnd type="none" w="med" len="med"/>
-                      <a:tailEnd type="none" w="med" len="med"/>
-                    </a:lnT>
-                    <a:lnB w="12700" cap="flat" cmpd="sng" algn="ctr">
-                      <a:solidFill>
-                        <a:schemeClr val="tx1"/>
-                      </a:solidFill>
-                      <a:prstDash val="solid"/>
-                      <a:round/>
-                      <a:headEnd type="none" w="med" len="med"/>
-                      <a:tailEnd type="none" w="med" len="med"/>
-                    </a:lnB>
-                  </a:tcPr>
-                </a:tc>
-                <a:tc hMerge="1">
-                  <a:txBody>
-                    <a:bodyPr/>
-                    <a:lstStyle/>
-                    <a:p>
-                      <a:pPr latinLnBrk="1"/>
-                      <a:endParaRPr lang="ko-KR" altLang="en-US"/>
-                    </a:p>
-                  </a:txBody>
-                  <a:tcPr/>
-                </a:tc>
-                <a:extLst>
-                  <a:ext uri="{0D108BD9-81ED-4DB2-BD59-A6C34878D82A}">
-                    <a16:rowId xmlns:a16="http://schemas.microsoft.com/office/drawing/2014/main" val="2822108038"/>
-                  </a:ext>
-                </a:extLst>
-              </a:tr>
-              <a:tr h="5689885">
-                <a:tc gridSpan="4">
-                  <a:txBody>
-                    <a:bodyPr/>
-                    <a:lstStyle/>
-                    <a:p>
-                      <a:pPr algn="ctr" fontAlgn="ctr"/>
-                      <a:r>
-                        <a:rPr lang="ko-KR" altLang="en-US" sz="1000" u="none" strike="noStrike" dirty="0">
-                          <a:effectLst/>
-                        </a:rPr>
-                        <a:t>　</a:t>
-                      </a:r>
-                      <a:endParaRPr lang="ko-KR" altLang="en-US" sz="1000" b="0" i="0" u="none" strike="noStrike" dirty="0">
-                        <a:solidFill>
-                          <a:srgbClr val="000000"/>
-                        </a:solidFill>
-                        <a:effectLst/>
-                        <a:latin typeface="맑은 고딕" panose="020B0503020000020004" pitchFamily="34" charset="-127"/>
-                        <a:ea typeface="맑은 고딕" panose="020B0503020000020004" pitchFamily="34" charset="-127"/>
-                      </a:endParaRPr>
-                    </a:p>
-                  </a:txBody>
-                  <a:tcPr marL="7789" marR="7789" marT="7789" marB="0" anchor="ctr">
-                    <a:lnL w="12700" cap="flat" cmpd="sng" algn="ctr">
-                      <a:solidFill>
-                        <a:schemeClr val="tx1"/>
-                      </a:solidFill>
-                      <a:prstDash val="solid"/>
-                      <a:round/>
-                      <a:headEnd type="none" w="med" len="med"/>
-                      <a:tailEnd type="none" w="med" len="med"/>
-                    </a:lnL>
-                    <a:lnR w="12700" cap="flat" cmpd="sng" algn="ctr">
-                      <a:solidFill>
-                        <a:schemeClr val="tx1"/>
-                      </a:solidFill>
-                      <a:prstDash val="solid"/>
-                      <a:round/>
-                      <a:headEnd type="none" w="med" len="med"/>
-                      <a:tailEnd type="none" w="med" len="med"/>
-                    </a:lnR>
-                    <a:lnT w="12700" cap="flat" cmpd="sng" algn="ctr">
-                      <a:solidFill>
-                        <a:schemeClr val="tx1"/>
-                      </a:solidFill>
-                      <a:prstDash val="solid"/>
-                      <a:round/>
-                      <a:headEnd type="none" w="med" len="med"/>
-                      <a:tailEnd type="none" w="med" len="med"/>
-                    </a:lnT>
-                    <a:lnB w="12700" cap="flat" cmpd="sng" algn="ctr">
-                      <a:solidFill>
-                        <a:schemeClr val="tx1"/>
-                      </a:solidFill>
-                      <a:prstDash val="solid"/>
-                      <a:round/>
-                      <a:headEnd type="none" w="med" len="med"/>
-                      <a:tailEnd type="none" w="med" len="med"/>
-                    </a:lnB>
-                    <a:solidFill>
-                      <a:schemeClr val="bg1"/>
-                    </a:solidFill>
-                  </a:tcPr>
-                </a:tc>
-                <a:tc hMerge="1">
-                  <a:txBody>
-                    <a:bodyPr/>
-                    <a:lstStyle/>
-                    <a:p>
-                      <a:pPr latinLnBrk="1"/>
-                      <a:endParaRPr lang="ko-KR" altLang="en-US"/>
-                    </a:p>
-                  </a:txBody>
-                  <a:tcPr/>
-                </a:tc>
-                <a:tc hMerge="1">
-                  <a:txBody>
-                    <a:bodyPr/>
-                    <a:lstStyle/>
-                    <a:p>
-                      <a:pPr latinLnBrk="1"/>
-                      <a:endParaRPr lang="ko-KR" altLang="en-US"/>
-                    </a:p>
-                  </a:txBody>
-                  <a:tcPr/>
-                </a:tc>
-                <a:tc hMerge="1">
-                  <a:txBody>
-                    <a:bodyPr/>
-                    <a:lstStyle/>
-                    <a:p>
-                      <a:pPr latinLnBrk="1"/>
-                      <a:endParaRPr lang="ko-KR" altLang="en-US"/>
-                    </a:p>
-                  </a:txBody>
-                  <a:tcPr/>
-                </a:tc>
-                <a:tc gridSpan="2">
-                  <a:txBody>
-                    <a:bodyPr/>
-                    <a:lstStyle/>
-                    <a:p>
-                      <a:pPr marL="228600" indent="-228600" algn="l" fontAlgn="ctr">
-                        <a:buAutoNum type="arabicPeriod"/>
-                      </a:pPr>
-                      <a:r>
-                        <a:rPr lang="ko-KR" altLang="en-US" sz="1000" u="none" strike="noStrike" dirty="0">
-                          <a:effectLst/>
-                        </a:rPr>
-                        <a:t>정보 수정을 위한 정보 입력</a:t>
-                      </a:r>
-                      <a:endParaRPr lang="en-US" altLang="ko-KR" sz="1000" u="none" strike="noStrike" dirty="0">
-                        <a:effectLst/>
-                      </a:endParaRPr>
-                    </a:p>
-                    <a:p>
-                      <a:pPr marL="228600" indent="-228600" algn="l" fontAlgn="ctr">
-                        <a:buAutoNum type="arabicPeriod"/>
-                      </a:pPr>
-                      <a:endParaRPr lang="en-US" altLang="ko-KR" sz="1000" u="none" strike="noStrike" dirty="0">
-                        <a:effectLst/>
-                      </a:endParaRPr>
-                    </a:p>
-                    <a:p>
-                      <a:pPr marL="228600" indent="-228600" algn="l" fontAlgn="ctr">
-                        <a:buAutoNum type="arabicPeriod"/>
-                      </a:pPr>
-                      <a:r>
-                        <a:rPr lang="ko-KR" altLang="en-US" sz="1000" u="none" strike="noStrike" dirty="0">
-                          <a:effectLst/>
-                        </a:rPr>
-                        <a:t>버튼 </a:t>
-                      </a:r>
-                      <a:r>
-                        <a:rPr lang="ko-KR" altLang="en-US" sz="1000" u="none" strike="noStrike" dirty="0" err="1">
-                          <a:effectLst/>
-                        </a:rPr>
-                        <a:t>클릭시</a:t>
-                      </a:r>
-                      <a:r>
-                        <a:rPr lang="ko-KR" altLang="en-US" sz="1000" u="none" strike="noStrike" dirty="0">
-                          <a:effectLst/>
-                        </a:rPr>
-                        <a:t> 정보 수정　</a:t>
-                      </a:r>
-                      <a:endParaRPr lang="ko-KR" altLang="en-US" sz="1000" b="0" i="0" u="none" strike="noStrike" dirty="0">
-                        <a:solidFill>
-                          <a:srgbClr val="000000"/>
-                        </a:solidFill>
-                        <a:effectLst/>
-                        <a:latin typeface="맑은 고딕" panose="020B0503020000020004" pitchFamily="34" charset="-127"/>
-                        <a:ea typeface="맑은 고딕" panose="020B0503020000020004" pitchFamily="34" charset="-127"/>
-                      </a:endParaRPr>
-                    </a:p>
-                  </a:txBody>
-                  <a:tcPr marL="7789" marR="7789" marT="7789" marB="0" anchor="ctr">
-                    <a:lnL w="12700" cap="flat" cmpd="sng" algn="ctr">
-                      <a:solidFill>
-                        <a:schemeClr val="tx1"/>
-                      </a:solidFill>
-                      <a:prstDash val="solid"/>
-                      <a:round/>
-                      <a:headEnd type="none" w="med" len="med"/>
-                      <a:tailEnd type="none" w="med" len="med"/>
-                    </a:lnL>
-                    <a:lnR w="12700" cap="flat" cmpd="sng" algn="ctr">
-                      <a:solidFill>
-                        <a:schemeClr val="tx1"/>
-                      </a:solidFill>
-                      <a:prstDash val="solid"/>
-                      <a:round/>
-                      <a:headEnd type="none" w="med" len="med"/>
-                      <a:tailEnd type="none" w="med" len="med"/>
-                    </a:lnR>
-                    <a:lnT w="12700" cap="flat" cmpd="sng" algn="ctr">
-                      <a:solidFill>
-                        <a:schemeClr val="tx1"/>
-                      </a:solidFill>
-                      <a:prstDash val="solid"/>
-                      <a:round/>
-                      <a:headEnd type="none" w="med" len="med"/>
-                      <a:tailEnd type="none" w="med" len="med"/>
-                    </a:lnT>
-                    <a:lnB w="12700" cap="flat" cmpd="sng" algn="ctr">
-                      <a:solidFill>
-                        <a:schemeClr val="tx1"/>
-                      </a:solidFill>
-                      <a:prstDash val="solid"/>
-                      <a:round/>
-                      <a:headEnd type="none" w="med" len="med"/>
-                      <a:tailEnd type="none" w="med" len="med"/>
-                    </a:lnB>
-                    <a:solidFill>
-                      <a:schemeClr val="bg1"/>
-                    </a:solidFill>
-                  </a:tcPr>
-                </a:tc>
-                <a:tc hMerge="1">
-                  <a:txBody>
-                    <a:bodyPr/>
-                    <a:lstStyle/>
-                    <a:p>
-                      <a:pPr latinLnBrk="1"/>
-                      <a:endParaRPr lang="ko-KR" altLang="en-US"/>
-                    </a:p>
-                  </a:txBody>
-                  <a:tcPr/>
-                </a:tc>
-                <a:extLst>
-                  <a:ext uri="{0D108BD9-81ED-4DB2-BD59-A6C34878D82A}">
-                    <a16:rowId xmlns:a16="http://schemas.microsoft.com/office/drawing/2014/main" val="3381953073"/>
-                  </a:ext>
-                </a:extLst>
-              </a:tr>
-            </a:tbl>
-          </a:graphicData>
-        </a:graphic>
-      </p:graphicFrame>
-      <p:sp>
-        <p:nvSpPr>
-          <p:cNvPr id="3" name="TextBox 2">
-            <a:extLst>
-              <a:ext uri="{FF2B5EF4-FFF2-40B4-BE49-F238E27FC236}">
-                <a16:creationId xmlns:a16="http://schemas.microsoft.com/office/drawing/2014/main" id="{8BE4E6CA-5037-4246-B122-6F42B969A1E6}"/>
-              </a:ext>
-            </a:extLst>
-          </p:cNvPr>
-          <p:cNvSpPr txBox="1"/>
-          <p:nvPr/>
-        </p:nvSpPr>
-        <p:spPr>
-          <a:xfrm>
-            <a:off x="2498502" y="2125014"/>
-            <a:ext cx="779381" cy="369332"/>
-          </a:xfrm>
-          <a:prstGeom prst="rect">
-            <a:avLst/>
-          </a:prstGeom>
-          <a:noFill/>
-        </p:spPr>
-        <p:txBody>
-          <a:bodyPr wrap="none" rtlCol="0">
-            <a:spAutoFit/>
-          </a:bodyPr>
-          <a:lstStyle/>
-          <a:p>
-            <a:r>
-              <a:rPr kumimoji="1" lang="ko-KR" altLang="en-US" dirty="0"/>
-              <a:t>이름 </a:t>
-            </a:r>
-            <a:r>
-              <a:rPr kumimoji="1" lang="en-US" altLang="ko-KR" dirty="0"/>
-              <a:t>:</a:t>
-            </a:r>
-          </a:p>
-        </p:txBody>
-      </p:sp>
-      <p:sp>
-        <p:nvSpPr>
-          <p:cNvPr id="5" name="TextBox 4">
-            <a:extLst>
-              <a:ext uri="{FF2B5EF4-FFF2-40B4-BE49-F238E27FC236}">
-                <a16:creationId xmlns:a16="http://schemas.microsoft.com/office/drawing/2014/main" id="{43245D1A-6486-1F46-BA1B-A685A239373D}"/>
-              </a:ext>
-            </a:extLst>
-          </p:cNvPr>
-          <p:cNvSpPr txBox="1"/>
-          <p:nvPr/>
-        </p:nvSpPr>
-        <p:spPr>
-          <a:xfrm>
-            <a:off x="2498502" y="1724904"/>
-            <a:ext cx="1256049" cy="400110"/>
-          </a:xfrm>
-          <a:prstGeom prst="rect">
-            <a:avLst/>
-          </a:prstGeom>
-          <a:noFill/>
-        </p:spPr>
-        <p:txBody>
-          <a:bodyPr wrap="none" rtlCol="0">
-            <a:spAutoFit/>
-          </a:bodyPr>
-          <a:lstStyle/>
-          <a:p>
-            <a:r>
-              <a:rPr kumimoji="1" lang="en-US" altLang="ko-KR" sz="2000" dirty="0">
-                <a:solidFill>
-                  <a:schemeClr val="accent2"/>
-                </a:solidFill>
-              </a:rPr>
-              <a:t>MY PAGE</a:t>
-            </a:r>
-            <a:endParaRPr kumimoji="1" lang="ko-KR" altLang="en-US" sz="2000" dirty="0">
-              <a:solidFill>
-                <a:schemeClr val="accent2"/>
-              </a:solidFill>
-            </a:endParaRPr>
-          </a:p>
-        </p:txBody>
-      </p:sp>
-      <p:sp>
-        <p:nvSpPr>
-          <p:cNvPr id="6" name="직사각형 5">
-            <a:extLst>
-              <a:ext uri="{FF2B5EF4-FFF2-40B4-BE49-F238E27FC236}">
-                <a16:creationId xmlns:a16="http://schemas.microsoft.com/office/drawing/2014/main" id="{BD347533-F835-264E-AC6B-CF28592A0456}"/>
-              </a:ext>
-            </a:extLst>
-          </p:cNvPr>
-          <p:cNvSpPr/>
-          <p:nvPr/>
-        </p:nvSpPr>
-        <p:spPr>
-          <a:xfrm>
-            <a:off x="2212127" y="5350641"/>
-            <a:ext cx="914399" cy="399245"/>
-          </a:xfrm>
-          <a:prstGeom prst="rect">
-            <a:avLst/>
-          </a:prstGeom>
-          <a:solidFill>
-            <a:schemeClr val="accent2"/>
-          </a:solidFill>
-          <a:ln>
-            <a:solidFill>
-              <a:schemeClr val="bg1"/>
-            </a:solidFill>
-          </a:ln>
-        </p:spPr>
-        <p:style>
-          <a:lnRef idx="2">
-            <a:schemeClr val="accent1">
-              <a:shade val="50000"/>
-            </a:schemeClr>
-          </a:lnRef>
-          <a:fillRef idx="1">
-            <a:schemeClr val="accent1"/>
-          </a:fillRef>
-          <a:effectRef idx="0">
-            <a:schemeClr val="accent1"/>
-          </a:effectRef>
-          <a:fontRef idx="minor">
-            <a:schemeClr val="lt1"/>
-          </a:fontRef>
-        </p:style>
-        <p:txBody>
-          <a:bodyPr rtlCol="0" anchor="ctr"/>
-          <a:lstStyle/>
-          <a:p>
-            <a:pPr algn="ctr"/>
-            <a:r>
-              <a:rPr kumimoji="1" lang="ko-KR" altLang="en-US" sz="1300" dirty="0"/>
-              <a:t>정보수정</a:t>
-            </a:r>
-          </a:p>
-        </p:txBody>
-      </p:sp>
-      <p:sp>
-        <p:nvSpPr>
-          <p:cNvPr id="2" name="직사각형 1">
-            <a:extLst>
-              <a:ext uri="{FF2B5EF4-FFF2-40B4-BE49-F238E27FC236}">
-                <a16:creationId xmlns:a16="http://schemas.microsoft.com/office/drawing/2014/main" id="{F21A7F54-002B-EC45-9B5B-74244DC3B183}"/>
-              </a:ext>
-            </a:extLst>
-          </p:cNvPr>
-          <p:cNvSpPr/>
-          <p:nvPr/>
-        </p:nvSpPr>
-        <p:spPr>
-          <a:xfrm>
-            <a:off x="3508715" y="2183696"/>
-            <a:ext cx="2446986" cy="244699"/>
-          </a:xfrm>
-          <a:prstGeom prst="rect">
-            <a:avLst/>
-          </a:prstGeom>
-          <a:noFill/>
-          <a:ln>
-            <a:solidFill>
-              <a:schemeClr val="tx1"/>
-            </a:solidFill>
-          </a:ln>
-        </p:spPr>
-        <p:style>
-          <a:lnRef idx="2">
-            <a:schemeClr val="accent1">
-              <a:shade val="50000"/>
-            </a:schemeClr>
-          </a:lnRef>
-          <a:fillRef idx="1">
-            <a:schemeClr val="accent1"/>
-          </a:fillRef>
-          <a:effectRef idx="0">
-            <a:schemeClr val="accent1"/>
-          </a:effectRef>
-          <a:fontRef idx="minor">
-            <a:schemeClr val="lt1"/>
-          </a:fontRef>
-        </p:style>
-        <p:txBody>
-          <a:bodyPr rtlCol="0" anchor="ctr"/>
-          <a:lstStyle/>
-          <a:p>
-            <a:pPr algn="ctr"/>
-            <a:endParaRPr kumimoji="1" lang="ko-KR" altLang="en-US"/>
-          </a:p>
-        </p:txBody>
-      </p:sp>
-      <p:sp>
-        <p:nvSpPr>
-          <p:cNvPr id="10" name="TextBox 9">
-            <a:extLst>
-              <a:ext uri="{FF2B5EF4-FFF2-40B4-BE49-F238E27FC236}">
-                <a16:creationId xmlns:a16="http://schemas.microsoft.com/office/drawing/2014/main" id="{71AB0CC2-FA0B-EC47-8B40-0BD412CC4871}"/>
-              </a:ext>
-            </a:extLst>
-          </p:cNvPr>
-          <p:cNvSpPr txBox="1"/>
-          <p:nvPr/>
-        </p:nvSpPr>
-        <p:spPr>
-          <a:xfrm>
-            <a:off x="2165601" y="1550719"/>
-            <a:ext cx="415498" cy="369332"/>
-          </a:xfrm>
-          <a:prstGeom prst="rect">
-            <a:avLst/>
-          </a:prstGeom>
-          <a:noFill/>
-        </p:spPr>
-        <p:txBody>
-          <a:bodyPr wrap="none" rtlCol="0">
-            <a:spAutoFit/>
-          </a:bodyPr>
-          <a:lstStyle/>
-          <a:p>
-            <a:r>
-              <a:rPr lang="ko-KR" altLang="en-US" b="0" i="0" dirty="0">
-                <a:solidFill>
-                  <a:srgbClr val="FF0000"/>
-                </a:solidFill>
-                <a:effectLst/>
-                <a:latin typeface="Malgun Gothic" panose="020B0503020000020004" pitchFamily="34" charset="-127"/>
-                <a:ea typeface="Malgun Gothic" panose="020B0503020000020004" pitchFamily="34" charset="-127"/>
-              </a:rPr>
-              <a:t>①</a:t>
-            </a:r>
-            <a:endParaRPr kumimoji="1" lang="ko-KR" altLang="en-US" dirty="0">
-              <a:solidFill>
-                <a:srgbClr val="FF0000"/>
-              </a:solidFill>
-            </a:endParaRPr>
-          </a:p>
-        </p:txBody>
-      </p:sp>
-      <p:sp>
-        <p:nvSpPr>
-          <p:cNvPr id="11" name="TextBox 10">
-            <a:extLst>
-              <a:ext uri="{FF2B5EF4-FFF2-40B4-BE49-F238E27FC236}">
-                <a16:creationId xmlns:a16="http://schemas.microsoft.com/office/drawing/2014/main" id="{91E79DFE-DCDA-DA48-9E3E-50FE47C41CEC}"/>
-              </a:ext>
-            </a:extLst>
-          </p:cNvPr>
-          <p:cNvSpPr txBox="1"/>
-          <p:nvPr/>
-        </p:nvSpPr>
-        <p:spPr>
-          <a:xfrm>
-            <a:off x="1948724" y="5032229"/>
-            <a:ext cx="415498" cy="369332"/>
-          </a:xfrm>
-          <a:prstGeom prst="rect">
-            <a:avLst/>
-          </a:prstGeom>
-          <a:noFill/>
-        </p:spPr>
-        <p:txBody>
-          <a:bodyPr wrap="none" rtlCol="0">
-            <a:spAutoFit/>
-          </a:bodyPr>
-          <a:lstStyle/>
-          <a:p>
-            <a:r>
-              <a:rPr lang="ko-KR" altLang="en-US" b="0" i="0" dirty="0">
-                <a:solidFill>
-                  <a:srgbClr val="FF0000"/>
-                </a:solidFill>
-                <a:effectLst/>
-                <a:latin typeface="Malgun Gothic" panose="020B0503020000020004" pitchFamily="34" charset="-127"/>
-                <a:ea typeface="Malgun Gothic" panose="020B0503020000020004" pitchFamily="34" charset="-127"/>
-              </a:rPr>
-              <a:t>②</a:t>
-            </a:r>
-            <a:endParaRPr kumimoji="1" lang="ko-KR" altLang="en-US" dirty="0">
-              <a:solidFill>
-                <a:srgbClr val="FF0000"/>
-              </a:solidFill>
-            </a:endParaRPr>
-          </a:p>
-        </p:txBody>
-      </p:sp>
-      <p:sp>
-        <p:nvSpPr>
-          <p:cNvPr id="14" name="TextBox 13">
-            <a:extLst>
-              <a:ext uri="{FF2B5EF4-FFF2-40B4-BE49-F238E27FC236}">
-                <a16:creationId xmlns:a16="http://schemas.microsoft.com/office/drawing/2014/main" id="{F2226900-F833-A440-8974-F5CE6B595129}"/>
-              </a:ext>
-            </a:extLst>
-          </p:cNvPr>
-          <p:cNvSpPr txBox="1"/>
-          <p:nvPr/>
-        </p:nvSpPr>
-        <p:spPr>
-          <a:xfrm>
-            <a:off x="2255637" y="3096316"/>
-            <a:ext cx="1118014" cy="369332"/>
-          </a:xfrm>
-          <a:prstGeom prst="rect">
-            <a:avLst/>
-          </a:prstGeom>
-          <a:noFill/>
-        </p:spPr>
-        <p:txBody>
-          <a:bodyPr wrap="square" rtlCol="0">
-            <a:spAutoFit/>
-          </a:bodyPr>
-          <a:lstStyle/>
-          <a:p>
-            <a:r>
-              <a:rPr kumimoji="1" lang="ko-KR" altLang="en-US" dirty="0"/>
-              <a:t>연령대</a:t>
-            </a:r>
-          </a:p>
-        </p:txBody>
-      </p:sp>
-      <p:grpSp>
-        <p:nvGrpSpPr>
-          <p:cNvPr id="17" name="그룹 16">
-            <a:extLst>
-              <a:ext uri="{FF2B5EF4-FFF2-40B4-BE49-F238E27FC236}">
-                <a16:creationId xmlns:a16="http://schemas.microsoft.com/office/drawing/2014/main" id="{3AC375E5-7A63-C142-B40D-E63DCFDF88EF}"/>
-              </a:ext>
-            </a:extLst>
-          </p:cNvPr>
-          <p:cNvGrpSpPr/>
-          <p:nvPr/>
-        </p:nvGrpSpPr>
-        <p:grpSpPr>
-          <a:xfrm>
-            <a:off x="2498502" y="2569127"/>
-            <a:ext cx="4861349" cy="351087"/>
-            <a:chOff x="1970192" y="3655635"/>
-            <a:chExt cx="5472256" cy="379133"/>
-          </a:xfrm>
-        </p:grpSpPr>
-        <p:sp>
-          <p:nvSpPr>
-            <p:cNvPr id="18" name="타원 17">
-              <a:extLst>
-                <a:ext uri="{FF2B5EF4-FFF2-40B4-BE49-F238E27FC236}">
-                  <a16:creationId xmlns:a16="http://schemas.microsoft.com/office/drawing/2014/main" id="{4D8BB11E-7AC2-3240-91A0-25928B5C5824}"/>
-                </a:ext>
-              </a:extLst>
-            </p:cNvPr>
-            <p:cNvSpPr/>
-            <p:nvPr/>
-          </p:nvSpPr>
-          <p:spPr>
-            <a:xfrm>
-              <a:off x="2955318" y="3688701"/>
-              <a:ext cx="321972" cy="321972"/>
-            </a:xfrm>
-            <a:prstGeom prst="ellipse">
-              <a:avLst/>
-            </a:prstGeom>
-            <a:noFill/>
-            <a:ln>
-              <a:solidFill>
-                <a:schemeClr val="tx1">
-                  <a:lumMod val="75000"/>
-                  <a:lumOff val="25000"/>
-                </a:schemeClr>
-              </a:solidFill>
-            </a:ln>
-          </p:spPr>
-          <p:style>
-            <a:lnRef idx="2">
-              <a:schemeClr val="accent1">
-                <a:shade val="50000"/>
-              </a:schemeClr>
-            </a:lnRef>
-            <a:fillRef idx="1">
-              <a:schemeClr val="accent1"/>
-            </a:fillRef>
-            <a:effectRef idx="0">
-              <a:schemeClr val="accent1"/>
-            </a:effectRef>
-            <a:fontRef idx="minor">
-              <a:schemeClr val="lt1"/>
-            </a:fontRef>
-          </p:style>
-          <p:txBody>
-            <a:bodyPr rtlCol="0" anchor="ctr"/>
-            <a:lstStyle/>
-            <a:p>
-              <a:pPr algn="ctr"/>
-              <a:endParaRPr kumimoji="1" lang="ko-KR" altLang="en-US"/>
-            </a:p>
-          </p:txBody>
-        </p:sp>
-        <p:sp>
-          <p:nvSpPr>
-            <p:cNvPr id="19" name="타원 18">
-              <a:extLst>
-                <a:ext uri="{FF2B5EF4-FFF2-40B4-BE49-F238E27FC236}">
-                  <a16:creationId xmlns:a16="http://schemas.microsoft.com/office/drawing/2014/main" id="{F631CFC3-DC1E-CB4D-B4EB-0AF603397963}"/>
-                </a:ext>
-              </a:extLst>
-            </p:cNvPr>
-            <p:cNvSpPr/>
-            <p:nvPr/>
-          </p:nvSpPr>
-          <p:spPr>
-            <a:xfrm>
-              <a:off x="4419298" y="3683590"/>
-              <a:ext cx="321972" cy="321972"/>
-            </a:xfrm>
-            <a:prstGeom prst="ellipse">
-              <a:avLst/>
-            </a:prstGeom>
-            <a:noFill/>
-            <a:ln>
-              <a:solidFill>
-                <a:schemeClr val="tx1">
-                  <a:lumMod val="75000"/>
-                  <a:lumOff val="25000"/>
-                </a:schemeClr>
-              </a:solidFill>
-            </a:ln>
-          </p:spPr>
-          <p:style>
-            <a:lnRef idx="2">
-              <a:schemeClr val="accent1">
-                <a:shade val="50000"/>
-              </a:schemeClr>
-            </a:lnRef>
-            <a:fillRef idx="1">
-              <a:schemeClr val="accent1"/>
-            </a:fillRef>
-            <a:effectRef idx="0">
-              <a:schemeClr val="accent1"/>
-            </a:effectRef>
-            <a:fontRef idx="minor">
-              <a:schemeClr val="lt1"/>
-            </a:fontRef>
-          </p:style>
-          <p:txBody>
-            <a:bodyPr rtlCol="0" anchor="ctr"/>
-            <a:lstStyle/>
-            <a:p>
-              <a:pPr algn="ctr"/>
-              <a:endParaRPr kumimoji="1" lang="ko-KR" altLang="en-US"/>
-            </a:p>
-          </p:txBody>
-        </p:sp>
-        <p:sp>
-          <p:nvSpPr>
-            <p:cNvPr id="20" name="TextBox 19">
-              <a:extLst>
-                <a:ext uri="{FF2B5EF4-FFF2-40B4-BE49-F238E27FC236}">
-                  <a16:creationId xmlns:a16="http://schemas.microsoft.com/office/drawing/2014/main" id="{A8F9B1BD-84EC-6349-BA71-FBBAAAED0CA6}"/>
-                </a:ext>
-              </a:extLst>
-            </p:cNvPr>
-            <p:cNvSpPr txBox="1"/>
-            <p:nvPr/>
-          </p:nvSpPr>
-          <p:spPr>
-            <a:xfrm>
-              <a:off x="1970192" y="3655635"/>
-              <a:ext cx="646331" cy="369332"/>
-            </a:xfrm>
-            <a:prstGeom prst="rect">
-              <a:avLst/>
-            </a:prstGeom>
-            <a:noFill/>
-          </p:spPr>
-          <p:txBody>
-            <a:bodyPr wrap="none" rtlCol="0">
-              <a:spAutoFit/>
-            </a:bodyPr>
-            <a:lstStyle/>
-            <a:p>
-              <a:r>
-                <a:rPr kumimoji="1" lang="ko-KR" altLang="en-US" dirty="0"/>
-                <a:t>성별</a:t>
-              </a:r>
-            </a:p>
-          </p:txBody>
-        </p:sp>
-        <p:sp>
-          <p:nvSpPr>
-            <p:cNvPr id="21" name="TextBox 20">
-              <a:extLst>
-                <a:ext uri="{FF2B5EF4-FFF2-40B4-BE49-F238E27FC236}">
-                  <a16:creationId xmlns:a16="http://schemas.microsoft.com/office/drawing/2014/main" id="{74C22399-94F9-5B48-B2F1-870F31B9C153}"/>
-                </a:ext>
-              </a:extLst>
-            </p:cNvPr>
-            <p:cNvSpPr txBox="1"/>
-            <p:nvPr/>
-          </p:nvSpPr>
-          <p:spPr>
-            <a:xfrm>
-              <a:off x="3525492" y="3655635"/>
-              <a:ext cx="646331" cy="369332"/>
-            </a:xfrm>
-            <a:prstGeom prst="rect">
-              <a:avLst/>
-            </a:prstGeom>
-            <a:noFill/>
-          </p:spPr>
-          <p:txBody>
-            <a:bodyPr wrap="none" rtlCol="0">
-              <a:spAutoFit/>
-            </a:bodyPr>
-            <a:lstStyle/>
-            <a:p>
-              <a:r>
-                <a:rPr kumimoji="1" lang="ko-KR" altLang="en-US" dirty="0"/>
-                <a:t>남성</a:t>
-              </a:r>
-            </a:p>
-          </p:txBody>
-        </p:sp>
-        <p:sp>
-          <p:nvSpPr>
-            <p:cNvPr id="22" name="TextBox 21">
-              <a:extLst>
-                <a:ext uri="{FF2B5EF4-FFF2-40B4-BE49-F238E27FC236}">
-                  <a16:creationId xmlns:a16="http://schemas.microsoft.com/office/drawing/2014/main" id="{9FF6FC08-21AA-5C41-997B-743505FCF4CC}"/>
-                </a:ext>
-              </a:extLst>
-            </p:cNvPr>
-            <p:cNvSpPr txBox="1"/>
-            <p:nvPr/>
-          </p:nvSpPr>
-          <p:spPr>
-            <a:xfrm>
-              <a:off x="5097418" y="3665436"/>
-              <a:ext cx="646331" cy="369332"/>
-            </a:xfrm>
-            <a:prstGeom prst="rect">
-              <a:avLst/>
-            </a:prstGeom>
-            <a:noFill/>
-          </p:spPr>
-          <p:txBody>
-            <a:bodyPr wrap="none" rtlCol="0">
-              <a:spAutoFit/>
-            </a:bodyPr>
-            <a:lstStyle/>
-            <a:p>
-              <a:r>
-                <a:rPr kumimoji="1" lang="ko-KR" altLang="en-US" dirty="0"/>
-                <a:t>여성</a:t>
-              </a:r>
-            </a:p>
-          </p:txBody>
-        </p:sp>
-        <p:sp>
-          <p:nvSpPr>
-            <p:cNvPr id="23" name="타원 22">
-              <a:extLst>
-                <a:ext uri="{FF2B5EF4-FFF2-40B4-BE49-F238E27FC236}">
-                  <a16:creationId xmlns:a16="http://schemas.microsoft.com/office/drawing/2014/main" id="{E3516780-BF0E-B14B-8131-C49AEC2E62BE}"/>
-                </a:ext>
-              </a:extLst>
-            </p:cNvPr>
-            <p:cNvSpPr/>
-            <p:nvPr/>
-          </p:nvSpPr>
-          <p:spPr>
-            <a:xfrm>
-              <a:off x="5993531" y="3675316"/>
-              <a:ext cx="321972" cy="329969"/>
-            </a:xfrm>
-            <a:prstGeom prst="ellipse">
-              <a:avLst/>
-            </a:prstGeom>
-            <a:noFill/>
-            <a:ln>
-              <a:solidFill>
-                <a:schemeClr val="tx1">
-                  <a:lumMod val="75000"/>
-                  <a:lumOff val="25000"/>
-                </a:schemeClr>
-              </a:solidFill>
-            </a:ln>
-          </p:spPr>
-          <p:style>
-            <a:lnRef idx="2">
-              <a:schemeClr val="accent1">
-                <a:shade val="50000"/>
-              </a:schemeClr>
-            </a:lnRef>
-            <a:fillRef idx="1">
-              <a:schemeClr val="accent1"/>
-            </a:fillRef>
-            <a:effectRef idx="0">
-              <a:schemeClr val="accent1"/>
-            </a:effectRef>
-            <a:fontRef idx="minor">
-              <a:schemeClr val="lt1"/>
-            </a:fontRef>
-          </p:style>
-          <p:txBody>
-            <a:bodyPr rtlCol="0" anchor="ctr"/>
-            <a:lstStyle/>
-            <a:p>
-              <a:pPr algn="ctr"/>
-              <a:endParaRPr kumimoji="1" lang="ko-KR" altLang="en-US"/>
-            </a:p>
-          </p:txBody>
-        </p:sp>
-        <p:sp>
-          <p:nvSpPr>
-            <p:cNvPr id="24" name="TextBox 23">
-              <a:extLst>
-                <a:ext uri="{FF2B5EF4-FFF2-40B4-BE49-F238E27FC236}">
-                  <a16:creationId xmlns:a16="http://schemas.microsoft.com/office/drawing/2014/main" id="{96BE1342-3897-9441-BAAA-680309350C74}"/>
-                </a:ext>
-              </a:extLst>
-            </p:cNvPr>
-            <p:cNvSpPr txBox="1"/>
-            <p:nvPr/>
-          </p:nvSpPr>
-          <p:spPr>
-            <a:xfrm>
-              <a:off x="6565285" y="3663787"/>
-              <a:ext cx="877163" cy="369332"/>
-            </a:xfrm>
-            <a:prstGeom prst="rect">
-              <a:avLst/>
-            </a:prstGeom>
-            <a:noFill/>
-          </p:spPr>
-          <p:txBody>
-            <a:bodyPr wrap="none" rtlCol="0">
-              <a:spAutoFit/>
-            </a:bodyPr>
-            <a:lstStyle/>
-            <a:p>
-              <a:r>
-                <a:rPr kumimoji="1" lang="ko-KR" altLang="en-US" dirty="0"/>
-                <a:t>비공개</a:t>
-              </a:r>
-            </a:p>
-          </p:txBody>
-        </p:sp>
-      </p:grpSp>
-      <p:grpSp>
-        <p:nvGrpSpPr>
-          <p:cNvPr id="7" name="그룹 6">
-            <a:extLst>
-              <a:ext uri="{FF2B5EF4-FFF2-40B4-BE49-F238E27FC236}">
-                <a16:creationId xmlns:a16="http://schemas.microsoft.com/office/drawing/2014/main" id="{01CAE36B-813D-0C47-8F1F-6FE9F67D3E2B}"/>
-              </a:ext>
-            </a:extLst>
-          </p:cNvPr>
-          <p:cNvGrpSpPr/>
-          <p:nvPr/>
-        </p:nvGrpSpPr>
-        <p:grpSpPr>
-          <a:xfrm>
-            <a:off x="3176697" y="3109057"/>
-            <a:ext cx="4004389" cy="1846660"/>
-            <a:chOff x="3176697" y="3109057"/>
-            <a:chExt cx="4004389" cy="1846660"/>
-          </a:xfrm>
-        </p:grpSpPr>
-        <p:sp>
-          <p:nvSpPr>
-            <p:cNvPr id="15" name="TextBox 14">
-              <a:extLst>
-                <a:ext uri="{FF2B5EF4-FFF2-40B4-BE49-F238E27FC236}">
-                  <a16:creationId xmlns:a16="http://schemas.microsoft.com/office/drawing/2014/main" id="{DEA10CCE-1810-7F4B-A889-BCF096EBA457}"/>
-                </a:ext>
-              </a:extLst>
-            </p:cNvPr>
-            <p:cNvSpPr txBox="1"/>
-            <p:nvPr/>
-          </p:nvSpPr>
-          <p:spPr>
-            <a:xfrm>
-              <a:off x="3176697" y="3478389"/>
-              <a:ext cx="4004389" cy="1477328"/>
-            </a:xfrm>
-            <a:prstGeom prst="rect">
-              <a:avLst/>
-            </a:prstGeom>
-            <a:noFill/>
-            <a:ln>
-              <a:solidFill>
-                <a:schemeClr val="tx1">
-                  <a:lumMod val="75000"/>
-                  <a:lumOff val="25000"/>
-                </a:schemeClr>
-              </a:solidFill>
-            </a:ln>
-          </p:spPr>
-          <p:txBody>
-            <a:bodyPr wrap="square" rtlCol="0">
-              <a:spAutoFit/>
-            </a:bodyPr>
-            <a:lstStyle/>
-            <a:p>
-              <a:r>
-                <a:rPr kumimoji="1" lang="en-US" altLang="ko-KR" dirty="0"/>
-                <a:t>10</a:t>
-              </a:r>
-              <a:r>
-                <a:rPr kumimoji="1" lang="ko-KR" altLang="en-US" dirty="0"/>
-                <a:t>대</a:t>
-              </a:r>
-              <a:endParaRPr kumimoji="1" lang="en-US" altLang="ko-KR" dirty="0"/>
-            </a:p>
-            <a:p>
-              <a:r>
-                <a:rPr kumimoji="1" lang="en-US" altLang="ko-KR" dirty="0"/>
-                <a:t>20</a:t>
-              </a:r>
-              <a:r>
-                <a:rPr kumimoji="1" lang="ko-KR" altLang="en-US" dirty="0"/>
-                <a:t>대</a:t>
-              </a:r>
-              <a:endParaRPr kumimoji="1" lang="en-US" altLang="ko-KR" dirty="0"/>
-            </a:p>
-            <a:p>
-              <a:r>
-                <a:rPr kumimoji="1" lang="en-US" altLang="ko-KR" dirty="0"/>
-                <a:t>30</a:t>
-              </a:r>
-              <a:r>
-                <a:rPr kumimoji="1" lang="ko-KR" altLang="en-US" dirty="0"/>
-                <a:t>대</a:t>
-              </a:r>
-              <a:endParaRPr kumimoji="1" lang="en-US" altLang="ko-KR" dirty="0"/>
-            </a:p>
-            <a:p>
-              <a:r>
-                <a:rPr kumimoji="1" lang="en-US" altLang="ko-KR" dirty="0"/>
-                <a:t>40</a:t>
-              </a:r>
-              <a:r>
-                <a:rPr kumimoji="1" lang="ko-KR" altLang="en-US" dirty="0"/>
-                <a:t>대</a:t>
-              </a:r>
-              <a:endParaRPr kumimoji="1" lang="en-US" altLang="ko-KR" dirty="0"/>
-            </a:p>
-            <a:p>
-              <a:r>
-                <a:rPr kumimoji="1" lang="en-US" altLang="ko-KR" dirty="0"/>
-                <a:t>50</a:t>
-              </a:r>
-              <a:r>
-                <a:rPr kumimoji="1" lang="ko-KR" altLang="en-US" dirty="0"/>
-                <a:t>대</a:t>
-              </a:r>
-            </a:p>
-          </p:txBody>
-        </p:sp>
-        <p:sp>
-          <p:nvSpPr>
-            <p:cNvPr id="16" name="TextBox 15">
-              <a:extLst>
-                <a:ext uri="{FF2B5EF4-FFF2-40B4-BE49-F238E27FC236}">
-                  <a16:creationId xmlns:a16="http://schemas.microsoft.com/office/drawing/2014/main" id="{C995CD06-4FD3-494D-8311-6CA8186D51CA}"/>
-                </a:ext>
-              </a:extLst>
-            </p:cNvPr>
-            <p:cNvSpPr txBox="1"/>
-            <p:nvPr/>
-          </p:nvSpPr>
-          <p:spPr>
-            <a:xfrm>
-              <a:off x="3176697" y="3109057"/>
-              <a:ext cx="4004389" cy="369332"/>
-            </a:xfrm>
-            <a:prstGeom prst="rect">
-              <a:avLst/>
-            </a:prstGeom>
-            <a:noFill/>
-            <a:ln>
-              <a:solidFill>
-                <a:schemeClr val="tx1">
-                  <a:lumMod val="75000"/>
-                  <a:lumOff val="25000"/>
-                </a:schemeClr>
-              </a:solidFill>
-            </a:ln>
-          </p:spPr>
-          <p:txBody>
-            <a:bodyPr wrap="square" rtlCol="0">
-              <a:spAutoFit/>
-            </a:bodyPr>
-            <a:lstStyle/>
-            <a:p>
-              <a:r>
-                <a:rPr kumimoji="1" lang="en-US" altLang="ko-KR" dirty="0"/>
-                <a:t>10</a:t>
-              </a:r>
-              <a:r>
-                <a:rPr kumimoji="1" lang="ko-KR" altLang="en-US" dirty="0"/>
-                <a:t>대 미만</a:t>
-              </a:r>
-            </a:p>
-          </p:txBody>
-        </p:sp>
-        <p:sp>
-          <p:nvSpPr>
-            <p:cNvPr id="25" name="삼각형 24">
-              <a:extLst>
-                <a:ext uri="{FF2B5EF4-FFF2-40B4-BE49-F238E27FC236}">
-                  <a16:creationId xmlns:a16="http://schemas.microsoft.com/office/drawing/2014/main" id="{1E9F8E60-9833-7140-9A3E-F7E8CE2A1655}"/>
-                </a:ext>
-              </a:extLst>
-            </p:cNvPr>
-            <p:cNvSpPr/>
-            <p:nvPr/>
-          </p:nvSpPr>
-          <p:spPr>
-            <a:xfrm rot="10800000">
-              <a:off x="6847882" y="3233458"/>
-              <a:ext cx="244698" cy="195541"/>
-            </a:xfrm>
-            <a:prstGeom prst="triangle">
-              <a:avLst/>
-            </a:prstGeom>
-            <a:solidFill>
-              <a:schemeClr val="tx1">
-                <a:lumMod val="75000"/>
-                <a:lumOff val="25000"/>
-              </a:schemeClr>
-            </a:solidFill>
-            <a:ln>
-              <a:solidFill>
-                <a:schemeClr val="tx1">
-                  <a:lumMod val="75000"/>
-                  <a:lumOff val="25000"/>
-                </a:schemeClr>
-              </a:solidFill>
-            </a:ln>
-          </p:spPr>
-          <p:style>
-            <a:lnRef idx="2">
-              <a:schemeClr val="accent1">
-                <a:shade val="50000"/>
-              </a:schemeClr>
-            </a:lnRef>
-            <a:fillRef idx="1">
-              <a:schemeClr val="accent1"/>
-            </a:fillRef>
-            <a:effectRef idx="0">
-              <a:schemeClr val="accent1"/>
-            </a:effectRef>
-            <a:fontRef idx="minor">
-              <a:schemeClr val="lt1"/>
-            </a:fontRef>
-          </p:style>
-          <p:txBody>
-            <a:bodyPr rtlCol="0" anchor="ctr"/>
-            <a:lstStyle/>
-            <a:p>
-              <a:pPr algn="ctr"/>
-              <a:endParaRPr kumimoji="1" lang="ko-KR" altLang="en-US"/>
-            </a:p>
-          </p:txBody>
-        </p:sp>
-      </p:grpSp>
-    </p:spTree>
-    <p:extLst>
-      <p:ext uri="{BB962C8B-B14F-4D97-AF65-F5344CB8AC3E}">
-        <p14:creationId xmlns:p14="http://schemas.microsoft.com/office/powerpoint/2010/main" val="214683754"/>
-      </p:ext>
-    </p:extLst>
-  </p:cSld>
-  <p:clrMapOvr>
-    <a:masterClrMapping/>
-  </p:clrMapOvr>
-</p:sld>
-</file>
-
-<file path=ppt/slides/slide11.xml><?xml version="1.0" encoding="utf-8"?>
-<p:sld xmlns:a="http://schemas.openxmlformats.org/drawingml/2006/main" xmlns:r="http://schemas.openxmlformats.org/officeDocument/2006/relationships" xmlns:p="http://schemas.openxmlformats.org/presentationml/2006/main">
-  <p:cSld>
-    <p:spTree>
-      <p:nvGrpSpPr>
-        <p:cNvPr id="1" name=""/>
-        <p:cNvGrpSpPr/>
-        <p:nvPr/>
-      </p:nvGrpSpPr>
-      <p:grpSpPr>
-        <a:xfrm>
-          <a:off x="0" y="0"/>
-          <a:ext cx="0" cy="0"/>
-          <a:chOff x="0" y="0"/>
-          <a:chExt cx="0" cy="0"/>
-        </a:xfrm>
-      </p:grpSpPr>
-      <p:graphicFrame>
-        <p:nvGraphicFramePr>
-          <p:cNvPr id="4" name="표 3">
-            <a:extLst>
-              <a:ext uri="{FF2B5EF4-FFF2-40B4-BE49-F238E27FC236}">
-                <a16:creationId xmlns:a16="http://schemas.microsoft.com/office/drawing/2014/main" id="{1871E9E0-728D-0947-9BA1-D3EE2E4A8DE7}"/>
-              </a:ext>
-            </a:extLst>
-          </p:cNvPr>
-          <p:cNvGraphicFramePr>
-            <a:graphicFrameLocks noGrp="1"/>
-          </p:cNvGraphicFramePr>
-          <p:nvPr>
-            <p:extLst>
-              <p:ext uri="{D42A27DB-BD31-4B8C-83A1-F6EECF244321}">
-                <p14:modId xmlns:p14="http://schemas.microsoft.com/office/powerpoint/2010/main" val="1674478865"/>
-              </p:ext>
-            </p:extLst>
-          </p:nvPr>
-        </p:nvGraphicFramePr>
-        <p:xfrm>
-          <a:off x="374583" y="316648"/>
-          <a:ext cx="11442833" cy="6224703"/>
-        </p:xfrm>
-        <a:graphic>
-          <a:graphicData uri="http://schemas.openxmlformats.org/drawingml/2006/table">
-            <a:tbl>
-              <a:tblPr>
-                <a:tableStyleId>{073A0DAA-6AF3-43AB-8588-CEC1D06C72B9}</a:tableStyleId>
-              </a:tblPr>
-              <a:tblGrid>
-                <a:gridCol w="1271426">
-                  <a:extLst>
-                    <a:ext uri="{9D8B030D-6E8A-4147-A177-3AD203B41FA5}">
-                      <a16:colId xmlns:a16="http://schemas.microsoft.com/office/drawing/2014/main" val="2047737118"/>
-                    </a:ext>
-                  </a:extLst>
-                </a:gridCol>
-                <a:gridCol w="2542851">
-                  <a:extLst>
-                    <a:ext uri="{9D8B030D-6E8A-4147-A177-3AD203B41FA5}">
-                      <a16:colId xmlns:a16="http://schemas.microsoft.com/office/drawing/2014/main" val="2971336784"/>
-                    </a:ext>
-                  </a:extLst>
-                </a:gridCol>
-                <a:gridCol w="1271426">
-                  <a:extLst>
-                    <a:ext uri="{9D8B030D-6E8A-4147-A177-3AD203B41FA5}">
-                      <a16:colId xmlns:a16="http://schemas.microsoft.com/office/drawing/2014/main" val="1134283172"/>
-                    </a:ext>
-                  </a:extLst>
-                </a:gridCol>
-                <a:gridCol w="3814278">
-                  <a:extLst>
-                    <a:ext uri="{9D8B030D-6E8A-4147-A177-3AD203B41FA5}">
-                      <a16:colId xmlns:a16="http://schemas.microsoft.com/office/drawing/2014/main" val="1344018178"/>
-                    </a:ext>
-                  </a:extLst>
-                </a:gridCol>
-                <a:gridCol w="1271426">
-                  <a:extLst>
-                    <a:ext uri="{9D8B030D-6E8A-4147-A177-3AD203B41FA5}">
-                      <a16:colId xmlns:a16="http://schemas.microsoft.com/office/drawing/2014/main" val="4153710284"/>
-                    </a:ext>
-                  </a:extLst>
-                </a:gridCol>
-                <a:gridCol w="1271426">
-                  <a:extLst>
-                    <a:ext uri="{9D8B030D-6E8A-4147-A177-3AD203B41FA5}">
-                      <a16:colId xmlns:a16="http://schemas.microsoft.com/office/drawing/2014/main" val="16157202"/>
-                    </a:ext>
-                  </a:extLst>
-                </a:gridCol>
-              </a:tblGrid>
-              <a:tr h="267409">
-                <a:tc>
-                  <a:txBody>
-                    <a:bodyPr/>
-                    <a:lstStyle/>
-                    <a:p>
-                      <a:pPr algn="ctr" fontAlgn="ctr"/>
-                      <a:r>
-                        <a:rPr lang="ko-KR" altLang="en-US" sz="1000" u="none" strike="noStrike" dirty="0">
-                          <a:effectLst/>
-                        </a:rPr>
-                        <a:t>화면 유형</a:t>
-                      </a:r>
-                      <a:endParaRPr lang="ko-KR" altLang="en-US" sz="1000" b="0" i="0" u="none" strike="noStrike" dirty="0">
-                        <a:solidFill>
-                          <a:srgbClr val="000000"/>
-                        </a:solidFill>
-                        <a:effectLst/>
-                        <a:latin typeface="맑은 고딕" panose="020B0503020000020004" pitchFamily="34" charset="-127"/>
-                        <a:ea typeface="맑은 고딕" panose="020B0503020000020004" pitchFamily="34" charset="-127"/>
-                      </a:endParaRPr>
-                    </a:p>
-                  </a:txBody>
-                  <a:tcPr marL="7789" marR="7789" marT="7789" marB="0" anchor="ctr">
-                    <a:lnL w="12700" cap="flat" cmpd="sng" algn="ctr">
-                      <a:solidFill>
-                        <a:schemeClr val="tx1"/>
-                      </a:solidFill>
-                      <a:prstDash val="solid"/>
-                      <a:round/>
-                      <a:headEnd type="none" w="med" len="med"/>
-                      <a:tailEnd type="none" w="med" len="med"/>
-                    </a:lnL>
-                    <a:lnR w="12700" cap="flat" cmpd="sng" algn="ctr">
-                      <a:solidFill>
-                        <a:schemeClr val="tx1"/>
-                      </a:solidFill>
-                      <a:prstDash val="solid"/>
-                      <a:round/>
-                      <a:headEnd type="none" w="med" len="med"/>
-                      <a:tailEnd type="none" w="med" len="med"/>
-                    </a:lnR>
-                    <a:lnT w="12700" cap="flat" cmpd="sng" algn="ctr">
-                      <a:solidFill>
-                        <a:schemeClr val="tx1"/>
-                      </a:solidFill>
-                      <a:prstDash val="solid"/>
-                      <a:round/>
-                      <a:headEnd type="none" w="med" len="med"/>
-                      <a:tailEnd type="none" w="med" len="med"/>
-                    </a:lnT>
-                    <a:lnB w="12700" cap="flat" cmpd="sng" algn="ctr">
-                      <a:solidFill>
-                        <a:schemeClr val="tx1"/>
-                      </a:solidFill>
-                      <a:prstDash val="solid"/>
-                      <a:round/>
-                      <a:headEnd type="none" w="med" len="med"/>
-                      <a:tailEnd type="none" w="med" len="med"/>
-                    </a:lnB>
-                  </a:tcPr>
-                </a:tc>
-                <a:tc>
-                  <a:txBody>
-                    <a:bodyPr/>
-                    <a:lstStyle/>
-                    <a:p>
-                      <a:pPr algn="ctr" fontAlgn="ctr"/>
-                      <a:r>
-                        <a:rPr lang="ko-KR" altLang="en-US" sz="1000" u="none" strike="noStrike" dirty="0">
-                          <a:effectLst/>
-                        </a:rPr>
-                        <a:t>　출력</a:t>
-                      </a:r>
-                      <a:endParaRPr lang="ko-KR" altLang="en-US" sz="1000" b="0" i="0" u="none" strike="noStrike" dirty="0">
-                        <a:solidFill>
-                          <a:srgbClr val="000000"/>
-                        </a:solidFill>
-                        <a:effectLst/>
-                        <a:latin typeface="맑은 고딕" panose="020B0503020000020004" pitchFamily="34" charset="-127"/>
-                        <a:ea typeface="맑은 고딕" panose="020B0503020000020004" pitchFamily="34" charset="-127"/>
-                      </a:endParaRPr>
-                    </a:p>
-                  </a:txBody>
-                  <a:tcPr marL="7789" marR="7789" marT="7789" marB="0" anchor="ctr">
-                    <a:lnL w="12700" cap="flat" cmpd="sng" algn="ctr">
-                      <a:solidFill>
-                        <a:schemeClr val="tx1"/>
-                      </a:solidFill>
-                      <a:prstDash val="solid"/>
-                      <a:round/>
-                      <a:headEnd type="none" w="med" len="med"/>
-                      <a:tailEnd type="none" w="med" len="med"/>
-                    </a:lnL>
-                    <a:lnR w="12700" cap="flat" cmpd="sng" algn="ctr">
-                      <a:solidFill>
-                        <a:schemeClr val="tx1"/>
-                      </a:solidFill>
-                      <a:prstDash val="solid"/>
-                      <a:round/>
-                      <a:headEnd type="none" w="med" len="med"/>
-                      <a:tailEnd type="none" w="med" len="med"/>
-                    </a:lnR>
-                    <a:lnT w="12700" cap="flat" cmpd="sng" algn="ctr">
-                      <a:solidFill>
-                        <a:schemeClr val="tx1"/>
-                      </a:solidFill>
-                      <a:prstDash val="solid"/>
-                      <a:round/>
-                      <a:headEnd type="none" w="med" len="med"/>
-                      <a:tailEnd type="none" w="med" len="med"/>
-                    </a:lnT>
-                    <a:lnB w="12700" cap="flat" cmpd="sng" algn="ctr">
-                      <a:solidFill>
-                        <a:schemeClr val="tx1"/>
-                      </a:solidFill>
-                      <a:prstDash val="solid"/>
-                      <a:round/>
-                      <a:headEnd type="none" w="med" len="med"/>
-                      <a:tailEnd type="none" w="med" len="med"/>
-                    </a:lnB>
-                    <a:solidFill>
-                      <a:schemeClr val="bg1"/>
-                    </a:solidFill>
-                  </a:tcPr>
-                </a:tc>
-                <a:tc>
-                  <a:txBody>
-                    <a:bodyPr/>
-                    <a:lstStyle/>
-                    <a:p>
-                      <a:pPr algn="ctr" fontAlgn="ctr"/>
-                      <a:r>
-                        <a:rPr lang="ko-KR" altLang="en-US" sz="1000" u="none" strike="noStrike" dirty="0" err="1">
-                          <a:effectLst/>
-                        </a:rPr>
-                        <a:t>화면명</a:t>
-                      </a:r>
-                      <a:endParaRPr lang="ko-KR" altLang="en-US" sz="1000" b="0" i="0" u="none" strike="noStrike" dirty="0">
-                        <a:solidFill>
-                          <a:srgbClr val="000000"/>
-                        </a:solidFill>
-                        <a:effectLst/>
-                        <a:latin typeface="맑은 고딕" panose="020B0503020000020004" pitchFamily="34" charset="-127"/>
-                        <a:ea typeface="맑은 고딕" panose="020B0503020000020004" pitchFamily="34" charset="-127"/>
-                      </a:endParaRPr>
-                    </a:p>
-                  </a:txBody>
-                  <a:tcPr marL="7789" marR="7789" marT="7789" marB="0" anchor="ctr">
-                    <a:lnL w="12700" cap="flat" cmpd="sng" algn="ctr">
-                      <a:solidFill>
-                        <a:schemeClr val="tx1"/>
-                      </a:solidFill>
-                      <a:prstDash val="solid"/>
-                      <a:round/>
-                      <a:headEnd type="none" w="med" len="med"/>
-                      <a:tailEnd type="none" w="med" len="med"/>
-                    </a:lnL>
-                    <a:lnR w="12700" cap="flat" cmpd="sng" algn="ctr">
-                      <a:solidFill>
-                        <a:schemeClr val="tx1"/>
-                      </a:solidFill>
-                      <a:prstDash val="solid"/>
-                      <a:round/>
-                      <a:headEnd type="none" w="med" len="med"/>
-                      <a:tailEnd type="none" w="med" len="med"/>
-                    </a:lnR>
-                    <a:lnT w="12700" cap="flat" cmpd="sng" algn="ctr">
-                      <a:solidFill>
-                        <a:schemeClr val="tx1"/>
-                      </a:solidFill>
-                      <a:prstDash val="solid"/>
-                      <a:round/>
-                      <a:headEnd type="none" w="med" len="med"/>
-                      <a:tailEnd type="none" w="med" len="med"/>
-                    </a:lnT>
-                    <a:lnB w="12700" cap="flat" cmpd="sng" algn="ctr">
-                      <a:solidFill>
-                        <a:schemeClr val="tx1"/>
-                      </a:solidFill>
-                      <a:prstDash val="solid"/>
-                      <a:round/>
-                      <a:headEnd type="none" w="med" len="med"/>
-                      <a:tailEnd type="none" w="med" len="med"/>
-                    </a:lnB>
-                  </a:tcPr>
-                </a:tc>
-                <a:tc>
-                  <a:txBody>
-                    <a:bodyPr/>
-                    <a:lstStyle/>
-                    <a:p>
-                      <a:pPr algn="ctr" fontAlgn="ctr"/>
-                      <a:r>
-                        <a:rPr lang="ko-KR" altLang="en-US" sz="1000" u="none" strike="noStrike" dirty="0">
-                          <a:effectLst/>
-                        </a:rPr>
-                        <a:t>　서비스 소개 페이지 </a:t>
-                      </a:r>
-                      <a:endParaRPr lang="ko-KR" altLang="en-US" sz="1000" b="0" i="0" u="none" strike="noStrike" dirty="0">
-                        <a:solidFill>
-                          <a:srgbClr val="000000"/>
-                        </a:solidFill>
-                        <a:effectLst/>
-                        <a:latin typeface="맑은 고딕" panose="020B0503020000020004" pitchFamily="34" charset="-127"/>
-                        <a:ea typeface="맑은 고딕" panose="020B0503020000020004" pitchFamily="34" charset="-127"/>
-                      </a:endParaRPr>
-                    </a:p>
-                  </a:txBody>
-                  <a:tcPr marL="7789" marR="7789" marT="7789" marB="0" anchor="ctr">
-                    <a:lnL w="12700" cap="flat" cmpd="sng" algn="ctr">
-                      <a:solidFill>
-                        <a:schemeClr val="tx1"/>
-                      </a:solidFill>
-                      <a:prstDash val="solid"/>
-                      <a:round/>
-                      <a:headEnd type="none" w="med" len="med"/>
-                      <a:tailEnd type="none" w="med" len="med"/>
-                    </a:lnL>
-                    <a:lnR w="12700" cap="flat" cmpd="sng" algn="ctr">
-                      <a:solidFill>
-                        <a:schemeClr val="tx1"/>
-                      </a:solidFill>
-                      <a:prstDash val="solid"/>
-                      <a:round/>
-                      <a:headEnd type="none" w="med" len="med"/>
-                      <a:tailEnd type="none" w="med" len="med"/>
-                    </a:lnR>
-                    <a:lnT w="12700" cap="flat" cmpd="sng" algn="ctr">
-                      <a:solidFill>
-                        <a:schemeClr val="tx1"/>
-                      </a:solidFill>
-                      <a:prstDash val="solid"/>
-                      <a:round/>
-                      <a:headEnd type="none" w="med" len="med"/>
-                      <a:tailEnd type="none" w="med" len="med"/>
-                    </a:lnT>
-                    <a:lnB w="12700" cap="flat" cmpd="sng" algn="ctr">
-                      <a:solidFill>
-                        <a:schemeClr val="tx1"/>
-                      </a:solidFill>
-                      <a:prstDash val="solid"/>
-                      <a:round/>
-                      <a:headEnd type="none" w="med" len="med"/>
-                      <a:tailEnd type="none" w="med" len="med"/>
-                    </a:lnB>
-                    <a:solidFill>
-                      <a:schemeClr val="bg1"/>
-                    </a:solidFill>
-                  </a:tcPr>
-                </a:tc>
-                <a:tc>
-                  <a:txBody>
-                    <a:bodyPr/>
-                    <a:lstStyle/>
-                    <a:p>
-                      <a:pPr algn="ctr" fontAlgn="ctr"/>
-                      <a:r>
-                        <a:rPr lang="en" sz="1000" u="none" strike="noStrike" dirty="0">
-                          <a:effectLst/>
-                        </a:rPr>
-                        <a:t>Pages</a:t>
-                      </a:r>
-                      <a:endParaRPr lang="en" sz="1000" b="0" i="0" u="none" strike="noStrike" dirty="0">
-                        <a:solidFill>
-                          <a:srgbClr val="000000"/>
-                        </a:solidFill>
-                        <a:effectLst/>
-                        <a:latin typeface="맑은 고딕" panose="020B0503020000020004" pitchFamily="34" charset="-127"/>
-                        <a:ea typeface="맑은 고딕" panose="020B0503020000020004" pitchFamily="34" charset="-127"/>
-                      </a:endParaRPr>
-                    </a:p>
-                  </a:txBody>
-                  <a:tcPr marL="7789" marR="7789" marT="7789" marB="0" anchor="ctr">
-                    <a:lnL w="12700" cap="flat" cmpd="sng" algn="ctr">
-                      <a:solidFill>
-                        <a:schemeClr val="tx1"/>
-                      </a:solidFill>
-                      <a:prstDash val="solid"/>
-                      <a:round/>
-                      <a:headEnd type="none" w="med" len="med"/>
-                      <a:tailEnd type="none" w="med" len="med"/>
-                    </a:lnL>
-                    <a:lnR w="12700" cap="flat" cmpd="sng" algn="ctr">
-                      <a:solidFill>
-                        <a:schemeClr val="tx1"/>
-                      </a:solidFill>
-                      <a:prstDash val="solid"/>
-                      <a:round/>
-                      <a:headEnd type="none" w="med" len="med"/>
-                      <a:tailEnd type="none" w="med" len="med"/>
-                    </a:lnR>
-                    <a:lnT w="12700" cap="flat" cmpd="sng" algn="ctr">
-                      <a:solidFill>
-                        <a:schemeClr val="tx1"/>
-                      </a:solidFill>
-                      <a:prstDash val="solid"/>
-                      <a:round/>
-                      <a:headEnd type="none" w="med" len="med"/>
-                      <a:tailEnd type="none" w="med" len="med"/>
-                    </a:lnT>
-                    <a:lnB w="12700" cap="flat" cmpd="sng" algn="ctr">
-                      <a:solidFill>
-                        <a:schemeClr val="tx1"/>
-                      </a:solidFill>
-                      <a:prstDash val="solid"/>
-                      <a:round/>
-                      <a:headEnd type="none" w="med" len="med"/>
-                      <a:tailEnd type="none" w="med" len="med"/>
-                    </a:lnB>
-                  </a:tcPr>
-                </a:tc>
-                <a:tc>
-                  <a:txBody>
-                    <a:bodyPr/>
-                    <a:lstStyle/>
-                    <a:p>
-                      <a:pPr algn="ctr" fontAlgn="ctr"/>
-                      <a:r>
-                        <a:rPr lang="ko-KR" altLang="en-US" sz="1000" u="none" strike="noStrike" dirty="0">
-                          <a:effectLst/>
-                        </a:rPr>
-                        <a:t>　</a:t>
-                      </a:r>
-                      <a:r>
-                        <a:rPr lang="en-US" altLang="ko-KR" sz="1000" u="none" strike="noStrike" dirty="0">
-                          <a:effectLst/>
-                        </a:rPr>
-                        <a:t>9</a:t>
                       </a:r>
                       <a:endParaRPr lang="ko-KR" altLang="en-US" sz="1000" b="0" i="0" u="none" strike="noStrike" dirty="0">
                         <a:solidFill>
@@ -6806,7 +4978,7 @@
 </p:sld>
 </file>
 
-<file path=ppt/slides/slide12.xml><?xml version="1.0" encoding="utf-8"?>
+<file path=ppt/slides/slide11.xml><?xml version="1.0" encoding="utf-8"?>
 <p:sld xmlns:a="http://schemas.openxmlformats.org/drawingml/2006/main" xmlns:r="http://schemas.openxmlformats.org/officeDocument/2006/relationships" xmlns:p="http://schemas.openxmlformats.org/presentationml/2006/main">
   <p:cSld>
     <p:spTree>
@@ -6838,7 +5010,7 @@
           <p:nvPr>
             <p:extLst>
               <p:ext uri="{D42A27DB-BD31-4B8C-83A1-F6EECF244321}">
-                <p14:modId xmlns:p14="http://schemas.microsoft.com/office/powerpoint/2010/main" val="3780224354"/>
+                <p14:modId xmlns:p14="http://schemas.microsoft.com/office/powerpoint/2010/main" val="3602894748"/>
               </p:ext>
             </p:extLst>
           </p:nvPr>
@@ -7225,7 +5397,7 @@
                         <a:rPr lang="en-US" altLang="ko-KR" sz="1000" u="none" strike="noStrike" dirty="0">
                           <a:effectLst/>
                         </a:rPr>
-                        <a:t>10</a:t>
+                        <a:t>9</a:t>
                       </a:r>
                       <a:endParaRPr lang="ko-KR" altLang="en-US" sz="1000" b="0" i="0" u="none" strike="noStrike" dirty="0">
                         <a:solidFill>
@@ -8927,7 +7099,7 @@
 </p:sld>
 </file>
 
-<file path=ppt/slides/slide13.xml><?xml version="1.0" encoding="utf-8"?>
+<file path=ppt/slides/slide12.xml><?xml version="1.0" encoding="utf-8"?>
 <p:sld xmlns:a="http://schemas.openxmlformats.org/drawingml/2006/main" xmlns:r="http://schemas.openxmlformats.org/officeDocument/2006/relationships" xmlns:p="http://schemas.openxmlformats.org/presentationml/2006/main">
   <p:cSld>
     <p:spTree>
@@ -8959,7 +7131,7 @@
           <p:nvPr>
             <p:extLst>
               <p:ext uri="{D42A27DB-BD31-4B8C-83A1-F6EECF244321}">
-                <p14:modId xmlns:p14="http://schemas.microsoft.com/office/powerpoint/2010/main" val="3894830097"/>
+                <p14:modId xmlns:p14="http://schemas.microsoft.com/office/powerpoint/2010/main" val="1296905930"/>
               </p:ext>
             </p:extLst>
           </p:nvPr>
@@ -9352,7 +7524,7 @@
                         <a:rPr lang="en-US" altLang="ko-KR" sz="1000" u="none" strike="noStrike" dirty="0">
                           <a:effectLst/>
                         </a:rPr>
-                        <a:t>11</a:t>
+                        <a:t>10</a:t>
                       </a:r>
                       <a:endParaRPr lang="ko-KR" altLang="en-US" sz="1000" b="0" i="0" u="none" strike="noStrike" dirty="0">
                         <a:solidFill>
@@ -9948,7 +8120,7 @@
             </a:r>
             <a:r>
               <a:rPr kumimoji="1" lang="ko-KR" altLang="en-US" dirty="0"/>
-              <a:t> 입력 </a:t>
+              <a:t> 검색 </a:t>
             </a:r>
           </a:p>
         </p:txBody>
@@ -10513,7 +8685,7 @@
 </p:sld>
 </file>
 
-<file path=ppt/slides/slide14.xml><?xml version="1.0" encoding="utf-8"?>
+<file path=ppt/slides/slide13.xml><?xml version="1.0" encoding="utf-8"?>
 <p:sld xmlns:a="http://schemas.openxmlformats.org/drawingml/2006/main" xmlns:r="http://schemas.openxmlformats.org/officeDocument/2006/relationships" xmlns:p="http://schemas.openxmlformats.org/presentationml/2006/main">
   <p:cSld>
     <p:spTree>
@@ -10545,7 +8717,7 @@
           <p:nvPr>
             <p:extLst>
               <p:ext uri="{D42A27DB-BD31-4B8C-83A1-F6EECF244321}">
-                <p14:modId xmlns:p14="http://schemas.microsoft.com/office/powerpoint/2010/main" val="867554805"/>
+                <p14:modId xmlns:p14="http://schemas.microsoft.com/office/powerpoint/2010/main" val="3539383588"/>
               </p:ext>
             </p:extLst>
           </p:nvPr>
@@ -10940,7 +9112,7 @@
                         <a:rPr lang="en-US" altLang="ko-KR" sz="1000" u="none" strike="noStrike" dirty="0">
                           <a:effectLst/>
                         </a:rPr>
-                        <a:t>12</a:t>
+                        <a:t>11</a:t>
                       </a:r>
                       <a:endParaRPr lang="ko-KR" altLang="en-US" sz="1000" b="0" i="0" u="none" strike="noStrike" dirty="0">
                         <a:solidFill>
@@ -11642,7 +9814,7 @@
 </p:sld>
 </file>
 
-<file path=ppt/slides/slide15.xml><?xml version="1.0" encoding="utf-8"?>
+<file path=ppt/slides/slide14.xml><?xml version="1.0" encoding="utf-8"?>
 <p:sld xmlns:a="http://schemas.openxmlformats.org/drawingml/2006/main" xmlns:r="http://schemas.openxmlformats.org/officeDocument/2006/relationships" xmlns:p="http://schemas.openxmlformats.org/presentationml/2006/main">
   <p:cSld>
     <p:spTree>
@@ -11674,7 +9846,7 @@
           <p:nvPr>
             <p:extLst>
               <p:ext uri="{D42A27DB-BD31-4B8C-83A1-F6EECF244321}">
-                <p14:modId xmlns:p14="http://schemas.microsoft.com/office/powerpoint/2010/main" val="3004347209"/>
+                <p14:modId xmlns:p14="http://schemas.microsoft.com/office/powerpoint/2010/main" val="3033971018"/>
               </p:ext>
             </p:extLst>
           </p:nvPr>
@@ -12065,7 +10237,7 @@
                           <a:latin typeface="맑은 고딕" panose="020B0503020000020004" pitchFamily="34" charset="-127"/>
                           <a:ea typeface="맑은 고딕" panose="020B0503020000020004" pitchFamily="34" charset="-127"/>
                         </a:rPr>
-                        <a:t>13</a:t>
+                        <a:t>12</a:t>
                       </a:r>
                       <a:endParaRPr lang="ko-KR" altLang="en-US" sz="1000" b="0" i="0" u="none" strike="noStrike" dirty="0">
                         <a:solidFill>
@@ -13863,7 +12035,7 @@
 </p:sld>
 </file>
 
-<file path=ppt/slides/slide16.xml><?xml version="1.0" encoding="utf-8"?>
+<file path=ppt/slides/slide15.xml><?xml version="1.0" encoding="utf-8"?>
 <p:sld xmlns:a="http://schemas.openxmlformats.org/drawingml/2006/main" xmlns:r="http://schemas.openxmlformats.org/officeDocument/2006/relationships" xmlns:p="http://schemas.openxmlformats.org/presentationml/2006/main">
   <p:cSld>
     <p:spTree>
@@ -26869,7 +25041,7 @@
           <p:nvPr>
             <p:extLst>
               <p:ext uri="{D42A27DB-BD31-4B8C-83A1-F6EECF244321}">
-                <p14:modId xmlns:p14="http://schemas.microsoft.com/office/powerpoint/2010/main" val="1150270620"/>
+                <p14:modId xmlns:p14="http://schemas.microsoft.com/office/powerpoint/2010/main" val="1059850846"/>
               </p:ext>
             </p:extLst>
           </p:nvPr>
@@ -27000,7 +25172,19 @@
                         <a:rPr lang="ko-KR" altLang="en-US" sz="1000" u="none" strike="noStrike" dirty="0">
                           <a:effectLst/>
                         </a:rPr>
-                        <a:t>　입력</a:t>
+                        <a:t>　조회</a:t>
+                      </a:r>
+                      <a:r>
+                        <a:rPr lang="en-US" altLang="ko-KR" sz="1000" u="none" strike="noStrike" dirty="0">
+                          <a:effectLst/>
+                        </a:rPr>
+                        <a:t>,</a:t>
+                      </a:r>
+                      <a:r>
+                        <a:rPr lang="ko-KR" altLang="en-US" sz="1000" u="none" strike="noStrike" dirty="0">
+                          <a:effectLst/>
+                        </a:rPr>
+                        <a:t>갱신</a:t>
                       </a:r>
                       <a:endParaRPr lang="ko-KR" altLang="en-US" sz="1000" b="0" i="0" u="none" strike="noStrike" dirty="0">
                         <a:solidFill>
@@ -27125,7 +25309,7 @@
                         <a:rPr lang="ko-KR" altLang="en-US" sz="1000" u="none" strike="noStrike" dirty="0">
                           <a:effectLst/>
                         </a:rPr>
-                        <a:t>결과 평점 페이지</a:t>
+                        <a:t>　유저 정보 페이지</a:t>
                       </a:r>
                       <a:endParaRPr lang="ko-KR" altLang="en-US" sz="1000" b="0" i="0" u="none" strike="noStrike" dirty="0">
                         <a:solidFill>
@@ -27133,7 +25317,7 @@
                         </a:solidFill>
                         <a:effectLst/>
                         <a:latin typeface="맑은 고딕" panose="020B0503020000020004" pitchFamily="34" charset="-127"/>
-                        <a:ea typeface="+mn-ea"/>
+                        <a:ea typeface="맑은 고딕" panose="020B0503020000020004" pitchFamily="34" charset="-127"/>
                       </a:endParaRPr>
                     </a:p>
                   </a:txBody>
@@ -27256,2158 +25440,6 @@
                           <a:ea typeface="맑은 고딕" panose="020B0503020000020004" pitchFamily="34" charset="-127"/>
                         </a:rPr>
                         <a:t>6</a:t>
-                      </a:r>
-                      <a:endParaRPr lang="ko-KR" altLang="en-US" sz="1000" b="0" i="0" u="none" strike="noStrike" dirty="0">
-                        <a:solidFill>
-                          <a:srgbClr val="000000"/>
-                        </a:solidFill>
-                        <a:effectLst/>
-                        <a:latin typeface="맑은 고딕" panose="020B0503020000020004" pitchFamily="34" charset="-127"/>
-                        <a:ea typeface="맑은 고딕" panose="020B0503020000020004" pitchFamily="34" charset="-127"/>
-                      </a:endParaRPr>
-                    </a:p>
-                  </a:txBody>
-                  <a:tcPr marL="7789" marR="7789" marT="7789" marB="0" anchor="ctr">
-                    <a:lnL w="12700" cap="flat" cmpd="sng" algn="ctr">
-                      <a:solidFill>
-                        <a:schemeClr val="tx1"/>
-                      </a:solidFill>
-                      <a:prstDash val="solid"/>
-                      <a:round/>
-                      <a:headEnd type="none" w="med" len="med"/>
-                      <a:tailEnd type="none" w="med" len="med"/>
-                    </a:lnL>
-                    <a:lnR w="12700" cap="flat" cmpd="sng" algn="ctr">
-                      <a:solidFill>
-                        <a:schemeClr val="tx1"/>
-                      </a:solidFill>
-                      <a:prstDash val="solid"/>
-                      <a:round/>
-                      <a:headEnd type="none" w="med" len="med"/>
-                      <a:tailEnd type="none" w="med" len="med"/>
-                    </a:lnR>
-                    <a:lnT w="12700" cap="flat" cmpd="sng" algn="ctr">
-                      <a:solidFill>
-                        <a:schemeClr val="tx1"/>
-                      </a:solidFill>
-                      <a:prstDash val="solid"/>
-                      <a:round/>
-                      <a:headEnd type="none" w="med" len="med"/>
-                      <a:tailEnd type="none" w="med" len="med"/>
-                    </a:lnT>
-                    <a:lnB w="12700" cap="flat" cmpd="sng" algn="ctr">
-                      <a:solidFill>
-                        <a:schemeClr val="tx1"/>
-                      </a:solidFill>
-                      <a:prstDash val="solid"/>
-                      <a:round/>
-                      <a:headEnd type="none" w="med" len="med"/>
-                      <a:tailEnd type="none" w="med" len="med"/>
-                    </a:lnB>
-                    <a:solidFill>
-                      <a:schemeClr val="bg1"/>
-                    </a:solidFill>
-                  </a:tcPr>
-                </a:tc>
-                <a:extLst>
-                  <a:ext uri="{0D108BD9-81ED-4DB2-BD59-A6C34878D82A}">
-                    <a16:rowId xmlns:a16="http://schemas.microsoft.com/office/drawing/2014/main" val="2745676631"/>
-                  </a:ext>
-                </a:extLst>
-              </a:tr>
-              <a:tr h="267409">
-                <a:tc>
-                  <a:txBody>
-                    <a:bodyPr/>
-                    <a:lstStyle/>
-                    <a:p>
-                      <a:pPr algn="ctr" fontAlgn="ctr"/>
-                      <a:r>
-                        <a:rPr lang="ko-KR" altLang="en-US" sz="1000" u="none" strike="noStrike" dirty="0" err="1">
-                          <a:effectLst/>
-                        </a:rPr>
-                        <a:t>메뉴경로</a:t>
-                      </a:r>
-                      <a:endParaRPr lang="ko-KR" altLang="en-US" sz="1000" b="0" i="0" u="none" strike="noStrike" dirty="0">
-                        <a:solidFill>
-                          <a:srgbClr val="000000"/>
-                        </a:solidFill>
-                        <a:effectLst/>
-                        <a:latin typeface="맑은 고딕" panose="020B0503020000020004" pitchFamily="34" charset="-127"/>
-                        <a:ea typeface="맑은 고딕" panose="020B0503020000020004" pitchFamily="34" charset="-127"/>
-                      </a:endParaRPr>
-                    </a:p>
-                  </a:txBody>
-                  <a:tcPr marL="7789" marR="7789" marT="7789" marB="0" anchor="ctr">
-                    <a:lnL w="12700" cap="flat" cmpd="sng" algn="ctr">
-                      <a:solidFill>
-                        <a:schemeClr val="tx1"/>
-                      </a:solidFill>
-                      <a:prstDash val="solid"/>
-                      <a:round/>
-                      <a:headEnd type="none" w="med" len="med"/>
-                      <a:tailEnd type="none" w="med" len="med"/>
-                    </a:lnL>
-                    <a:lnR w="12700" cap="flat" cmpd="sng" algn="ctr">
-                      <a:solidFill>
-                        <a:schemeClr val="tx1"/>
-                      </a:solidFill>
-                      <a:prstDash val="solid"/>
-                      <a:round/>
-                      <a:headEnd type="none" w="med" len="med"/>
-                      <a:tailEnd type="none" w="med" len="med"/>
-                    </a:lnR>
-                    <a:lnT w="12700" cap="flat" cmpd="sng" algn="ctr">
-                      <a:solidFill>
-                        <a:schemeClr val="tx1"/>
-                      </a:solidFill>
-                      <a:prstDash val="solid"/>
-                      <a:round/>
-                      <a:headEnd type="none" w="med" len="med"/>
-                      <a:tailEnd type="none" w="med" len="med"/>
-                    </a:lnT>
-                    <a:lnB w="12700" cap="flat" cmpd="sng" algn="ctr">
-                      <a:solidFill>
-                        <a:schemeClr val="tx1"/>
-                      </a:solidFill>
-                      <a:prstDash val="solid"/>
-                      <a:round/>
-                      <a:headEnd type="none" w="med" len="med"/>
-                      <a:tailEnd type="none" w="med" len="med"/>
-                    </a:lnB>
-                  </a:tcPr>
-                </a:tc>
-                <a:tc gridSpan="3">
-                  <a:txBody>
-                    <a:bodyPr/>
-                    <a:lstStyle/>
-                    <a:p>
-                      <a:pPr algn="ctr" fontAlgn="ctr"/>
-                      <a:r>
-                        <a:rPr lang="ko-KR" altLang="en-US" sz="1000" u="none" strike="noStrike" dirty="0">
-                          <a:effectLst/>
-                        </a:rPr>
-                        <a:t>메인 </a:t>
-                      </a:r>
-                      <a:r>
-                        <a:rPr lang="en-US" altLang="ko-KR" sz="1000" u="none" strike="noStrike" dirty="0">
-                          <a:effectLst/>
-                        </a:rPr>
-                        <a:t>&gt;</a:t>
-                      </a:r>
-                      <a:r>
-                        <a:rPr lang="ko-KR" altLang="en-US" sz="1000" u="none" strike="noStrike" dirty="0">
-                          <a:effectLst/>
-                        </a:rPr>
-                        <a:t> 입력 </a:t>
-                      </a:r>
-                      <a:r>
-                        <a:rPr lang="en-US" altLang="ko-KR" sz="1000" u="none" strike="noStrike" dirty="0">
-                          <a:effectLst/>
-                        </a:rPr>
-                        <a:t>&gt;</a:t>
-                      </a:r>
-                      <a:r>
-                        <a:rPr lang="ko-KR" altLang="en-US" sz="1000" u="none" strike="noStrike" dirty="0">
-                          <a:effectLst/>
-                        </a:rPr>
-                        <a:t> 결과</a:t>
-                      </a:r>
-                      <a:endParaRPr lang="ko-KR" altLang="en-US" sz="1000" b="0" i="0" u="none" strike="noStrike" dirty="0">
-                        <a:solidFill>
-                          <a:srgbClr val="000000"/>
-                        </a:solidFill>
-                        <a:effectLst/>
-                        <a:latin typeface="맑은 고딕" panose="020B0503020000020004" pitchFamily="34" charset="-127"/>
-                        <a:ea typeface="맑은 고딕" panose="020B0503020000020004" pitchFamily="34" charset="-127"/>
-                      </a:endParaRPr>
-                    </a:p>
-                  </a:txBody>
-                  <a:tcPr marL="7789" marR="7789" marT="7789" marB="0" anchor="ctr">
-                    <a:lnL w="12700" cap="flat" cmpd="sng" algn="ctr">
-                      <a:solidFill>
-                        <a:schemeClr val="tx1"/>
-                      </a:solidFill>
-                      <a:prstDash val="solid"/>
-                      <a:round/>
-                      <a:headEnd type="none" w="med" len="med"/>
-                      <a:tailEnd type="none" w="med" len="med"/>
-                    </a:lnL>
-                    <a:lnR w="12700" cap="flat" cmpd="sng" algn="ctr">
-                      <a:solidFill>
-                        <a:schemeClr val="tx1"/>
-                      </a:solidFill>
-                      <a:prstDash val="solid"/>
-                      <a:round/>
-                      <a:headEnd type="none" w="med" len="med"/>
-                      <a:tailEnd type="none" w="med" len="med"/>
-                    </a:lnR>
-                    <a:lnT w="12700" cap="flat" cmpd="sng" algn="ctr">
-                      <a:solidFill>
-                        <a:schemeClr val="tx1"/>
-                      </a:solidFill>
-                      <a:prstDash val="solid"/>
-                      <a:round/>
-                      <a:headEnd type="none" w="med" len="med"/>
-                      <a:tailEnd type="none" w="med" len="med"/>
-                    </a:lnT>
-                    <a:lnB w="12700" cap="flat" cmpd="sng" algn="ctr">
-                      <a:solidFill>
-                        <a:schemeClr val="tx1"/>
-                      </a:solidFill>
-                      <a:prstDash val="solid"/>
-                      <a:round/>
-                      <a:headEnd type="none" w="med" len="med"/>
-                      <a:tailEnd type="none" w="med" len="med"/>
-                    </a:lnB>
-                    <a:solidFill>
-                      <a:schemeClr val="bg1"/>
-                    </a:solidFill>
-                  </a:tcPr>
-                </a:tc>
-                <a:tc hMerge="1">
-                  <a:txBody>
-                    <a:bodyPr/>
-                    <a:lstStyle/>
-                    <a:p>
-                      <a:pPr latinLnBrk="1"/>
-                      <a:endParaRPr lang="ko-KR" altLang="en-US"/>
-                    </a:p>
-                  </a:txBody>
-                  <a:tcPr/>
-                </a:tc>
-                <a:tc hMerge="1">
-                  <a:txBody>
-                    <a:bodyPr/>
-                    <a:lstStyle/>
-                    <a:p>
-                      <a:pPr latinLnBrk="1"/>
-                      <a:endParaRPr lang="ko-KR" altLang="en-US"/>
-                    </a:p>
-                  </a:txBody>
-                  <a:tcPr/>
-                </a:tc>
-                <a:tc gridSpan="2">
-                  <a:txBody>
-                    <a:bodyPr/>
-                    <a:lstStyle/>
-                    <a:p>
-                      <a:pPr algn="ctr" fontAlgn="ctr"/>
-                      <a:r>
-                        <a:rPr lang="ko-KR" altLang="en-US" sz="1000" u="none" strike="noStrike" dirty="0">
-                          <a:effectLst/>
-                        </a:rPr>
-                        <a:t>화면 항목 설명</a:t>
-                      </a:r>
-                      <a:endParaRPr lang="ko-KR" altLang="en-US" sz="1000" b="0" i="0" u="none" strike="noStrike" dirty="0">
-                        <a:solidFill>
-                          <a:srgbClr val="000000"/>
-                        </a:solidFill>
-                        <a:effectLst/>
-                        <a:latin typeface="맑은 고딕" panose="020B0503020000020004" pitchFamily="34" charset="-127"/>
-                        <a:ea typeface="맑은 고딕" panose="020B0503020000020004" pitchFamily="34" charset="-127"/>
-                      </a:endParaRPr>
-                    </a:p>
-                  </a:txBody>
-                  <a:tcPr marL="7789" marR="7789" marT="7789" marB="0" anchor="ctr">
-                    <a:lnL w="12700" cap="flat" cmpd="sng" algn="ctr">
-                      <a:solidFill>
-                        <a:schemeClr val="tx1"/>
-                      </a:solidFill>
-                      <a:prstDash val="solid"/>
-                      <a:round/>
-                      <a:headEnd type="none" w="med" len="med"/>
-                      <a:tailEnd type="none" w="med" len="med"/>
-                    </a:lnL>
-                    <a:lnR w="12700" cap="flat" cmpd="sng" algn="ctr">
-                      <a:solidFill>
-                        <a:schemeClr val="tx1"/>
-                      </a:solidFill>
-                      <a:prstDash val="solid"/>
-                      <a:round/>
-                      <a:headEnd type="none" w="med" len="med"/>
-                      <a:tailEnd type="none" w="med" len="med"/>
-                    </a:lnR>
-                    <a:lnT w="12700" cap="flat" cmpd="sng" algn="ctr">
-                      <a:solidFill>
-                        <a:schemeClr val="tx1"/>
-                      </a:solidFill>
-                      <a:prstDash val="solid"/>
-                      <a:round/>
-                      <a:headEnd type="none" w="med" len="med"/>
-                      <a:tailEnd type="none" w="med" len="med"/>
-                    </a:lnT>
-                    <a:lnB w="12700" cap="flat" cmpd="sng" algn="ctr">
-                      <a:solidFill>
-                        <a:schemeClr val="tx1"/>
-                      </a:solidFill>
-                      <a:prstDash val="solid"/>
-                      <a:round/>
-                      <a:headEnd type="none" w="med" len="med"/>
-                      <a:tailEnd type="none" w="med" len="med"/>
-                    </a:lnB>
-                  </a:tcPr>
-                </a:tc>
-                <a:tc hMerge="1">
-                  <a:txBody>
-                    <a:bodyPr/>
-                    <a:lstStyle/>
-                    <a:p>
-                      <a:pPr latinLnBrk="1"/>
-                      <a:endParaRPr lang="ko-KR" altLang="en-US"/>
-                    </a:p>
-                  </a:txBody>
-                  <a:tcPr/>
-                </a:tc>
-                <a:extLst>
-                  <a:ext uri="{0D108BD9-81ED-4DB2-BD59-A6C34878D82A}">
-                    <a16:rowId xmlns:a16="http://schemas.microsoft.com/office/drawing/2014/main" val="2822108038"/>
-                  </a:ext>
-                </a:extLst>
-              </a:tr>
-              <a:tr h="5689885">
-                <a:tc gridSpan="4">
-                  <a:txBody>
-                    <a:bodyPr/>
-                    <a:lstStyle/>
-                    <a:p>
-                      <a:pPr algn="ctr" fontAlgn="ctr"/>
-                      <a:r>
-                        <a:rPr lang="ko-KR" altLang="en-US" sz="1000" u="none" strike="noStrike" dirty="0">
-                          <a:effectLst/>
-                        </a:rPr>
-                        <a:t>　</a:t>
-                      </a:r>
-                      <a:endParaRPr lang="ko-KR" altLang="en-US" sz="1000" b="0" i="0" u="none" strike="noStrike" dirty="0">
-                        <a:solidFill>
-                          <a:srgbClr val="000000"/>
-                        </a:solidFill>
-                        <a:effectLst/>
-                        <a:latin typeface="맑은 고딕" panose="020B0503020000020004" pitchFamily="34" charset="-127"/>
-                        <a:ea typeface="맑은 고딕" panose="020B0503020000020004" pitchFamily="34" charset="-127"/>
-                      </a:endParaRPr>
-                    </a:p>
-                  </a:txBody>
-                  <a:tcPr marL="7789" marR="7789" marT="7789" marB="0" anchor="ctr">
-                    <a:lnL w="12700" cap="flat" cmpd="sng" algn="ctr">
-                      <a:solidFill>
-                        <a:schemeClr val="tx1"/>
-                      </a:solidFill>
-                      <a:prstDash val="solid"/>
-                      <a:round/>
-                      <a:headEnd type="none" w="med" len="med"/>
-                      <a:tailEnd type="none" w="med" len="med"/>
-                    </a:lnL>
-                    <a:lnR w="12700" cap="flat" cmpd="sng" algn="ctr">
-                      <a:solidFill>
-                        <a:schemeClr val="tx1"/>
-                      </a:solidFill>
-                      <a:prstDash val="solid"/>
-                      <a:round/>
-                      <a:headEnd type="none" w="med" len="med"/>
-                      <a:tailEnd type="none" w="med" len="med"/>
-                    </a:lnR>
-                    <a:lnT w="12700" cap="flat" cmpd="sng" algn="ctr">
-                      <a:solidFill>
-                        <a:schemeClr val="tx1"/>
-                      </a:solidFill>
-                      <a:prstDash val="solid"/>
-                      <a:round/>
-                      <a:headEnd type="none" w="med" len="med"/>
-                      <a:tailEnd type="none" w="med" len="med"/>
-                    </a:lnT>
-                    <a:lnB w="12700" cap="flat" cmpd="sng" algn="ctr">
-                      <a:solidFill>
-                        <a:schemeClr val="tx1"/>
-                      </a:solidFill>
-                      <a:prstDash val="solid"/>
-                      <a:round/>
-                      <a:headEnd type="none" w="med" len="med"/>
-                      <a:tailEnd type="none" w="med" len="med"/>
-                    </a:lnB>
-                    <a:solidFill>
-                      <a:schemeClr val="bg1"/>
-                    </a:solidFill>
-                  </a:tcPr>
-                </a:tc>
-                <a:tc hMerge="1">
-                  <a:txBody>
-                    <a:bodyPr/>
-                    <a:lstStyle/>
-                    <a:p>
-                      <a:pPr latinLnBrk="1"/>
-                      <a:endParaRPr lang="ko-KR" altLang="en-US"/>
-                    </a:p>
-                  </a:txBody>
-                  <a:tcPr/>
-                </a:tc>
-                <a:tc hMerge="1">
-                  <a:txBody>
-                    <a:bodyPr/>
-                    <a:lstStyle/>
-                    <a:p>
-                      <a:pPr latinLnBrk="1"/>
-                      <a:endParaRPr lang="ko-KR" altLang="en-US"/>
-                    </a:p>
-                  </a:txBody>
-                  <a:tcPr/>
-                </a:tc>
-                <a:tc hMerge="1">
-                  <a:txBody>
-                    <a:bodyPr/>
-                    <a:lstStyle/>
-                    <a:p>
-                      <a:pPr latinLnBrk="1"/>
-                      <a:endParaRPr lang="ko-KR" altLang="en-US"/>
-                    </a:p>
-                  </a:txBody>
-                  <a:tcPr/>
-                </a:tc>
-                <a:tc gridSpan="2">
-                  <a:txBody>
-                    <a:bodyPr/>
-                    <a:lstStyle/>
-                    <a:p>
-                      <a:pPr marL="228600" indent="-228600" algn="l" fontAlgn="ctr">
-                        <a:buAutoNum type="arabicPeriod"/>
-                      </a:pPr>
-                      <a:r>
-                        <a:rPr lang="ko-KR" altLang="en-US" sz="1000" b="0" i="0" u="none" strike="noStrike" dirty="0">
-                          <a:solidFill>
-                            <a:srgbClr val="000000"/>
-                          </a:solidFill>
-                          <a:effectLst/>
-                          <a:latin typeface="맑은 고딕" panose="020B0503020000020004" pitchFamily="34" charset="-127"/>
-                          <a:ea typeface="맑은 고딕" panose="020B0503020000020004" pitchFamily="34" charset="-127"/>
-                        </a:rPr>
-                        <a:t>추천에 대한 만족도에 따라 </a:t>
-                      </a:r>
-                      <a:r>
-                        <a:rPr lang="ko-KR" altLang="en-US" sz="1000" b="0" i="0" u="none" strike="noStrike" dirty="0" err="1">
-                          <a:solidFill>
-                            <a:srgbClr val="000000"/>
-                          </a:solidFill>
-                          <a:effectLst/>
-                          <a:latin typeface="맑은 고딕" panose="020B0503020000020004" pitchFamily="34" charset="-127"/>
-                          <a:ea typeface="맑은 고딕" panose="020B0503020000020004" pitchFamily="34" charset="-127"/>
-                        </a:rPr>
-                        <a:t>별점</a:t>
-                      </a:r>
-                      <a:r>
-                        <a:rPr lang="ko-KR" altLang="en-US" sz="1000" b="0" i="0" u="none" strike="noStrike" dirty="0">
-                          <a:solidFill>
-                            <a:srgbClr val="000000"/>
-                          </a:solidFill>
-                          <a:effectLst/>
-                          <a:latin typeface="맑은 고딕" panose="020B0503020000020004" pitchFamily="34" charset="-127"/>
-                          <a:ea typeface="맑은 고딕" panose="020B0503020000020004" pitchFamily="34" charset="-127"/>
-                        </a:rPr>
-                        <a:t> 부여</a:t>
-                      </a:r>
-                      <a:endParaRPr lang="en-US" altLang="ko-KR" sz="1000" b="0" i="0" u="none" strike="noStrike" dirty="0">
-                        <a:solidFill>
-                          <a:srgbClr val="000000"/>
-                        </a:solidFill>
-                        <a:effectLst/>
-                        <a:latin typeface="맑은 고딕" panose="020B0503020000020004" pitchFamily="34" charset="-127"/>
-                        <a:ea typeface="맑은 고딕" panose="020B0503020000020004" pitchFamily="34" charset="-127"/>
-                      </a:endParaRPr>
-                    </a:p>
-                    <a:p>
-                      <a:pPr marL="228600" indent="-228600" algn="l" fontAlgn="ctr">
-                        <a:buAutoNum type="arabicPeriod"/>
-                      </a:pPr>
-                      <a:endParaRPr lang="en-US" altLang="ko-KR" sz="1000" b="0" i="0" u="none" strike="noStrike" dirty="0">
-                        <a:solidFill>
-                          <a:srgbClr val="000000"/>
-                        </a:solidFill>
-                        <a:effectLst/>
-                        <a:latin typeface="맑은 고딕" panose="020B0503020000020004" pitchFamily="34" charset="-127"/>
-                        <a:ea typeface="맑은 고딕" panose="020B0503020000020004" pitchFamily="34" charset="-127"/>
-                      </a:endParaRPr>
-                    </a:p>
-                    <a:p>
-                      <a:pPr marL="228600" indent="-228600" algn="l" fontAlgn="ctr">
-                        <a:buAutoNum type="arabicPeriod"/>
-                      </a:pPr>
-                      <a:r>
-                        <a:rPr lang="ko-KR" altLang="en-US" sz="1000" b="0" i="0" u="none" strike="noStrike" dirty="0" err="1">
-                          <a:solidFill>
-                            <a:srgbClr val="000000"/>
-                          </a:solidFill>
-                          <a:effectLst/>
-                          <a:latin typeface="맑은 고딕" panose="020B0503020000020004" pitchFamily="34" charset="-127"/>
-                          <a:ea typeface="맑은 고딕" panose="020B0503020000020004" pitchFamily="34" charset="-127"/>
-                        </a:rPr>
-                        <a:t>별점</a:t>
-                      </a:r>
-                      <a:r>
-                        <a:rPr lang="ko-KR" altLang="en-US" sz="1000" b="0" i="0" u="none" strike="noStrike" dirty="0">
-                          <a:solidFill>
-                            <a:srgbClr val="000000"/>
-                          </a:solidFill>
-                          <a:effectLst/>
-                          <a:latin typeface="맑은 고딕" panose="020B0503020000020004" pitchFamily="34" charset="-127"/>
-                          <a:ea typeface="맑은 고딕" panose="020B0503020000020004" pitchFamily="34" charset="-127"/>
-                        </a:rPr>
-                        <a:t> 선택 이후 제출</a:t>
-                      </a:r>
-                    </a:p>
-                  </a:txBody>
-                  <a:tcPr marL="7789" marR="7789" marT="7789" marB="0" anchor="ctr">
-                    <a:lnL w="12700" cap="flat" cmpd="sng" algn="ctr">
-                      <a:solidFill>
-                        <a:schemeClr val="tx1"/>
-                      </a:solidFill>
-                      <a:prstDash val="solid"/>
-                      <a:round/>
-                      <a:headEnd type="none" w="med" len="med"/>
-                      <a:tailEnd type="none" w="med" len="med"/>
-                    </a:lnL>
-                    <a:lnR w="12700" cap="flat" cmpd="sng" algn="ctr">
-                      <a:solidFill>
-                        <a:schemeClr val="tx1"/>
-                      </a:solidFill>
-                      <a:prstDash val="solid"/>
-                      <a:round/>
-                      <a:headEnd type="none" w="med" len="med"/>
-                      <a:tailEnd type="none" w="med" len="med"/>
-                    </a:lnR>
-                    <a:lnT w="12700" cap="flat" cmpd="sng" algn="ctr">
-                      <a:solidFill>
-                        <a:schemeClr val="tx1"/>
-                      </a:solidFill>
-                      <a:prstDash val="solid"/>
-                      <a:round/>
-                      <a:headEnd type="none" w="med" len="med"/>
-                      <a:tailEnd type="none" w="med" len="med"/>
-                    </a:lnT>
-                    <a:lnB w="12700" cap="flat" cmpd="sng" algn="ctr">
-                      <a:solidFill>
-                        <a:schemeClr val="tx1"/>
-                      </a:solidFill>
-                      <a:prstDash val="solid"/>
-                      <a:round/>
-                      <a:headEnd type="none" w="med" len="med"/>
-                      <a:tailEnd type="none" w="med" len="med"/>
-                    </a:lnB>
-                    <a:solidFill>
-                      <a:schemeClr val="bg1"/>
-                    </a:solidFill>
-                  </a:tcPr>
-                </a:tc>
-                <a:tc hMerge="1">
-                  <a:txBody>
-                    <a:bodyPr/>
-                    <a:lstStyle/>
-                    <a:p>
-                      <a:pPr latinLnBrk="1"/>
-                      <a:endParaRPr lang="ko-KR" altLang="en-US"/>
-                    </a:p>
-                  </a:txBody>
-                  <a:tcPr/>
-                </a:tc>
-                <a:extLst>
-                  <a:ext uri="{0D108BD9-81ED-4DB2-BD59-A6C34878D82A}">
-                    <a16:rowId xmlns:a16="http://schemas.microsoft.com/office/drawing/2014/main" val="3381953073"/>
-                  </a:ext>
-                </a:extLst>
-              </a:tr>
-            </a:tbl>
-          </a:graphicData>
-        </a:graphic>
-      </p:graphicFrame>
-      <p:sp>
-        <p:nvSpPr>
-          <p:cNvPr id="2" name="TextBox 1">
-            <a:extLst>
-              <a:ext uri="{FF2B5EF4-FFF2-40B4-BE49-F238E27FC236}">
-                <a16:creationId xmlns:a16="http://schemas.microsoft.com/office/drawing/2014/main" id="{4026B1D8-AFB0-6240-B3EC-B48F9EAA42EF}"/>
-              </a:ext>
-            </a:extLst>
-          </p:cNvPr>
-          <p:cNvSpPr txBox="1"/>
-          <p:nvPr/>
-        </p:nvSpPr>
-        <p:spPr>
-          <a:xfrm>
-            <a:off x="878978" y="1606619"/>
-            <a:ext cx="785793" cy="369332"/>
-          </a:xfrm>
-          <a:prstGeom prst="rect">
-            <a:avLst/>
-          </a:prstGeom>
-          <a:noFill/>
-        </p:spPr>
-        <p:txBody>
-          <a:bodyPr wrap="none" rtlCol="0">
-            <a:spAutoFit/>
-          </a:bodyPr>
-          <a:lstStyle/>
-          <a:p>
-            <a:r>
-              <a:rPr kumimoji="1" lang="ko-KR" altLang="en-US" dirty="0">
-                <a:latin typeface="Apple SD Gothic Neo" panose="02000300000000000000" pitchFamily="2" charset="-127"/>
-                <a:ea typeface="Apple SD Gothic Neo" panose="02000300000000000000" pitchFamily="2" charset="-127"/>
-              </a:rPr>
-              <a:t>장르별</a:t>
-            </a:r>
-          </a:p>
-        </p:txBody>
-      </p:sp>
-      <p:sp>
-        <p:nvSpPr>
-          <p:cNvPr id="5" name="TextBox 4">
-            <a:extLst>
-              <a:ext uri="{FF2B5EF4-FFF2-40B4-BE49-F238E27FC236}">
-                <a16:creationId xmlns:a16="http://schemas.microsoft.com/office/drawing/2014/main" id="{BBBE264A-3C22-7843-8FF7-2A660996E087}"/>
-              </a:ext>
-            </a:extLst>
-          </p:cNvPr>
-          <p:cNvSpPr txBox="1"/>
-          <p:nvPr/>
-        </p:nvSpPr>
-        <p:spPr>
-          <a:xfrm>
-            <a:off x="853199" y="2715580"/>
-            <a:ext cx="2170787" cy="369332"/>
-          </a:xfrm>
-          <a:prstGeom prst="rect">
-            <a:avLst/>
-          </a:prstGeom>
-          <a:noFill/>
-        </p:spPr>
-        <p:txBody>
-          <a:bodyPr wrap="none" rtlCol="0">
-            <a:spAutoFit/>
-          </a:bodyPr>
-          <a:lstStyle/>
-          <a:p>
-            <a:r>
-              <a:rPr kumimoji="1" lang="ko-KR" altLang="en-US" dirty="0">
-                <a:latin typeface="Apple SD Gothic Neo" panose="02000300000000000000" pitchFamily="2" charset="-127"/>
-                <a:ea typeface="Apple SD Gothic Neo" panose="02000300000000000000" pitchFamily="2" charset="-127"/>
-              </a:rPr>
-              <a:t>이런 스토리 좋아할 듯</a:t>
-            </a:r>
-          </a:p>
-        </p:txBody>
-      </p:sp>
-      <p:sp>
-        <p:nvSpPr>
-          <p:cNvPr id="6" name="TextBox 5">
-            <a:extLst>
-              <a:ext uri="{FF2B5EF4-FFF2-40B4-BE49-F238E27FC236}">
-                <a16:creationId xmlns:a16="http://schemas.microsoft.com/office/drawing/2014/main" id="{67E88634-9906-144A-9F9D-1C2491590BE3}"/>
-              </a:ext>
-            </a:extLst>
-          </p:cNvPr>
-          <p:cNvSpPr txBox="1"/>
-          <p:nvPr/>
-        </p:nvSpPr>
-        <p:spPr>
-          <a:xfrm>
-            <a:off x="878978" y="3824541"/>
-            <a:ext cx="1709122" cy="369332"/>
-          </a:xfrm>
-          <a:prstGeom prst="rect">
-            <a:avLst/>
-          </a:prstGeom>
-          <a:noFill/>
-        </p:spPr>
-        <p:txBody>
-          <a:bodyPr wrap="none" rtlCol="0">
-            <a:spAutoFit/>
-          </a:bodyPr>
-          <a:lstStyle/>
-          <a:p>
-            <a:r>
-              <a:rPr kumimoji="1" lang="ko-KR" altLang="en-US" dirty="0" err="1">
-                <a:latin typeface="Apple SD Gothic Neo" panose="02000300000000000000" pitchFamily="2" charset="-127"/>
-                <a:ea typeface="Apple SD Gothic Neo" panose="02000300000000000000" pitchFamily="2" charset="-127"/>
-              </a:rPr>
-              <a:t>그림체</a:t>
-            </a:r>
-            <a:r>
-              <a:rPr kumimoji="1" lang="ko-KR" altLang="en-US" dirty="0">
-                <a:latin typeface="Apple SD Gothic Neo" panose="02000300000000000000" pitchFamily="2" charset="-127"/>
-                <a:ea typeface="Apple SD Gothic Neo" panose="02000300000000000000" pitchFamily="2" charset="-127"/>
-              </a:rPr>
-              <a:t> 기반 추천</a:t>
-            </a:r>
-          </a:p>
-        </p:txBody>
-      </p:sp>
-      <p:sp>
-        <p:nvSpPr>
-          <p:cNvPr id="7" name="TextBox 6">
-            <a:extLst>
-              <a:ext uri="{FF2B5EF4-FFF2-40B4-BE49-F238E27FC236}">
-                <a16:creationId xmlns:a16="http://schemas.microsoft.com/office/drawing/2014/main" id="{27E91C5F-2183-A943-AAFF-A94A960EC56D}"/>
-              </a:ext>
-            </a:extLst>
-          </p:cNvPr>
-          <p:cNvSpPr txBox="1"/>
-          <p:nvPr/>
-        </p:nvSpPr>
-        <p:spPr>
-          <a:xfrm>
-            <a:off x="854802" y="4933502"/>
-            <a:ext cx="3693640" cy="369332"/>
-          </a:xfrm>
-          <a:prstGeom prst="rect">
-            <a:avLst/>
-          </a:prstGeom>
-          <a:noFill/>
-        </p:spPr>
-        <p:txBody>
-          <a:bodyPr wrap="none" rtlCol="0">
-            <a:spAutoFit/>
-          </a:bodyPr>
-          <a:lstStyle/>
-          <a:p>
-            <a:r>
-              <a:rPr kumimoji="1" lang="ko-KR" altLang="en-US" dirty="0">
-                <a:latin typeface="Apple SD Gothic Neo" panose="02000300000000000000" pitchFamily="2" charset="-127"/>
-                <a:ea typeface="Apple SD Gothic Neo" panose="02000300000000000000" pitchFamily="2" charset="-127"/>
-              </a:rPr>
-              <a:t>다른 사용자들은 이런 웹툰을 좋아해요</a:t>
-            </a:r>
-            <a:r>
-              <a:rPr kumimoji="1" lang="en-US" altLang="ko-KR" dirty="0">
-                <a:latin typeface="Apple SD Gothic Neo" panose="02000300000000000000" pitchFamily="2" charset="-127"/>
-                <a:ea typeface="Apple SD Gothic Neo" panose="02000300000000000000" pitchFamily="2" charset="-127"/>
-              </a:rPr>
-              <a:t>!</a:t>
-            </a:r>
-            <a:endParaRPr kumimoji="1" lang="ko-KR" altLang="en-US" dirty="0">
-              <a:latin typeface="Apple SD Gothic Neo" panose="02000300000000000000" pitchFamily="2" charset="-127"/>
-              <a:ea typeface="Apple SD Gothic Neo" panose="02000300000000000000" pitchFamily="2" charset="-127"/>
-            </a:endParaRPr>
-          </a:p>
-        </p:txBody>
-      </p:sp>
-      <p:pic>
-        <p:nvPicPr>
-          <p:cNvPr id="3" name="그림 2">
-            <a:extLst>
-              <a:ext uri="{FF2B5EF4-FFF2-40B4-BE49-F238E27FC236}">
-                <a16:creationId xmlns:a16="http://schemas.microsoft.com/office/drawing/2014/main" id="{47A6CB2B-97A2-7544-B106-72F516FDA249}"/>
-              </a:ext>
-            </a:extLst>
-          </p:cNvPr>
-          <p:cNvPicPr>
-            <a:picLocks noChangeAspect="1"/>
-          </p:cNvPicPr>
-          <p:nvPr/>
-        </p:nvPicPr>
-        <p:blipFill>
-          <a:blip r:embed="rId2"/>
-          <a:stretch>
-            <a:fillRect/>
-          </a:stretch>
-        </p:blipFill>
-        <p:spPr>
-          <a:xfrm>
-            <a:off x="1165615" y="4277937"/>
-            <a:ext cx="520700" cy="571500"/>
-          </a:xfrm>
-          <a:prstGeom prst="rect">
-            <a:avLst/>
-          </a:prstGeom>
-        </p:spPr>
-      </p:pic>
-      <p:pic>
-        <p:nvPicPr>
-          <p:cNvPr id="8" name="그림 7">
-            <a:extLst>
-              <a:ext uri="{FF2B5EF4-FFF2-40B4-BE49-F238E27FC236}">
-                <a16:creationId xmlns:a16="http://schemas.microsoft.com/office/drawing/2014/main" id="{55BB60E0-F5A1-1B49-BE28-DD9F00275C9B}"/>
-              </a:ext>
-            </a:extLst>
-          </p:cNvPr>
-          <p:cNvPicPr>
-            <a:picLocks noChangeAspect="1"/>
-          </p:cNvPicPr>
-          <p:nvPr/>
-        </p:nvPicPr>
-        <p:blipFill>
-          <a:blip r:embed="rId3"/>
-          <a:stretch>
-            <a:fillRect/>
-          </a:stretch>
-        </p:blipFill>
-        <p:spPr>
-          <a:xfrm>
-            <a:off x="1772176" y="4253933"/>
-            <a:ext cx="520700" cy="571500"/>
-          </a:xfrm>
-          <a:prstGeom prst="rect">
-            <a:avLst/>
-          </a:prstGeom>
-        </p:spPr>
-      </p:pic>
-      <p:pic>
-        <p:nvPicPr>
-          <p:cNvPr id="9" name="그림 8">
-            <a:extLst>
-              <a:ext uri="{FF2B5EF4-FFF2-40B4-BE49-F238E27FC236}">
-                <a16:creationId xmlns:a16="http://schemas.microsoft.com/office/drawing/2014/main" id="{00FB0F41-5BBF-4E43-8273-1E69A0D92A81}"/>
-              </a:ext>
-            </a:extLst>
-          </p:cNvPr>
-          <p:cNvPicPr>
-            <a:picLocks noChangeAspect="1"/>
-          </p:cNvPicPr>
-          <p:nvPr/>
-        </p:nvPicPr>
-        <p:blipFill>
-          <a:blip r:embed="rId4"/>
-          <a:stretch>
-            <a:fillRect/>
-          </a:stretch>
-        </p:blipFill>
-        <p:spPr>
-          <a:xfrm>
-            <a:off x="2378737" y="4277937"/>
-            <a:ext cx="520700" cy="571500"/>
-          </a:xfrm>
-          <a:prstGeom prst="rect">
-            <a:avLst/>
-          </a:prstGeom>
-        </p:spPr>
-      </p:pic>
-      <p:pic>
-        <p:nvPicPr>
-          <p:cNvPr id="10" name="그림 9">
-            <a:extLst>
-              <a:ext uri="{FF2B5EF4-FFF2-40B4-BE49-F238E27FC236}">
-                <a16:creationId xmlns:a16="http://schemas.microsoft.com/office/drawing/2014/main" id="{19E1E61C-BCEA-6E41-916D-A8E49A0FF774}"/>
-              </a:ext>
-            </a:extLst>
-          </p:cNvPr>
-          <p:cNvPicPr>
-            <a:picLocks noChangeAspect="1"/>
-          </p:cNvPicPr>
-          <p:nvPr/>
-        </p:nvPicPr>
-        <p:blipFill>
-          <a:blip r:embed="rId5"/>
-          <a:stretch>
-            <a:fillRect/>
-          </a:stretch>
-        </p:blipFill>
-        <p:spPr>
-          <a:xfrm>
-            <a:off x="2972416" y="4277937"/>
-            <a:ext cx="520700" cy="571500"/>
-          </a:xfrm>
-          <a:prstGeom prst="rect">
-            <a:avLst/>
-          </a:prstGeom>
-        </p:spPr>
-      </p:pic>
-      <p:pic>
-        <p:nvPicPr>
-          <p:cNvPr id="11" name="그림 10">
-            <a:extLst>
-              <a:ext uri="{FF2B5EF4-FFF2-40B4-BE49-F238E27FC236}">
-                <a16:creationId xmlns:a16="http://schemas.microsoft.com/office/drawing/2014/main" id="{661995AB-BD51-AB49-94A6-F2F050598D83}"/>
-              </a:ext>
-            </a:extLst>
-          </p:cNvPr>
-          <p:cNvPicPr>
-            <a:picLocks noChangeAspect="1"/>
-          </p:cNvPicPr>
-          <p:nvPr/>
-        </p:nvPicPr>
-        <p:blipFill>
-          <a:blip r:embed="rId6"/>
-          <a:stretch>
-            <a:fillRect/>
-          </a:stretch>
-        </p:blipFill>
-        <p:spPr>
-          <a:xfrm>
-            <a:off x="3591859" y="4277937"/>
-            <a:ext cx="520700" cy="571500"/>
-          </a:xfrm>
-          <a:prstGeom prst="rect">
-            <a:avLst/>
-          </a:prstGeom>
-        </p:spPr>
-      </p:pic>
-      <p:pic>
-        <p:nvPicPr>
-          <p:cNvPr id="12" name="그림 11">
-            <a:extLst>
-              <a:ext uri="{FF2B5EF4-FFF2-40B4-BE49-F238E27FC236}">
-                <a16:creationId xmlns:a16="http://schemas.microsoft.com/office/drawing/2014/main" id="{A276BC61-D482-5744-968B-0E6EEB28EBF0}"/>
-              </a:ext>
-            </a:extLst>
-          </p:cNvPr>
-          <p:cNvPicPr>
-            <a:picLocks noChangeAspect="1"/>
-          </p:cNvPicPr>
-          <p:nvPr/>
-        </p:nvPicPr>
-        <p:blipFill>
-          <a:blip r:embed="rId7"/>
-          <a:stretch>
-            <a:fillRect/>
-          </a:stretch>
-        </p:blipFill>
-        <p:spPr>
-          <a:xfrm>
-            <a:off x="2972416" y="2064582"/>
-            <a:ext cx="520700" cy="571500"/>
-          </a:xfrm>
-          <a:prstGeom prst="rect">
-            <a:avLst/>
-          </a:prstGeom>
-        </p:spPr>
-      </p:pic>
-      <p:pic>
-        <p:nvPicPr>
-          <p:cNvPr id="13" name="그림 12">
-            <a:extLst>
-              <a:ext uri="{FF2B5EF4-FFF2-40B4-BE49-F238E27FC236}">
-                <a16:creationId xmlns:a16="http://schemas.microsoft.com/office/drawing/2014/main" id="{7033555A-2AF2-D44A-828E-F7ED6BEAF276}"/>
-              </a:ext>
-            </a:extLst>
-          </p:cNvPr>
-          <p:cNvPicPr>
-            <a:picLocks noChangeAspect="1"/>
-          </p:cNvPicPr>
-          <p:nvPr/>
-        </p:nvPicPr>
-        <p:blipFill>
-          <a:blip r:embed="rId8"/>
-          <a:stretch>
-            <a:fillRect/>
-          </a:stretch>
-        </p:blipFill>
-        <p:spPr>
-          <a:xfrm>
-            <a:off x="1165615" y="3132670"/>
-            <a:ext cx="520700" cy="571500"/>
-          </a:xfrm>
-          <a:prstGeom prst="rect">
-            <a:avLst/>
-          </a:prstGeom>
-        </p:spPr>
-      </p:pic>
-      <p:pic>
-        <p:nvPicPr>
-          <p:cNvPr id="14" name="그림 13">
-            <a:extLst>
-              <a:ext uri="{FF2B5EF4-FFF2-40B4-BE49-F238E27FC236}">
-                <a16:creationId xmlns:a16="http://schemas.microsoft.com/office/drawing/2014/main" id="{D485F531-2481-BF43-9048-351E80EEB3A3}"/>
-              </a:ext>
-            </a:extLst>
-          </p:cNvPr>
-          <p:cNvPicPr>
-            <a:picLocks noChangeAspect="1"/>
-          </p:cNvPicPr>
-          <p:nvPr/>
-        </p:nvPicPr>
-        <p:blipFill>
-          <a:blip r:embed="rId9"/>
-          <a:stretch>
-            <a:fillRect/>
-          </a:stretch>
-        </p:blipFill>
-        <p:spPr>
-          <a:xfrm>
-            <a:off x="1776468" y="3143249"/>
-            <a:ext cx="520700" cy="571500"/>
-          </a:xfrm>
-          <a:prstGeom prst="rect">
-            <a:avLst/>
-          </a:prstGeom>
-        </p:spPr>
-      </p:pic>
-      <p:pic>
-        <p:nvPicPr>
-          <p:cNvPr id="15" name="그림 14">
-            <a:extLst>
-              <a:ext uri="{FF2B5EF4-FFF2-40B4-BE49-F238E27FC236}">
-                <a16:creationId xmlns:a16="http://schemas.microsoft.com/office/drawing/2014/main" id="{1758CBB2-089F-424F-9F91-613570CBCBBE}"/>
-              </a:ext>
-            </a:extLst>
-          </p:cNvPr>
-          <p:cNvPicPr>
-            <a:picLocks noChangeAspect="1"/>
-          </p:cNvPicPr>
-          <p:nvPr/>
-        </p:nvPicPr>
-        <p:blipFill>
-          <a:blip r:embed="rId10"/>
-          <a:stretch>
-            <a:fillRect/>
-          </a:stretch>
-        </p:blipFill>
-        <p:spPr>
-          <a:xfrm>
-            <a:off x="2374442" y="3150206"/>
-            <a:ext cx="520700" cy="571500"/>
-          </a:xfrm>
-          <a:prstGeom prst="rect">
-            <a:avLst/>
-          </a:prstGeom>
-        </p:spPr>
-      </p:pic>
-      <p:pic>
-        <p:nvPicPr>
-          <p:cNvPr id="16" name="그림 15">
-            <a:extLst>
-              <a:ext uri="{FF2B5EF4-FFF2-40B4-BE49-F238E27FC236}">
-                <a16:creationId xmlns:a16="http://schemas.microsoft.com/office/drawing/2014/main" id="{9846110C-BFE0-874E-A691-9D33AB5B6086}"/>
-              </a:ext>
-            </a:extLst>
-          </p:cNvPr>
-          <p:cNvPicPr>
-            <a:picLocks noChangeAspect="1"/>
-          </p:cNvPicPr>
-          <p:nvPr/>
-        </p:nvPicPr>
-        <p:blipFill>
-          <a:blip r:embed="rId11"/>
-          <a:stretch>
-            <a:fillRect/>
-          </a:stretch>
-        </p:blipFill>
-        <p:spPr>
-          <a:xfrm>
-            <a:off x="2972416" y="3141676"/>
-            <a:ext cx="520700" cy="571500"/>
-          </a:xfrm>
-          <a:prstGeom prst="rect">
-            <a:avLst/>
-          </a:prstGeom>
-        </p:spPr>
-      </p:pic>
-      <p:pic>
-        <p:nvPicPr>
-          <p:cNvPr id="17" name="그림 16">
-            <a:extLst>
-              <a:ext uri="{FF2B5EF4-FFF2-40B4-BE49-F238E27FC236}">
-                <a16:creationId xmlns:a16="http://schemas.microsoft.com/office/drawing/2014/main" id="{11BFA8C7-2BE8-3C4B-BE5A-4D38595F0C9C}"/>
-              </a:ext>
-            </a:extLst>
-          </p:cNvPr>
-          <p:cNvPicPr>
-            <a:picLocks noChangeAspect="1"/>
-          </p:cNvPicPr>
-          <p:nvPr/>
-        </p:nvPicPr>
-        <p:blipFill>
-          <a:blip r:embed="rId12"/>
-          <a:stretch>
-            <a:fillRect/>
-          </a:stretch>
-        </p:blipFill>
-        <p:spPr>
-          <a:xfrm>
-            <a:off x="1178494" y="2042996"/>
-            <a:ext cx="520700" cy="571500"/>
-          </a:xfrm>
-          <a:prstGeom prst="rect">
-            <a:avLst/>
-          </a:prstGeom>
-        </p:spPr>
-      </p:pic>
-      <p:pic>
-        <p:nvPicPr>
-          <p:cNvPr id="18" name="그림 17">
-            <a:extLst>
-              <a:ext uri="{FF2B5EF4-FFF2-40B4-BE49-F238E27FC236}">
-                <a16:creationId xmlns:a16="http://schemas.microsoft.com/office/drawing/2014/main" id="{266766CC-91F4-6349-B40D-C3823217FAA6}"/>
-              </a:ext>
-            </a:extLst>
-          </p:cNvPr>
-          <p:cNvPicPr>
-            <a:picLocks noChangeAspect="1"/>
-          </p:cNvPicPr>
-          <p:nvPr/>
-        </p:nvPicPr>
-        <p:blipFill>
-          <a:blip r:embed="rId13"/>
-          <a:stretch>
-            <a:fillRect/>
-          </a:stretch>
-        </p:blipFill>
-        <p:spPr>
-          <a:xfrm>
-            <a:off x="1776468" y="2042996"/>
-            <a:ext cx="520700" cy="571500"/>
-          </a:xfrm>
-          <a:prstGeom prst="rect">
-            <a:avLst/>
-          </a:prstGeom>
-        </p:spPr>
-      </p:pic>
-      <p:pic>
-        <p:nvPicPr>
-          <p:cNvPr id="19" name="그림 18">
-            <a:extLst>
-              <a:ext uri="{FF2B5EF4-FFF2-40B4-BE49-F238E27FC236}">
-                <a16:creationId xmlns:a16="http://schemas.microsoft.com/office/drawing/2014/main" id="{CC392014-4270-BE41-A519-73FC8E0614B7}"/>
-              </a:ext>
-            </a:extLst>
-          </p:cNvPr>
-          <p:cNvPicPr>
-            <a:picLocks noChangeAspect="1"/>
-          </p:cNvPicPr>
-          <p:nvPr/>
-        </p:nvPicPr>
-        <p:blipFill>
-          <a:blip r:embed="rId14"/>
-          <a:stretch>
-            <a:fillRect/>
-          </a:stretch>
-        </p:blipFill>
-        <p:spPr>
-          <a:xfrm>
-            <a:off x="1144071" y="5303316"/>
-            <a:ext cx="520700" cy="571500"/>
-          </a:xfrm>
-          <a:prstGeom prst="rect">
-            <a:avLst/>
-          </a:prstGeom>
-        </p:spPr>
-      </p:pic>
-      <p:pic>
-        <p:nvPicPr>
-          <p:cNvPr id="20" name="그림 19">
-            <a:extLst>
-              <a:ext uri="{FF2B5EF4-FFF2-40B4-BE49-F238E27FC236}">
-                <a16:creationId xmlns:a16="http://schemas.microsoft.com/office/drawing/2014/main" id="{4F8545D8-CE73-CC4C-A30E-5C60D0740C1B}"/>
-              </a:ext>
-            </a:extLst>
-          </p:cNvPr>
-          <p:cNvPicPr>
-            <a:picLocks noChangeAspect="1"/>
-          </p:cNvPicPr>
-          <p:nvPr/>
-        </p:nvPicPr>
-        <p:blipFill>
-          <a:blip r:embed="rId15"/>
-          <a:stretch>
-            <a:fillRect/>
-          </a:stretch>
-        </p:blipFill>
-        <p:spPr>
-          <a:xfrm>
-            <a:off x="1733539" y="5302834"/>
-            <a:ext cx="520700" cy="571500"/>
-          </a:xfrm>
-          <a:prstGeom prst="rect">
-            <a:avLst/>
-          </a:prstGeom>
-        </p:spPr>
-      </p:pic>
-      <p:pic>
-        <p:nvPicPr>
-          <p:cNvPr id="21" name="그림 20">
-            <a:extLst>
-              <a:ext uri="{FF2B5EF4-FFF2-40B4-BE49-F238E27FC236}">
-                <a16:creationId xmlns:a16="http://schemas.microsoft.com/office/drawing/2014/main" id="{55EDEDE3-121A-504E-88DB-E8972F8D985B}"/>
-              </a:ext>
-            </a:extLst>
-          </p:cNvPr>
-          <p:cNvPicPr>
-            <a:picLocks noChangeAspect="1"/>
-          </p:cNvPicPr>
-          <p:nvPr/>
-        </p:nvPicPr>
-        <p:blipFill>
-          <a:blip r:embed="rId16"/>
-          <a:stretch>
-            <a:fillRect/>
-          </a:stretch>
-        </p:blipFill>
-        <p:spPr>
-          <a:xfrm>
-            <a:off x="2374442" y="2044849"/>
-            <a:ext cx="520700" cy="571500"/>
-          </a:xfrm>
-          <a:prstGeom prst="rect">
-            <a:avLst/>
-          </a:prstGeom>
-        </p:spPr>
-      </p:pic>
-      <p:pic>
-        <p:nvPicPr>
-          <p:cNvPr id="22" name="그림 21">
-            <a:extLst>
-              <a:ext uri="{FF2B5EF4-FFF2-40B4-BE49-F238E27FC236}">
-                <a16:creationId xmlns:a16="http://schemas.microsoft.com/office/drawing/2014/main" id="{AA024C20-3A9A-5E4E-9409-E55CD03FCA1A}"/>
-              </a:ext>
-            </a:extLst>
-          </p:cNvPr>
-          <p:cNvPicPr>
-            <a:picLocks noChangeAspect="1"/>
-          </p:cNvPicPr>
-          <p:nvPr/>
-        </p:nvPicPr>
-        <p:blipFill>
-          <a:blip r:embed="rId17"/>
-          <a:stretch>
-            <a:fillRect/>
-          </a:stretch>
-        </p:blipFill>
-        <p:spPr>
-          <a:xfrm>
-            <a:off x="3570390" y="3135986"/>
-            <a:ext cx="520700" cy="571500"/>
-          </a:xfrm>
-          <a:prstGeom prst="rect">
-            <a:avLst/>
-          </a:prstGeom>
-        </p:spPr>
-      </p:pic>
-      <p:pic>
-        <p:nvPicPr>
-          <p:cNvPr id="23" name="그림 22">
-            <a:extLst>
-              <a:ext uri="{FF2B5EF4-FFF2-40B4-BE49-F238E27FC236}">
-                <a16:creationId xmlns:a16="http://schemas.microsoft.com/office/drawing/2014/main" id="{905F3915-5D8F-2044-99ED-4AAE3AA658E2}"/>
-              </a:ext>
-            </a:extLst>
-          </p:cNvPr>
-          <p:cNvPicPr>
-            <a:picLocks noChangeAspect="1"/>
-          </p:cNvPicPr>
-          <p:nvPr/>
-        </p:nvPicPr>
-        <p:blipFill>
-          <a:blip r:embed="rId18"/>
-          <a:stretch>
-            <a:fillRect/>
-          </a:stretch>
-        </p:blipFill>
-        <p:spPr>
-          <a:xfrm>
-            <a:off x="2331513" y="5302834"/>
-            <a:ext cx="520700" cy="571500"/>
-          </a:xfrm>
-          <a:prstGeom prst="rect">
-            <a:avLst/>
-          </a:prstGeom>
-        </p:spPr>
-      </p:pic>
-      <p:pic>
-        <p:nvPicPr>
-          <p:cNvPr id="24" name="그림 23">
-            <a:extLst>
-              <a:ext uri="{FF2B5EF4-FFF2-40B4-BE49-F238E27FC236}">
-                <a16:creationId xmlns:a16="http://schemas.microsoft.com/office/drawing/2014/main" id="{0BFD5BFA-E868-FF4C-9B7A-DFF9860A8E66}"/>
-              </a:ext>
-            </a:extLst>
-          </p:cNvPr>
-          <p:cNvPicPr>
-            <a:picLocks noChangeAspect="1"/>
-          </p:cNvPicPr>
-          <p:nvPr/>
-        </p:nvPicPr>
-        <p:blipFill>
-          <a:blip r:embed="rId19"/>
-          <a:stretch>
-            <a:fillRect/>
-          </a:stretch>
-        </p:blipFill>
-        <p:spPr>
-          <a:xfrm>
-            <a:off x="3570390" y="2064582"/>
-            <a:ext cx="520700" cy="571500"/>
-          </a:xfrm>
-          <a:prstGeom prst="rect">
-            <a:avLst/>
-          </a:prstGeom>
-        </p:spPr>
-      </p:pic>
-      <p:pic>
-        <p:nvPicPr>
-          <p:cNvPr id="25" name="그림 24">
-            <a:extLst>
-              <a:ext uri="{FF2B5EF4-FFF2-40B4-BE49-F238E27FC236}">
-                <a16:creationId xmlns:a16="http://schemas.microsoft.com/office/drawing/2014/main" id="{7F91F589-E26C-B54F-978F-8949B87F96F4}"/>
-              </a:ext>
-            </a:extLst>
-          </p:cNvPr>
-          <p:cNvPicPr>
-            <a:picLocks noChangeAspect="1"/>
-          </p:cNvPicPr>
-          <p:nvPr/>
-        </p:nvPicPr>
-        <p:blipFill>
-          <a:blip r:embed="rId20"/>
-          <a:stretch>
-            <a:fillRect/>
-          </a:stretch>
-        </p:blipFill>
-        <p:spPr>
-          <a:xfrm>
-            <a:off x="2972416" y="5302834"/>
-            <a:ext cx="520700" cy="571500"/>
-          </a:xfrm>
-          <a:prstGeom prst="rect">
-            <a:avLst/>
-          </a:prstGeom>
-        </p:spPr>
-      </p:pic>
-      <p:pic>
-        <p:nvPicPr>
-          <p:cNvPr id="26" name="그림 25">
-            <a:extLst>
-              <a:ext uri="{FF2B5EF4-FFF2-40B4-BE49-F238E27FC236}">
-                <a16:creationId xmlns:a16="http://schemas.microsoft.com/office/drawing/2014/main" id="{A57C9F3F-0195-AB4B-A625-A72D963C07A4}"/>
-              </a:ext>
-            </a:extLst>
-          </p:cNvPr>
-          <p:cNvPicPr>
-            <a:picLocks noChangeAspect="1"/>
-          </p:cNvPicPr>
-          <p:nvPr/>
-        </p:nvPicPr>
-        <p:blipFill>
-          <a:blip r:embed="rId21"/>
-          <a:stretch>
-            <a:fillRect/>
-          </a:stretch>
-        </p:blipFill>
-        <p:spPr>
-          <a:xfrm>
-            <a:off x="3587499" y="5306923"/>
-            <a:ext cx="520700" cy="571500"/>
-          </a:xfrm>
-          <a:prstGeom prst="rect">
-            <a:avLst/>
-          </a:prstGeom>
-        </p:spPr>
-      </p:pic>
-      <p:sp>
-        <p:nvSpPr>
-          <p:cNvPr id="27" name="TextBox 26">
-            <a:extLst>
-              <a:ext uri="{FF2B5EF4-FFF2-40B4-BE49-F238E27FC236}">
-                <a16:creationId xmlns:a16="http://schemas.microsoft.com/office/drawing/2014/main" id="{26F6B613-CB31-914C-B94B-E4ED6A385909}"/>
-              </a:ext>
-            </a:extLst>
-          </p:cNvPr>
-          <p:cNvSpPr txBox="1"/>
-          <p:nvPr/>
-        </p:nvSpPr>
-        <p:spPr>
-          <a:xfrm>
-            <a:off x="5183812" y="1498897"/>
-            <a:ext cx="1470274" cy="292388"/>
-          </a:xfrm>
-          <a:prstGeom prst="rect">
-            <a:avLst/>
-          </a:prstGeom>
-          <a:noFill/>
-        </p:spPr>
-        <p:txBody>
-          <a:bodyPr wrap="none" rtlCol="0">
-            <a:spAutoFit/>
-          </a:bodyPr>
-          <a:lstStyle/>
-          <a:p>
-            <a:r>
-              <a:rPr kumimoji="1" lang="ko-KR" altLang="en-US" sz="1300" dirty="0"/>
-              <a:t>완결 웹툰만 보기</a:t>
-            </a:r>
-          </a:p>
-        </p:txBody>
-      </p:sp>
-      <p:sp>
-        <p:nvSpPr>
-          <p:cNvPr id="28" name="직사각형 27">
-            <a:extLst>
-              <a:ext uri="{FF2B5EF4-FFF2-40B4-BE49-F238E27FC236}">
-                <a16:creationId xmlns:a16="http://schemas.microsoft.com/office/drawing/2014/main" id="{28AC5D74-FFC2-7743-8BAD-D7FC120C7223}"/>
-              </a:ext>
-            </a:extLst>
-          </p:cNvPr>
-          <p:cNvSpPr/>
-          <p:nvPr/>
-        </p:nvSpPr>
-        <p:spPr>
-          <a:xfrm>
-            <a:off x="6633771" y="1565222"/>
-            <a:ext cx="206062" cy="198666"/>
-          </a:xfrm>
-          <a:prstGeom prst="rect">
-            <a:avLst/>
-          </a:prstGeom>
-          <a:ln>
-            <a:solidFill>
-              <a:schemeClr val="tx1"/>
-            </a:solidFill>
-          </a:ln>
-        </p:spPr>
-        <p:style>
-          <a:lnRef idx="2">
-            <a:schemeClr val="accent6"/>
-          </a:lnRef>
-          <a:fillRef idx="1">
-            <a:schemeClr val="lt1"/>
-          </a:fillRef>
-          <a:effectRef idx="0">
-            <a:schemeClr val="accent6"/>
-          </a:effectRef>
-          <a:fontRef idx="minor">
-            <a:schemeClr val="dk1"/>
-          </a:fontRef>
-        </p:style>
-        <p:txBody>
-          <a:bodyPr rtlCol="0" anchor="ctr"/>
-          <a:lstStyle/>
-          <a:p>
-            <a:pPr algn="ctr"/>
-            <a:endParaRPr kumimoji="1" lang="ko-KR" altLang="en-US"/>
-          </a:p>
-        </p:txBody>
-      </p:sp>
-      <p:grpSp>
-        <p:nvGrpSpPr>
-          <p:cNvPr id="36" name="그룹 35">
-            <a:extLst>
-              <a:ext uri="{FF2B5EF4-FFF2-40B4-BE49-F238E27FC236}">
-                <a16:creationId xmlns:a16="http://schemas.microsoft.com/office/drawing/2014/main" id="{F02BB0B8-5B0E-AD4C-AE86-993095FCEC65}"/>
-              </a:ext>
-            </a:extLst>
-          </p:cNvPr>
-          <p:cNvGrpSpPr/>
-          <p:nvPr/>
-        </p:nvGrpSpPr>
-        <p:grpSpPr>
-          <a:xfrm>
-            <a:off x="1877222" y="2095461"/>
-            <a:ext cx="6302878" cy="2964003"/>
-            <a:chOff x="1890101" y="2328775"/>
-            <a:chExt cx="6302878" cy="2964003"/>
-          </a:xfrm>
-        </p:grpSpPr>
-        <p:sp>
-          <p:nvSpPr>
-            <p:cNvPr id="34" name="직사각형 33">
-              <a:extLst>
-                <a:ext uri="{FF2B5EF4-FFF2-40B4-BE49-F238E27FC236}">
-                  <a16:creationId xmlns:a16="http://schemas.microsoft.com/office/drawing/2014/main" id="{1517DE79-E619-4C48-BDE1-8EAC33C395F4}"/>
-                </a:ext>
-              </a:extLst>
-            </p:cNvPr>
-            <p:cNvSpPr/>
-            <p:nvPr/>
-          </p:nvSpPr>
-          <p:spPr>
-            <a:xfrm>
-              <a:off x="1890101" y="2328775"/>
-              <a:ext cx="6302878" cy="2964003"/>
-            </a:xfrm>
-            <a:prstGeom prst="rect">
-              <a:avLst/>
-            </a:prstGeom>
-            <a:solidFill>
-              <a:schemeClr val="tx1">
-                <a:alpha val="91000"/>
-              </a:schemeClr>
-            </a:solidFill>
-            <a:effectLst>
-              <a:softEdge rad="30524"/>
-            </a:effectLst>
-          </p:spPr>
-          <p:style>
-            <a:lnRef idx="2">
-              <a:schemeClr val="accent1">
-                <a:shade val="50000"/>
-              </a:schemeClr>
-            </a:lnRef>
-            <a:fillRef idx="1">
-              <a:schemeClr val="accent1"/>
-            </a:fillRef>
-            <a:effectRef idx="0">
-              <a:schemeClr val="accent1"/>
-            </a:effectRef>
-            <a:fontRef idx="minor">
-              <a:schemeClr val="lt1"/>
-            </a:fontRef>
-          </p:style>
-          <p:txBody>
-            <a:bodyPr rtlCol="0" anchor="ctr"/>
-            <a:lstStyle/>
-            <a:p>
-              <a:pPr algn="ctr"/>
-              <a:r>
-                <a:rPr kumimoji="1" lang="ko-KR" altLang="en-US" dirty="0"/>
-                <a:t>추천이 마음에 드시나요</a:t>
-              </a:r>
-              <a:r>
-                <a:rPr kumimoji="1" lang="en-US" altLang="ko-KR" dirty="0"/>
-                <a:t>?</a:t>
-              </a:r>
-            </a:p>
-            <a:p>
-              <a:pPr algn="ctr"/>
-              <a:endParaRPr kumimoji="1" lang="en-US" altLang="ko-KR" dirty="0"/>
-            </a:p>
-            <a:p>
-              <a:pPr algn="ctr"/>
-              <a:r>
-                <a:rPr lang="ko-KR" altLang="en-US" sz="2500" b="1" i="0" dirty="0">
-                  <a:solidFill>
-                    <a:schemeClr val="bg1"/>
-                  </a:solidFill>
-                  <a:effectLst/>
-                  <a:latin typeface="Apple SD Gothic Neo" panose="02000300000000000000" pitchFamily="2" charset="-127"/>
-                  <a:ea typeface="Apple SD Gothic Neo" panose="02000300000000000000" pitchFamily="2" charset="-127"/>
-                </a:rPr>
-                <a:t>★★★★☆</a:t>
-              </a:r>
-              <a:endParaRPr kumimoji="1" lang="ko-KR" altLang="en-US" sz="2500" dirty="0">
-                <a:solidFill>
-                  <a:schemeClr val="bg1"/>
-                </a:solidFill>
-              </a:endParaRPr>
-            </a:p>
-          </p:txBody>
-        </p:sp>
-        <p:sp>
-          <p:nvSpPr>
-            <p:cNvPr id="35" name="직사각형 34">
-              <a:extLst>
-                <a:ext uri="{FF2B5EF4-FFF2-40B4-BE49-F238E27FC236}">
-                  <a16:creationId xmlns:a16="http://schemas.microsoft.com/office/drawing/2014/main" id="{8666508D-89D2-1D41-8AA6-08020ED0CA98}"/>
-                </a:ext>
-              </a:extLst>
-            </p:cNvPr>
-            <p:cNvSpPr/>
-            <p:nvPr/>
-          </p:nvSpPr>
-          <p:spPr>
-            <a:xfrm>
-              <a:off x="4337840" y="4459582"/>
-              <a:ext cx="1341587" cy="410351"/>
-            </a:xfrm>
-            <a:prstGeom prst="rect">
-              <a:avLst/>
-            </a:prstGeom>
-            <a:noFill/>
-            <a:ln>
-              <a:solidFill>
-                <a:schemeClr val="bg1"/>
-              </a:solidFill>
-            </a:ln>
-          </p:spPr>
-          <p:style>
-            <a:lnRef idx="2">
-              <a:schemeClr val="accent1">
-                <a:shade val="50000"/>
-              </a:schemeClr>
-            </a:lnRef>
-            <a:fillRef idx="1">
-              <a:schemeClr val="accent1"/>
-            </a:fillRef>
-            <a:effectRef idx="0">
-              <a:schemeClr val="accent1"/>
-            </a:effectRef>
-            <a:fontRef idx="minor">
-              <a:schemeClr val="lt1"/>
-            </a:fontRef>
-          </p:style>
-          <p:txBody>
-            <a:bodyPr rtlCol="0" anchor="ctr"/>
-            <a:lstStyle/>
-            <a:p>
-              <a:pPr algn="ctr"/>
-              <a:r>
-                <a:rPr kumimoji="1" lang="ko-KR" altLang="en-US" dirty="0"/>
-                <a:t>제출하기</a:t>
-              </a:r>
-            </a:p>
-          </p:txBody>
-        </p:sp>
-      </p:grpSp>
-      <p:sp>
-        <p:nvSpPr>
-          <p:cNvPr id="37" name="TextBox 36">
-            <a:extLst>
-              <a:ext uri="{FF2B5EF4-FFF2-40B4-BE49-F238E27FC236}">
-                <a16:creationId xmlns:a16="http://schemas.microsoft.com/office/drawing/2014/main" id="{8F3C266B-86AE-7141-8DD6-6BB108F8223B}"/>
-              </a:ext>
-            </a:extLst>
-          </p:cNvPr>
-          <p:cNvSpPr txBox="1"/>
-          <p:nvPr/>
-        </p:nvSpPr>
-        <p:spPr>
-          <a:xfrm>
-            <a:off x="3853620" y="3661744"/>
-            <a:ext cx="415498" cy="369332"/>
-          </a:xfrm>
-          <a:prstGeom prst="rect">
-            <a:avLst/>
-          </a:prstGeom>
-          <a:noFill/>
-        </p:spPr>
-        <p:txBody>
-          <a:bodyPr wrap="none" rtlCol="0">
-            <a:spAutoFit/>
-          </a:bodyPr>
-          <a:lstStyle/>
-          <a:p>
-            <a:r>
-              <a:rPr lang="ko-KR" altLang="en-US" b="0" i="0" dirty="0">
-                <a:solidFill>
-                  <a:srgbClr val="FF0000"/>
-                </a:solidFill>
-                <a:effectLst/>
-                <a:latin typeface="Malgun Gothic" panose="020B0503020000020004" pitchFamily="34" charset="-127"/>
-                <a:ea typeface="Malgun Gothic" panose="020B0503020000020004" pitchFamily="34" charset="-127"/>
-              </a:rPr>
-              <a:t>①</a:t>
-            </a:r>
-            <a:endParaRPr kumimoji="1" lang="ko-KR" altLang="en-US" dirty="0">
-              <a:solidFill>
-                <a:srgbClr val="FF0000"/>
-              </a:solidFill>
-            </a:endParaRPr>
-          </a:p>
-        </p:txBody>
-      </p:sp>
-      <p:sp>
-        <p:nvSpPr>
-          <p:cNvPr id="38" name="TextBox 37">
-            <a:extLst>
-              <a:ext uri="{FF2B5EF4-FFF2-40B4-BE49-F238E27FC236}">
-                <a16:creationId xmlns:a16="http://schemas.microsoft.com/office/drawing/2014/main" id="{3F7FCBEB-2C22-E14D-ADE5-08ECEB920B07}"/>
-              </a:ext>
-            </a:extLst>
-          </p:cNvPr>
-          <p:cNvSpPr txBox="1"/>
-          <p:nvPr/>
-        </p:nvSpPr>
-        <p:spPr>
-          <a:xfrm>
-            <a:off x="3853620" y="4234100"/>
-            <a:ext cx="415498" cy="369332"/>
-          </a:xfrm>
-          <a:prstGeom prst="rect">
-            <a:avLst/>
-          </a:prstGeom>
-          <a:noFill/>
-        </p:spPr>
-        <p:txBody>
-          <a:bodyPr wrap="none" rtlCol="0">
-            <a:spAutoFit/>
-          </a:bodyPr>
-          <a:lstStyle/>
-          <a:p>
-            <a:r>
-              <a:rPr lang="ko-KR" altLang="en-US" b="0" i="0" dirty="0">
-                <a:solidFill>
-                  <a:srgbClr val="FF0000"/>
-                </a:solidFill>
-                <a:effectLst/>
-                <a:latin typeface="Malgun Gothic" panose="020B0503020000020004" pitchFamily="34" charset="-127"/>
-                <a:ea typeface="Malgun Gothic" panose="020B0503020000020004" pitchFamily="34" charset="-127"/>
-              </a:rPr>
-              <a:t>②</a:t>
-            </a:r>
-            <a:endParaRPr kumimoji="1" lang="ko-KR" altLang="en-US" dirty="0">
-              <a:solidFill>
-                <a:srgbClr val="FF0000"/>
-              </a:solidFill>
-            </a:endParaRPr>
-          </a:p>
-        </p:txBody>
-      </p:sp>
-      <p:sp>
-        <p:nvSpPr>
-          <p:cNvPr id="39" name="TextBox 38">
-            <a:extLst>
-              <a:ext uri="{FF2B5EF4-FFF2-40B4-BE49-F238E27FC236}">
-                <a16:creationId xmlns:a16="http://schemas.microsoft.com/office/drawing/2014/main" id="{47A1EBF4-821C-F546-8FEA-80FF339890A2}"/>
-              </a:ext>
-            </a:extLst>
-          </p:cNvPr>
-          <p:cNvSpPr txBox="1"/>
-          <p:nvPr/>
-        </p:nvSpPr>
-        <p:spPr>
-          <a:xfrm>
-            <a:off x="1030307" y="1010167"/>
-            <a:ext cx="1107996" cy="369332"/>
-          </a:xfrm>
-          <a:prstGeom prst="rect">
-            <a:avLst/>
-          </a:prstGeom>
-          <a:noFill/>
-        </p:spPr>
-        <p:txBody>
-          <a:bodyPr wrap="none" rtlCol="0">
-            <a:spAutoFit/>
-          </a:bodyPr>
-          <a:lstStyle/>
-          <a:p>
-            <a:r>
-              <a:rPr kumimoji="1" lang="ko-KR" altLang="en-US" dirty="0" err="1">
-                <a:solidFill>
-                  <a:schemeClr val="accent2"/>
-                </a:solidFill>
-              </a:rPr>
-              <a:t>추천결과</a:t>
-            </a:r>
-            <a:endParaRPr kumimoji="1" lang="ko-KR" altLang="en-US" dirty="0">
-              <a:solidFill>
-                <a:schemeClr val="accent2"/>
-              </a:solidFill>
-            </a:endParaRPr>
-          </a:p>
-        </p:txBody>
-      </p:sp>
-    </p:spTree>
-    <p:extLst>
-      <p:ext uri="{BB962C8B-B14F-4D97-AF65-F5344CB8AC3E}">
-        <p14:creationId xmlns:p14="http://schemas.microsoft.com/office/powerpoint/2010/main" val="1849911475"/>
-      </p:ext>
-    </p:extLst>
-  </p:cSld>
-  <p:clrMapOvr>
-    <a:masterClrMapping/>
-  </p:clrMapOvr>
-</p:sld>
-</file>
-
-<file path=ppt/slides/slide9.xml><?xml version="1.0" encoding="utf-8"?>
-<p:sld xmlns:a="http://schemas.openxmlformats.org/drawingml/2006/main" xmlns:r="http://schemas.openxmlformats.org/officeDocument/2006/relationships" xmlns:p="http://schemas.openxmlformats.org/presentationml/2006/main">
-  <p:cSld>
-    <p:spTree>
-      <p:nvGrpSpPr>
-        <p:cNvPr id="1" name=""/>
-        <p:cNvGrpSpPr/>
-        <p:nvPr/>
-      </p:nvGrpSpPr>
-      <p:grpSpPr>
-        <a:xfrm>
-          <a:off x="0" y="0"/>
-          <a:ext cx="0" cy="0"/>
-          <a:chOff x="0" y="0"/>
-          <a:chExt cx="0" cy="0"/>
-        </a:xfrm>
-      </p:grpSpPr>
-      <p:graphicFrame>
-        <p:nvGraphicFramePr>
-          <p:cNvPr id="4" name="표 3">
-            <a:extLst>
-              <a:ext uri="{FF2B5EF4-FFF2-40B4-BE49-F238E27FC236}">
-                <a16:creationId xmlns:a16="http://schemas.microsoft.com/office/drawing/2014/main" id="{1871E9E0-728D-0947-9BA1-D3EE2E4A8DE7}"/>
-              </a:ext>
-            </a:extLst>
-          </p:cNvPr>
-          <p:cNvGraphicFramePr>
-            <a:graphicFrameLocks noGrp="1"/>
-          </p:cNvGraphicFramePr>
-          <p:nvPr>
-            <p:extLst>
-              <p:ext uri="{D42A27DB-BD31-4B8C-83A1-F6EECF244321}">
-                <p14:modId xmlns:p14="http://schemas.microsoft.com/office/powerpoint/2010/main" val="2628441024"/>
-              </p:ext>
-            </p:extLst>
-          </p:nvPr>
-        </p:nvGraphicFramePr>
-        <p:xfrm>
-          <a:off x="374583" y="316648"/>
-          <a:ext cx="11442833" cy="6224703"/>
-        </p:xfrm>
-        <a:graphic>
-          <a:graphicData uri="http://schemas.openxmlformats.org/drawingml/2006/table">
-            <a:tbl>
-              <a:tblPr>
-                <a:tableStyleId>{073A0DAA-6AF3-43AB-8588-CEC1D06C72B9}</a:tableStyleId>
-              </a:tblPr>
-              <a:tblGrid>
-                <a:gridCol w="1271426">
-                  <a:extLst>
-                    <a:ext uri="{9D8B030D-6E8A-4147-A177-3AD203B41FA5}">
-                      <a16:colId xmlns:a16="http://schemas.microsoft.com/office/drawing/2014/main" val="2047737118"/>
-                    </a:ext>
-                  </a:extLst>
-                </a:gridCol>
-                <a:gridCol w="2542851">
-                  <a:extLst>
-                    <a:ext uri="{9D8B030D-6E8A-4147-A177-3AD203B41FA5}">
-                      <a16:colId xmlns:a16="http://schemas.microsoft.com/office/drawing/2014/main" val="2971336784"/>
-                    </a:ext>
-                  </a:extLst>
-                </a:gridCol>
-                <a:gridCol w="1271426">
-                  <a:extLst>
-                    <a:ext uri="{9D8B030D-6E8A-4147-A177-3AD203B41FA5}">
-                      <a16:colId xmlns:a16="http://schemas.microsoft.com/office/drawing/2014/main" val="1134283172"/>
-                    </a:ext>
-                  </a:extLst>
-                </a:gridCol>
-                <a:gridCol w="3814278">
-                  <a:extLst>
-                    <a:ext uri="{9D8B030D-6E8A-4147-A177-3AD203B41FA5}">
-                      <a16:colId xmlns:a16="http://schemas.microsoft.com/office/drawing/2014/main" val="1344018178"/>
-                    </a:ext>
-                  </a:extLst>
-                </a:gridCol>
-                <a:gridCol w="1271426">
-                  <a:extLst>
-                    <a:ext uri="{9D8B030D-6E8A-4147-A177-3AD203B41FA5}">
-                      <a16:colId xmlns:a16="http://schemas.microsoft.com/office/drawing/2014/main" val="4153710284"/>
-                    </a:ext>
-                  </a:extLst>
-                </a:gridCol>
-                <a:gridCol w="1271426">
-                  <a:extLst>
-                    <a:ext uri="{9D8B030D-6E8A-4147-A177-3AD203B41FA5}">
-                      <a16:colId xmlns:a16="http://schemas.microsoft.com/office/drawing/2014/main" val="16157202"/>
-                    </a:ext>
-                  </a:extLst>
-                </a:gridCol>
-              </a:tblGrid>
-              <a:tr h="267409">
-                <a:tc>
-                  <a:txBody>
-                    <a:bodyPr/>
-                    <a:lstStyle/>
-                    <a:p>
-                      <a:pPr algn="ctr" fontAlgn="ctr"/>
-                      <a:r>
-                        <a:rPr lang="ko-KR" altLang="en-US" sz="1000" u="none" strike="noStrike" dirty="0">
-                          <a:effectLst/>
-                        </a:rPr>
-                        <a:t>화면 유형</a:t>
-                      </a:r>
-                      <a:endParaRPr lang="ko-KR" altLang="en-US" sz="1000" b="0" i="0" u="none" strike="noStrike" dirty="0">
-                        <a:solidFill>
-                          <a:srgbClr val="000000"/>
-                        </a:solidFill>
-                        <a:effectLst/>
-                        <a:latin typeface="맑은 고딕" panose="020B0503020000020004" pitchFamily="34" charset="-127"/>
-                        <a:ea typeface="맑은 고딕" panose="020B0503020000020004" pitchFamily="34" charset="-127"/>
-                      </a:endParaRPr>
-                    </a:p>
-                  </a:txBody>
-                  <a:tcPr marL="7789" marR="7789" marT="7789" marB="0" anchor="ctr">
-                    <a:lnL w="12700" cap="flat" cmpd="sng" algn="ctr">
-                      <a:solidFill>
-                        <a:schemeClr val="tx1"/>
-                      </a:solidFill>
-                      <a:prstDash val="solid"/>
-                      <a:round/>
-                      <a:headEnd type="none" w="med" len="med"/>
-                      <a:tailEnd type="none" w="med" len="med"/>
-                    </a:lnL>
-                    <a:lnR w="12700" cap="flat" cmpd="sng" algn="ctr">
-                      <a:solidFill>
-                        <a:schemeClr val="tx1"/>
-                      </a:solidFill>
-                      <a:prstDash val="solid"/>
-                      <a:round/>
-                      <a:headEnd type="none" w="med" len="med"/>
-                      <a:tailEnd type="none" w="med" len="med"/>
-                    </a:lnR>
-                    <a:lnT w="12700" cap="flat" cmpd="sng" algn="ctr">
-                      <a:solidFill>
-                        <a:schemeClr val="tx1"/>
-                      </a:solidFill>
-                      <a:prstDash val="solid"/>
-                      <a:round/>
-                      <a:headEnd type="none" w="med" len="med"/>
-                      <a:tailEnd type="none" w="med" len="med"/>
-                    </a:lnT>
-                    <a:lnB w="12700" cap="flat" cmpd="sng" algn="ctr">
-                      <a:solidFill>
-                        <a:schemeClr val="tx1"/>
-                      </a:solidFill>
-                      <a:prstDash val="solid"/>
-                      <a:round/>
-                      <a:headEnd type="none" w="med" len="med"/>
-                      <a:tailEnd type="none" w="med" len="med"/>
-                    </a:lnB>
-                  </a:tcPr>
-                </a:tc>
-                <a:tc>
-                  <a:txBody>
-                    <a:bodyPr/>
-                    <a:lstStyle/>
-                    <a:p>
-                      <a:pPr algn="ctr" fontAlgn="ctr"/>
-                      <a:r>
-                        <a:rPr lang="ko-KR" altLang="en-US" sz="1000" u="none" strike="noStrike" dirty="0">
-                          <a:effectLst/>
-                        </a:rPr>
-                        <a:t>　조회</a:t>
-                      </a:r>
-                      <a:r>
-                        <a:rPr lang="en-US" altLang="ko-KR" sz="1000" u="none" strike="noStrike" dirty="0">
-                          <a:effectLst/>
-                        </a:rPr>
-                        <a:t>,</a:t>
-                      </a:r>
-                      <a:r>
-                        <a:rPr lang="ko-KR" altLang="en-US" sz="1000" u="none" strike="noStrike" dirty="0">
-                          <a:effectLst/>
-                        </a:rPr>
-                        <a:t>갱신</a:t>
-                      </a:r>
-                      <a:endParaRPr lang="ko-KR" altLang="en-US" sz="1000" b="0" i="0" u="none" strike="noStrike" dirty="0">
-                        <a:solidFill>
-                          <a:srgbClr val="000000"/>
-                        </a:solidFill>
-                        <a:effectLst/>
-                        <a:latin typeface="맑은 고딕" panose="020B0503020000020004" pitchFamily="34" charset="-127"/>
-                        <a:ea typeface="맑은 고딕" panose="020B0503020000020004" pitchFamily="34" charset="-127"/>
-                      </a:endParaRPr>
-                    </a:p>
-                  </a:txBody>
-                  <a:tcPr marL="7789" marR="7789" marT="7789" marB="0" anchor="ctr">
-                    <a:lnL w="12700" cap="flat" cmpd="sng" algn="ctr">
-                      <a:solidFill>
-                        <a:schemeClr val="tx1"/>
-                      </a:solidFill>
-                      <a:prstDash val="solid"/>
-                      <a:round/>
-                      <a:headEnd type="none" w="med" len="med"/>
-                      <a:tailEnd type="none" w="med" len="med"/>
-                    </a:lnL>
-                    <a:lnR w="12700" cap="flat" cmpd="sng" algn="ctr">
-                      <a:solidFill>
-                        <a:schemeClr val="tx1"/>
-                      </a:solidFill>
-                      <a:prstDash val="solid"/>
-                      <a:round/>
-                      <a:headEnd type="none" w="med" len="med"/>
-                      <a:tailEnd type="none" w="med" len="med"/>
-                    </a:lnR>
-                    <a:lnT w="12700" cap="flat" cmpd="sng" algn="ctr">
-                      <a:solidFill>
-                        <a:schemeClr val="tx1"/>
-                      </a:solidFill>
-                      <a:prstDash val="solid"/>
-                      <a:round/>
-                      <a:headEnd type="none" w="med" len="med"/>
-                      <a:tailEnd type="none" w="med" len="med"/>
-                    </a:lnT>
-                    <a:lnB w="12700" cap="flat" cmpd="sng" algn="ctr">
-                      <a:solidFill>
-                        <a:schemeClr val="tx1"/>
-                      </a:solidFill>
-                      <a:prstDash val="solid"/>
-                      <a:round/>
-                      <a:headEnd type="none" w="med" len="med"/>
-                      <a:tailEnd type="none" w="med" len="med"/>
-                    </a:lnB>
-                    <a:solidFill>
-                      <a:schemeClr val="bg1"/>
-                    </a:solidFill>
-                  </a:tcPr>
-                </a:tc>
-                <a:tc>
-                  <a:txBody>
-                    <a:bodyPr/>
-                    <a:lstStyle/>
-                    <a:p>
-                      <a:pPr algn="ctr" fontAlgn="ctr"/>
-                      <a:r>
-                        <a:rPr lang="ko-KR" altLang="en-US" sz="1000" u="none" strike="noStrike" dirty="0" err="1">
-                          <a:effectLst/>
-                        </a:rPr>
-                        <a:t>화면명</a:t>
-                      </a:r>
-                      <a:endParaRPr lang="ko-KR" altLang="en-US" sz="1000" b="0" i="0" u="none" strike="noStrike" dirty="0">
-                        <a:solidFill>
-                          <a:srgbClr val="000000"/>
-                        </a:solidFill>
-                        <a:effectLst/>
-                        <a:latin typeface="맑은 고딕" panose="020B0503020000020004" pitchFamily="34" charset="-127"/>
-                        <a:ea typeface="맑은 고딕" panose="020B0503020000020004" pitchFamily="34" charset="-127"/>
-                      </a:endParaRPr>
-                    </a:p>
-                  </a:txBody>
-                  <a:tcPr marL="7789" marR="7789" marT="7789" marB="0" anchor="ctr">
-                    <a:lnL w="12700" cap="flat" cmpd="sng" algn="ctr">
-                      <a:solidFill>
-                        <a:schemeClr val="tx1"/>
-                      </a:solidFill>
-                      <a:prstDash val="solid"/>
-                      <a:round/>
-                      <a:headEnd type="none" w="med" len="med"/>
-                      <a:tailEnd type="none" w="med" len="med"/>
-                    </a:lnL>
-                    <a:lnR w="12700" cap="flat" cmpd="sng" algn="ctr">
-                      <a:solidFill>
-                        <a:schemeClr val="tx1"/>
-                      </a:solidFill>
-                      <a:prstDash val="solid"/>
-                      <a:round/>
-                      <a:headEnd type="none" w="med" len="med"/>
-                      <a:tailEnd type="none" w="med" len="med"/>
-                    </a:lnR>
-                    <a:lnT w="12700" cap="flat" cmpd="sng" algn="ctr">
-                      <a:solidFill>
-                        <a:schemeClr val="tx1"/>
-                      </a:solidFill>
-                      <a:prstDash val="solid"/>
-                      <a:round/>
-                      <a:headEnd type="none" w="med" len="med"/>
-                      <a:tailEnd type="none" w="med" len="med"/>
-                    </a:lnT>
-                    <a:lnB w="12700" cap="flat" cmpd="sng" algn="ctr">
-                      <a:solidFill>
-                        <a:schemeClr val="tx1"/>
-                      </a:solidFill>
-                      <a:prstDash val="solid"/>
-                      <a:round/>
-                      <a:headEnd type="none" w="med" len="med"/>
-                      <a:tailEnd type="none" w="med" len="med"/>
-                    </a:lnB>
-                  </a:tcPr>
-                </a:tc>
-                <a:tc>
-                  <a:txBody>
-                    <a:bodyPr/>
-                    <a:lstStyle/>
-                    <a:p>
-                      <a:pPr algn="ctr" fontAlgn="ctr"/>
-                      <a:r>
-                        <a:rPr lang="ko-KR" altLang="en-US" sz="1000" u="none" strike="noStrike" dirty="0">
-                          <a:effectLst/>
-                        </a:rPr>
-                        <a:t>　유저 정보 페이지</a:t>
-                      </a:r>
-                      <a:endParaRPr lang="ko-KR" altLang="en-US" sz="1000" b="0" i="0" u="none" strike="noStrike" dirty="0">
-                        <a:solidFill>
-                          <a:srgbClr val="000000"/>
-                        </a:solidFill>
-                        <a:effectLst/>
-                        <a:latin typeface="맑은 고딕" panose="020B0503020000020004" pitchFamily="34" charset="-127"/>
-                        <a:ea typeface="맑은 고딕" panose="020B0503020000020004" pitchFamily="34" charset="-127"/>
-                      </a:endParaRPr>
-                    </a:p>
-                  </a:txBody>
-                  <a:tcPr marL="7789" marR="7789" marT="7789" marB="0" anchor="ctr">
-                    <a:lnL w="12700" cap="flat" cmpd="sng" algn="ctr">
-                      <a:solidFill>
-                        <a:schemeClr val="tx1"/>
-                      </a:solidFill>
-                      <a:prstDash val="solid"/>
-                      <a:round/>
-                      <a:headEnd type="none" w="med" len="med"/>
-                      <a:tailEnd type="none" w="med" len="med"/>
-                    </a:lnL>
-                    <a:lnR w="12700" cap="flat" cmpd="sng" algn="ctr">
-                      <a:solidFill>
-                        <a:schemeClr val="tx1"/>
-                      </a:solidFill>
-                      <a:prstDash val="solid"/>
-                      <a:round/>
-                      <a:headEnd type="none" w="med" len="med"/>
-                      <a:tailEnd type="none" w="med" len="med"/>
-                    </a:lnR>
-                    <a:lnT w="12700" cap="flat" cmpd="sng" algn="ctr">
-                      <a:solidFill>
-                        <a:schemeClr val="tx1"/>
-                      </a:solidFill>
-                      <a:prstDash val="solid"/>
-                      <a:round/>
-                      <a:headEnd type="none" w="med" len="med"/>
-                      <a:tailEnd type="none" w="med" len="med"/>
-                    </a:lnT>
-                    <a:lnB w="12700" cap="flat" cmpd="sng" algn="ctr">
-                      <a:solidFill>
-                        <a:schemeClr val="tx1"/>
-                      </a:solidFill>
-                      <a:prstDash val="solid"/>
-                      <a:round/>
-                      <a:headEnd type="none" w="med" len="med"/>
-                      <a:tailEnd type="none" w="med" len="med"/>
-                    </a:lnB>
-                    <a:solidFill>
-                      <a:schemeClr val="bg1"/>
-                    </a:solidFill>
-                  </a:tcPr>
-                </a:tc>
-                <a:tc>
-                  <a:txBody>
-                    <a:bodyPr/>
-                    <a:lstStyle/>
-                    <a:p>
-                      <a:pPr algn="ctr" fontAlgn="ctr"/>
-                      <a:r>
-                        <a:rPr lang="en" sz="1000" u="none" strike="noStrike" dirty="0">
-                          <a:effectLst/>
-                        </a:rPr>
-                        <a:t>Pages</a:t>
-                      </a:r>
-                      <a:endParaRPr lang="en" sz="1000" b="0" i="0" u="none" strike="noStrike" dirty="0">
-                        <a:solidFill>
-                          <a:srgbClr val="000000"/>
-                        </a:solidFill>
-                        <a:effectLst/>
-                        <a:latin typeface="맑은 고딕" panose="020B0503020000020004" pitchFamily="34" charset="-127"/>
-                        <a:ea typeface="맑은 고딕" panose="020B0503020000020004" pitchFamily="34" charset="-127"/>
-                      </a:endParaRPr>
-                    </a:p>
-                  </a:txBody>
-                  <a:tcPr marL="7789" marR="7789" marT="7789" marB="0" anchor="ctr">
-                    <a:lnL w="12700" cap="flat" cmpd="sng" algn="ctr">
-                      <a:solidFill>
-                        <a:schemeClr val="tx1"/>
-                      </a:solidFill>
-                      <a:prstDash val="solid"/>
-                      <a:round/>
-                      <a:headEnd type="none" w="med" len="med"/>
-                      <a:tailEnd type="none" w="med" len="med"/>
-                    </a:lnL>
-                    <a:lnR w="12700" cap="flat" cmpd="sng" algn="ctr">
-                      <a:solidFill>
-                        <a:schemeClr val="tx1"/>
-                      </a:solidFill>
-                      <a:prstDash val="solid"/>
-                      <a:round/>
-                      <a:headEnd type="none" w="med" len="med"/>
-                      <a:tailEnd type="none" w="med" len="med"/>
-                    </a:lnR>
-                    <a:lnT w="12700" cap="flat" cmpd="sng" algn="ctr">
-                      <a:solidFill>
-                        <a:schemeClr val="tx1"/>
-                      </a:solidFill>
-                      <a:prstDash val="solid"/>
-                      <a:round/>
-                      <a:headEnd type="none" w="med" len="med"/>
-                      <a:tailEnd type="none" w="med" len="med"/>
-                    </a:lnT>
-                    <a:lnB w="12700" cap="flat" cmpd="sng" algn="ctr">
-                      <a:solidFill>
-                        <a:schemeClr val="tx1"/>
-                      </a:solidFill>
-                      <a:prstDash val="solid"/>
-                      <a:round/>
-                      <a:headEnd type="none" w="med" len="med"/>
-                      <a:tailEnd type="none" w="med" len="med"/>
-                    </a:lnB>
-                  </a:tcPr>
-                </a:tc>
-                <a:tc>
-                  <a:txBody>
-                    <a:bodyPr/>
-                    <a:lstStyle/>
-                    <a:p>
-                      <a:pPr algn="ctr" fontAlgn="ctr"/>
-                      <a:r>
-                        <a:rPr lang="en-US" altLang="ko-KR" sz="1000" u="none" strike="noStrike" dirty="0">
-                          <a:effectLst/>
-                        </a:rPr>
-                        <a:t>7</a:t>
                       </a:r>
                       <a:endParaRPr lang="ko-KR" altLang="en-US" sz="1000" b="0" i="0" u="none" strike="noStrike" dirty="0">
                         <a:solidFill>
@@ -30412,6 +26444,1832 @@
     <p:extLst>
       <p:ext uri="{BB962C8B-B14F-4D97-AF65-F5344CB8AC3E}">
         <p14:creationId xmlns:p14="http://schemas.microsoft.com/office/powerpoint/2010/main" val="3622945551"/>
+      </p:ext>
+    </p:extLst>
+  </p:cSld>
+  <p:clrMapOvr>
+    <a:masterClrMapping/>
+  </p:clrMapOvr>
+</p:sld>
+</file>
+
+<file path=ppt/slides/slide9.xml><?xml version="1.0" encoding="utf-8"?>
+<p:sld xmlns:a="http://schemas.openxmlformats.org/drawingml/2006/main" xmlns:r="http://schemas.openxmlformats.org/officeDocument/2006/relationships" xmlns:p="http://schemas.openxmlformats.org/presentationml/2006/main">
+  <p:cSld>
+    <p:spTree>
+      <p:nvGrpSpPr>
+        <p:cNvPr id="1" name=""/>
+        <p:cNvGrpSpPr/>
+        <p:nvPr/>
+      </p:nvGrpSpPr>
+      <p:grpSpPr>
+        <a:xfrm>
+          <a:off x="0" y="0"/>
+          <a:ext cx="0" cy="0"/>
+          <a:chOff x="0" y="0"/>
+          <a:chExt cx="0" cy="0"/>
+        </a:xfrm>
+      </p:grpSpPr>
+      <p:graphicFrame>
+        <p:nvGraphicFramePr>
+          <p:cNvPr id="4" name="표 3">
+            <a:extLst>
+              <a:ext uri="{FF2B5EF4-FFF2-40B4-BE49-F238E27FC236}">
+                <a16:creationId xmlns:a16="http://schemas.microsoft.com/office/drawing/2014/main" id="{1871E9E0-728D-0947-9BA1-D3EE2E4A8DE7}"/>
+              </a:ext>
+            </a:extLst>
+          </p:cNvPr>
+          <p:cNvGraphicFramePr>
+            <a:graphicFrameLocks noGrp="1"/>
+          </p:cNvGraphicFramePr>
+          <p:nvPr>
+            <p:extLst>
+              <p:ext uri="{D42A27DB-BD31-4B8C-83A1-F6EECF244321}">
+                <p14:modId xmlns:p14="http://schemas.microsoft.com/office/powerpoint/2010/main" val="1800418259"/>
+              </p:ext>
+            </p:extLst>
+          </p:nvPr>
+        </p:nvGraphicFramePr>
+        <p:xfrm>
+          <a:off x="374583" y="316648"/>
+          <a:ext cx="11442833" cy="6224703"/>
+        </p:xfrm>
+        <a:graphic>
+          <a:graphicData uri="http://schemas.openxmlformats.org/drawingml/2006/table">
+            <a:tbl>
+              <a:tblPr>
+                <a:tableStyleId>{073A0DAA-6AF3-43AB-8588-CEC1D06C72B9}</a:tableStyleId>
+              </a:tblPr>
+              <a:tblGrid>
+                <a:gridCol w="1271426">
+                  <a:extLst>
+                    <a:ext uri="{9D8B030D-6E8A-4147-A177-3AD203B41FA5}">
+                      <a16:colId xmlns:a16="http://schemas.microsoft.com/office/drawing/2014/main" val="2047737118"/>
+                    </a:ext>
+                  </a:extLst>
+                </a:gridCol>
+                <a:gridCol w="2542851">
+                  <a:extLst>
+                    <a:ext uri="{9D8B030D-6E8A-4147-A177-3AD203B41FA5}">
+                      <a16:colId xmlns:a16="http://schemas.microsoft.com/office/drawing/2014/main" val="2971336784"/>
+                    </a:ext>
+                  </a:extLst>
+                </a:gridCol>
+                <a:gridCol w="1271426">
+                  <a:extLst>
+                    <a:ext uri="{9D8B030D-6E8A-4147-A177-3AD203B41FA5}">
+                      <a16:colId xmlns:a16="http://schemas.microsoft.com/office/drawing/2014/main" val="1134283172"/>
+                    </a:ext>
+                  </a:extLst>
+                </a:gridCol>
+                <a:gridCol w="3814278">
+                  <a:extLst>
+                    <a:ext uri="{9D8B030D-6E8A-4147-A177-3AD203B41FA5}">
+                      <a16:colId xmlns:a16="http://schemas.microsoft.com/office/drawing/2014/main" val="1344018178"/>
+                    </a:ext>
+                  </a:extLst>
+                </a:gridCol>
+                <a:gridCol w="1271426">
+                  <a:extLst>
+                    <a:ext uri="{9D8B030D-6E8A-4147-A177-3AD203B41FA5}">
+                      <a16:colId xmlns:a16="http://schemas.microsoft.com/office/drawing/2014/main" val="4153710284"/>
+                    </a:ext>
+                  </a:extLst>
+                </a:gridCol>
+                <a:gridCol w="1271426">
+                  <a:extLst>
+                    <a:ext uri="{9D8B030D-6E8A-4147-A177-3AD203B41FA5}">
+                      <a16:colId xmlns:a16="http://schemas.microsoft.com/office/drawing/2014/main" val="16157202"/>
+                    </a:ext>
+                  </a:extLst>
+                </a:gridCol>
+              </a:tblGrid>
+              <a:tr h="267409">
+                <a:tc>
+                  <a:txBody>
+                    <a:bodyPr/>
+                    <a:lstStyle/>
+                    <a:p>
+                      <a:pPr algn="ctr" fontAlgn="ctr"/>
+                      <a:r>
+                        <a:rPr lang="ko-KR" altLang="en-US" sz="1000" u="none" strike="noStrike" dirty="0">
+                          <a:effectLst/>
+                        </a:rPr>
+                        <a:t>화면 유형</a:t>
+                      </a:r>
+                      <a:endParaRPr lang="ko-KR" altLang="en-US" sz="1000" b="0" i="0" u="none" strike="noStrike" dirty="0">
+                        <a:solidFill>
+                          <a:srgbClr val="000000"/>
+                        </a:solidFill>
+                        <a:effectLst/>
+                        <a:latin typeface="맑은 고딕" panose="020B0503020000020004" pitchFamily="34" charset="-127"/>
+                        <a:ea typeface="맑은 고딕" panose="020B0503020000020004" pitchFamily="34" charset="-127"/>
+                      </a:endParaRPr>
+                    </a:p>
+                  </a:txBody>
+                  <a:tcPr marL="7789" marR="7789" marT="7789" marB="0" anchor="ctr">
+                    <a:lnL w="12700" cap="flat" cmpd="sng" algn="ctr">
+                      <a:solidFill>
+                        <a:schemeClr val="tx1"/>
+                      </a:solidFill>
+                      <a:prstDash val="solid"/>
+                      <a:round/>
+                      <a:headEnd type="none" w="med" len="med"/>
+                      <a:tailEnd type="none" w="med" len="med"/>
+                    </a:lnL>
+                    <a:lnR w="12700" cap="flat" cmpd="sng" algn="ctr">
+                      <a:solidFill>
+                        <a:schemeClr val="tx1"/>
+                      </a:solidFill>
+                      <a:prstDash val="solid"/>
+                      <a:round/>
+                      <a:headEnd type="none" w="med" len="med"/>
+                      <a:tailEnd type="none" w="med" len="med"/>
+                    </a:lnR>
+                    <a:lnT w="12700" cap="flat" cmpd="sng" algn="ctr">
+                      <a:solidFill>
+                        <a:schemeClr val="tx1"/>
+                      </a:solidFill>
+                      <a:prstDash val="solid"/>
+                      <a:round/>
+                      <a:headEnd type="none" w="med" len="med"/>
+                      <a:tailEnd type="none" w="med" len="med"/>
+                    </a:lnT>
+                    <a:lnB w="12700" cap="flat" cmpd="sng" algn="ctr">
+                      <a:solidFill>
+                        <a:schemeClr val="tx1"/>
+                      </a:solidFill>
+                      <a:prstDash val="solid"/>
+                      <a:round/>
+                      <a:headEnd type="none" w="med" len="med"/>
+                      <a:tailEnd type="none" w="med" len="med"/>
+                    </a:lnB>
+                  </a:tcPr>
+                </a:tc>
+                <a:tc>
+                  <a:txBody>
+                    <a:bodyPr/>
+                    <a:lstStyle/>
+                    <a:p>
+                      <a:pPr algn="ctr" fontAlgn="ctr"/>
+                      <a:r>
+                        <a:rPr lang="ko-KR" altLang="en-US" sz="1000" u="none" strike="noStrike" dirty="0">
+                          <a:effectLst/>
+                        </a:rPr>
+                        <a:t>수정　</a:t>
+                      </a:r>
+                      <a:endParaRPr lang="ko-KR" altLang="en-US" sz="1000" b="0" i="0" u="none" strike="noStrike" dirty="0">
+                        <a:solidFill>
+                          <a:srgbClr val="000000"/>
+                        </a:solidFill>
+                        <a:effectLst/>
+                        <a:latin typeface="맑은 고딕" panose="020B0503020000020004" pitchFamily="34" charset="-127"/>
+                        <a:ea typeface="맑은 고딕" panose="020B0503020000020004" pitchFamily="34" charset="-127"/>
+                      </a:endParaRPr>
+                    </a:p>
+                  </a:txBody>
+                  <a:tcPr marL="7789" marR="7789" marT="7789" marB="0" anchor="ctr">
+                    <a:lnL w="12700" cap="flat" cmpd="sng" algn="ctr">
+                      <a:solidFill>
+                        <a:schemeClr val="tx1"/>
+                      </a:solidFill>
+                      <a:prstDash val="solid"/>
+                      <a:round/>
+                      <a:headEnd type="none" w="med" len="med"/>
+                      <a:tailEnd type="none" w="med" len="med"/>
+                    </a:lnL>
+                    <a:lnR w="12700" cap="flat" cmpd="sng" algn="ctr">
+                      <a:solidFill>
+                        <a:schemeClr val="tx1"/>
+                      </a:solidFill>
+                      <a:prstDash val="solid"/>
+                      <a:round/>
+                      <a:headEnd type="none" w="med" len="med"/>
+                      <a:tailEnd type="none" w="med" len="med"/>
+                    </a:lnR>
+                    <a:lnT w="12700" cap="flat" cmpd="sng" algn="ctr">
+                      <a:solidFill>
+                        <a:schemeClr val="tx1"/>
+                      </a:solidFill>
+                      <a:prstDash val="solid"/>
+                      <a:round/>
+                      <a:headEnd type="none" w="med" len="med"/>
+                      <a:tailEnd type="none" w="med" len="med"/>
+                    </a:lnT>
+                    <a:lnB w="12700" cap="flat" cmpd="sng" algn="ctr">
+                      <a:solidFill>
+                        <a:schemeClr val="tx1"/>
+                      </a:solidFill>
+                      <a:prstDash val="solid"/>
+                      <a:round/>
+                      <a:headEnd type="none" w="med" len="med"/>
+                      <a:tailEnd type="none" w="med" len="med"/>
+                    </a:lnB>
+                    <a:solidFill>
+                      <a:schemeClr val="bg1"/>
+                    </a:solidFill>
+                  </a:tcPr>
+                </a:tc>
+                <a:tc>
+                  <a:txBody>
+                    <a:bodyPr/>
+                    <a:lstStyle/>
+                    <a:p>
+                      <a:pPr algn="ctr" fontAlgn="ctr"/>
+                      <a:r>
+                        <a:rPr lang="ko-KR" altLang="en-US" sz="1000" u="none" strike="noStrike" dirty="0" err="1">
+                          <a:effectLst/>
+                        </a:rPr>
+                        <a:t>화면명</a:t>
+                      </a:r>
+                      <a:endParaRPr lang="ko-KR" altLang="en-US" sz="1000" b="0" i="0" u="none" strike="noStrike" dirty="0">
+                        <a:solidFill>
+                          <a:srgbClr val="000000"/>
+                        </a:solidFill>
+                        <a:effectLst/>
+                        <a:latin typeface="맑은 고딕" panose="020B0503020000020004" pitchFamily="34" charset="-127"/>
+                        <a:ea typeface="맑은 고딕" panose="020B0503020000020004" pitchFamily="34" charset="-127"/>
+                      </a:endParaRPr>
+                    </a:p>
+                  </a:txBody>
+                  <a:tcPr marL="7789" marR="7789" marT="7789" marB="0" anchor="ctr">
+                    <a:lnL w="12700" cap="flat" cmpd="sng" algn="ctr">
+                      <a:solidFill>
+                        <a:schemeClr val="tx1"/>
+                      </a:solidFill>
+                      <a:prstDash val="solid"/>
+                      <a:round/>
+                      <a:headEnd type="none" w="med" len="med"/>
+                      <a:tailEnd type="none" w="med" len="med"/>
+                    </a:lnL>
+                    <a:lnR w="12700" cap="flat" cmpd="sng" algn="ctr">
+                      <a:solidFill>
+                        <a:schemeClr val="tx1"/>
+                      </a:solidFill>
+                      <a:prstDash val="solid"/>
+                      <a:round/>
+                      <a:headEnd type="none" w="med" len="med"/>
+                      <a:tailEnd type="none" w="med" len="med"/>
+                    </a:lnR>
+                    <a:lnT w="12700" cap="flat" cmpd="sng" algn="ctr">
+                      <a:solidFill>
+                        <a:schemeClr val="tx1"/>
+                      </a:solidFill>
+                      <a:prstDash val="solid"/>
+                      <a:round/>
+                      <a:headEnd type="none" w="med" len="med"/>
+                      <a:tailEnd type="none" w="med" len="med"/>
+                    </a:lnT>
+                    <a:lnB w="12700" cap="flat" cmpd="sng" algn="ctr">
+                      <a:solidFill>
+                        <a:schemeClr val="tx1"/>
+                      </a:solidFill>
+                      <a:prstDash val="solid"/>
+                      <a:round/>
+                      <a:headEnd type="none" w="med" len="med"/>
+                      <a:tailEnd type="none" w="med" len="med"/>
+                    </a:lnB>
+                  </a:tcPr>
+                </a:tc>
+                <a:tc>
+                  <a:txBody>
+                    <a:bodyPr/>
+                    <a:lstStyle/>
+                    <a:p>
+                      <a:pPr algn="ctr" fontAlgn="ctr"/>
+                      <a:r>
+                        <a:rPr lang="ko-KR" altLang="en-US" sz="1000" u="none" strike="noStrike" dirty="0">
+                          <a:effectLst/>
+                        </a:rPr>
+                        <a:t>유저 정보 수정 페이지　</a:t>
+                      </a:r>
+                      <a:endParaRPr lang="ko-KR" altLang="en-US" sz="1000" b="0" i="0" u="none" strike="noStrike" dirty="0">
+                        <a:solidFill>
+                          <a:srgbClr val="000000"/>
+                        </a:solidFill>
+                        <a:effectLst/>
+                        <a:latin typeface="맑은 고딕" panose="020B0503020000020004" pitchFamily="34" charset="-127"/>
+                        <a:ea typeface="맑은 고딕" panose="020B0503020000020004" pitchFamily="34" charset="-127"/>
+                      </a:endParaRPr>
+                    </a:p>
+                  </a:txBody>
+                  <a:tcPr marL="7789" marR="7789" marT="7789" marB="0" anchor="ctr">
+                    <a:lnL w="12700" cap="flat" cmpd="sng" algn="ctr">
+                      <a:solidFill>
+                        <a:schemeClr val="tx1"/>
+                      </a:solidFill>
+                      <a:prstDash val="solid"/>
+                      <a:round/>
+                      <a:headEnd type="none" w="med" len="med"/>
+                      <a:tailEnd type="none" w="med" len="med"/>
+                    </a:lnL>
+                    <a:lnR w="12700" cap="flat" cmpd="sng" algn="ctr">
+                      <a:solidFill>
+                        <a:schemeClr val="tx1"/>
+                      </a:solidFill>
+                      <a:prstDash val="solid"/>
+                      <a:round/>
+                      <a:headEnd type="none" w="med" len="med"/>
+                      <a:tailEnd type="none" w="med" len="med"/>
+                    </a:lnR>
+                    <a:lnT w="12700" cap="flat" cmpd="sng" algn="ctr">
+                      <a:solidFill>
+                        <a:schemeClr val="tx1"/>
+                      </a:solidFill>
+                      <a:prstDash val="solid"/>
+                      <a:round/>
+                      <a:headEnd type="none" w="med" len="med"/>
+                      <a:tailEnd type="none" w="med" len="med"/>
+                    </a:lnT>
+                    <a:lnB w="12700" cap="flat" cmpd="sng" algn="ctr">
+                      <a:solidFill>
+                        <a:schemeClr val="tx1"/>
+                      </a:solidFill>
+                      <a:prstDash val="solid"/>
+                      <a:round/>
+                      <a:headEnd type="none" w="med" len="med"/>
+                      <a:tailEnd type="none" w="med" len="med"/>
+                    </a:lnB>
+                    <a:solidFill>
+                      <a:schemeClr val="bg1"/>
+                    </a:solidFill>
+                  </a:tcPr>
+                </a:tc>
+                <a:tc>
+                  <a:txBody>
+                    <a:bodyPr/>
+                    <a:lstStyle/>
+                    <a:p>
+                      <a:pPr algn="ctr" fontAlgn="ctr"/>
+                      <a:r>
+                        <a:rPr lang="en" sz="1000" u="none" strike="noStrike" dirty="0">
+                          <a:effectLst/>
+                        </a:rPr>
+                        <a:t>Pages</a:t>
+                      </a:r>
+                      <a:endParaRPr lang="en" sz="1000" b="0" i="0" u="none" strike="noStrike" dirty="0">
+                        <a:solidFill>
+                          <a:srgbClr val="000000"/>
+                        </a:solidFill>
+                        <a:effectLst/>
+                        <a:latin typeface="맑은 고딕" panose="020B0503020000020004" pitchFamily="34" charset="-127"/>
+                        <a:ea typeface="맑은 고딕" panose="020B0503020000020004" pitchFamily="34" charset="-127"/>
+                      </a:endParaRPr>
+                    </a:p>
+                  </a:txBody>
+                  <a:tcPr marL="7789" marR="7789" marT="7789" marB="0" anchor="ctr">
+                    <a:lnL w="12700" cap="flat" cmpd="sng" algn="ctr">
+                      <a:solidFill>
+                        <a:schemeClr val="tx1"/>
+                      </a:solidFill>
+                      <a:prstDash val="solid"/>
+                      <a:round/>
+                      <a:headEnd type="none" w="med" len="med"/>
+                      <a:tailEnd type="none" w="med" len="med"/>
+                    </a:lnL>
+                    <a:lnR w="12700" cap="flat" cmpd="sng" algn="ctr">
+                      <a:solidFill>
+                        <a:schemeClr val="tx1"/>
+                      </a:solidFill>
+                      <a:prstDash val="solid"/>
+                      <a:round/>
+                      <a:headEnd type="none" w="med" len="med"/>
+                      <a:tailEnd type="none" w="med" len="med"/>
+                    </a:lnR>
+                    <a:lnT w="12700" cap="flat" cmpd="sng" algn="ctr">
+                      <a:solidFill>
+                        <a:schemeClr val="tx1"/>
+                      </a:solidFill>
+                      <a:prstDash val="solid"/>
+                      <a:round/>
+                      <a:headEnd type="none" w="med" len="med"/>
+                      <a:tailEnd type="none" w="med" len="med"/>
+                    </a:lnT>
+                    <a:lnB w="12700" cap="flat" cmpd="sng" algn="ctr">
+                      <a:solidFill>
+                        <a:schemeClr val="tx1"/>
+                      </a:solidFill>
+                      <a:prstDash val="solid"/>
+                      <a:round/>
+                      <a:headEnd type="none" w="med" len="med"/>
+                      <a:tailEnd type="none" w="med" len="med"/>
+                    </a:lnB>
+                  </a:tcPr>
+                </a:tc>
+                <a:tc>
+                  <a:txBody>
+                    <a:bodyPr/>
+                    <a:lstStyle/>
+                    <a:p>
+                      <a:pPr algn="ctr" fontAlgn="ctr"/>
+                      <a:r>
+                        <a:rPr lang="en-US" altLang="ko-KR" sz="1000" b="0" i="0" u="none" strike="noStrike" dirty="0">
+                          <a:solidFill>
+                            <a:srgbClr val="000000"/>
+                          </a:solidFill>
+                          <a:effectLst/>
+                          <a:latin typeface="맑은 고딕" panose="020B0503020000020004" pitchFamily="34" charset="-127"/>
+                          <a:ea typeface="맑은 고딕" panose="020B0503020000020004" pitchFamily="34" charset="-127"/>
+                        </a:rPr>
+                        <a:t>7</a:t>
+                      </a:r>
+                      <a:endParaRPr lang="ko-KR" altLang="en-US" sz="1000" b="0" i="0" u="none" strike="noStrike" dirty="0">
+                        <a:solidFill>
+                          <a:srgbClr val="000000"/>
+                        </a:solidFill>
+                        <a:effectLst/>
+                        <a:latin typeface="맑은 고딕" panose="020B0503020000020004" pitchFamily="34" charset="-127"/>
+                        <a:ea typeface="맑은 고딕" panose="020B0503020000020004" pitchFamily="34" charset="-127"/>
+                      </a:endParaRPr>
+                    </a:p>
+                  </a:txBody>
+                  <a:tcPr marL="7789" marR="7789" marT="7789" marB="0" anchor="ctr">
+                    <a:lnL w="12700" cap="flat" cmpd="sng" algn="ctr">
+                      <a:solidFill>
+                        <a:schemeClr val="tx1"/>
+                      </a:solidFill>
+                      <a:prstDash val="solid"/>
+                      <a:round/>
+                      <a:headEnd type="none" w="med" len="med"/>
+                      <a:tailEnd type="none" w="med" len="med"/>
+                    </a:lnL>
+                    <a:lnR w="12700" cap="flat" cmpd="sng" algn="ctr">
+                      <a:solidFill>
+                        <a:schemeClr val="tx1"/>
+                      </a:solidFill>
+                      <a:prstDash val="solid"/>
+                      <a:round/>
+                      <a:headEnd type="none" w="med" len="med"/>
+                      <a:tailEnd type="none" w="med" len="med"/>
+                    </a:lnR>
+                    <a:lnT w="12700" cap="flat" cmpd="sng" algn="ctr">
+                      <a:solidFill>
+                        <a:schemeClr val="tx1"/>
+                      </a:solidFill>
+                      <a:prstDash val="solid"/>
+                      <a:round/>
+                      <a:headEnd type="none" w="med" len="med"/>
+                      <a:tailEnd type="none" w="med" len="med"/>
+                    </a:lnT>
+                    <a:lnB w="12700" cap="flat" cmpd="sng" algn="ctr">
+                      <a:solidFill>
+                        <a:schemeClr val="tx1"/>
+                      </a:solidFill>
+                      <a:prstDash val="solid"/>
+                      <a:round/>
+                      <a:headEnd type="none" w="med" len="med"/>
+                      <a:tailEnd type="none" w="med" len="med"/>
+                    </a:lnB>
+                    <a:solidFill>
+                      <a:schemeClr val="bg1"/>
+                    </a:solidFill>
+                  </a:tcPr>
+                </a:tc>
+                <a:extLst>
+                  <a:ext uri="{0D108BD9-81ED-4DB2-BD59-A6C34878D82A}">
+                    <a16:rowId xmlns:a16="http://schemas.microsoft.com/office/drawing/2014/main" val="2745676631"/>
+                  </a:ext>
+                </a:extLst>
+              </a:tr>
+              <a:tr h="267409">
+                <a:tc>
+                  <a:txBody>
+                    <a:bodyPr/>
+                    <a:lstStyle/>
+                    <a:p>
+                      <a:pPr algn="ctr" fontAlgn="ctr"/>
+                      <a:r>
+                        <a:rPr lang="ko-KR" altLang="en-US" sz="1000" u="none" strike="noStrike" dirty="0" err="1">
+                          <a:effectLst/>
+                        </a:rPr>
+                        <a:t>메뉴경로</a:t>
+                      </a:r>
+                      <a:endParaRPr lang="ko-KR" altLang="en-US" sz="1000" b="0" i="0" u="none" strike="noStrike" dirty="0">
+                        <a:solidFill>
+                          <a:srgbClr val="000000"/>
+                        </a:solidFill>
+                        <a:effectLst/>
+                        <a:latin typeface="맑은 고딕" panose="020B0503020000020004" pitchFamily="34" charset="-127"/>
+                        <a:ea typeface="맑은 고딕" panose="020B0503020000020004" pitchFamily="34" charset="-127"/>
+                      </a:endParaRPr>
+                    </a:p>
+                  </a:txBody>
+                  <a:tcPr marL="7789" marR="7789" marT="7789" marB="0" anchor="ctr">
+                    <a:lnL w="12700" cap="flat" cmpd="sng" algn="ctr">
+                      <a:solidFill>
+                        <a:schemeClr val="tx1"/>
+                      </a:solidFill>
+                      <a:prstDash val="solid"/>
+                      <a:round/>
+                      <a:headEnd type="none" w="med" len="med"/>
+                      <a:tailEnd type="none" w="med" len="med"/>
+                    </a:lnL>
+                    <a:lnR w="12700" cap="flat" cmpd="sng" algn="ctr">
+                      <a:solidFill>
+                        <a:schemeClr val="tx1"/>
+                      </a:solidFill>
+                      <a:prstDash val="solid"/>
+                      <a:round/>
+                      <a:headEnd type="none" w="med" len="med"/>
+                      <a:tailEnd type="none" w="med" len="med"/>
+                    </a:lnR>
+                    <a:lnT w="12700" cap="flat" cmpd="sng" algn="ctr">
+                      <a:solidFill>
+                        <a:schemeClr val="tx1"/>
+                      </a:solidFill>
+                      <a:prstDash val="solid"/>
+                      <a:round/>
+                      <a:headEnd type="none" w="med" len="med"/>
+                      <a:tailEnd type="none" w="med" len="med"/>
+                    </a:lnT>
+                    <a:lnB w="12700" cap="flat" cmpd="sng" algn="ctr">
+                      <a:solidFill>
+                        <a:schemeClr val="tx1"/>
+                      </a:solidFill>
+                      <a:prstDash val="solid"/>
+                      <a:round/>
+                      <a:headEnd type="none" w="med" len="med"/>
+                      <a:tailEnd type="none" w="med" len="med"/>
+                    </a:lnB>
+                  </a:tcPr>
+                </a:tc>
+                <a:tc gridSpan="3">
+                  <a:txBody>
+                    <a:bodyPr/>
+                    <a:lstStyle/>
+                    <a:p>
+                      <a:pPr algn="ctr" fontAlgn="ctr"/>
+                      <a:r>
+                        <a:rPr lang="ko-KR" altLang="en-US" sz="1000" u="none" strike="noStrike" dirty="0">
+                          <a:effectLst/>
+                        </a:rPr>
+                        <a:t>메인 </a:t>
+                      </a:r>
+                      <a:r>
+                        <a:rPr lang="en-US" altLang="ko-KR" sz="1000" u="none" strike="noStrike" dirty="0">
+                          <a:effectLst/>
+                        </a:rPr>
+                        <a:t>&gt;</a:t>
+                      </a:r>
+                      <a:r>
+                        <a:rPr lang="ko-KR" altLang="en-US" sz="1000" u="none" strike="noStrike" dirty="0">
+                          <a:effectLst/>
+                        </a:rPr>
+                        <a:t> 유저 정보 </a:t>
+                      </a:r>
+                      <a:r>
+                        <a:rPr lang="en-US" altLang="ko-KR" sz="1000" u="none" strike="noStrike" dirty="0">
+                          <a:effectLst/>
+                        </a:rPr>
+                        <a:t>&gt;</a:t>
+                      </a:r>
+                      <a:r>
+                        <a:rPr lang="ko-KR" altLang="en-US" sz="1000" u="none" strike="noStrike" dirty="0">
+                          <a:effectLst/>
+                        </a:rPr>
+                        <a:t> 정보 수정　</a:t>
+                      </a:r>
+                      <a:endParaRPr lang="ko-KR" altLang="en-US" sz="1000" b="0" i="0" u="none" strike="noStrike" dirty="0">
+                        <a:solidFill>
+                          <a:srgbClr val="000000"/>
+                        </a:solidFill>
+                        <a:effectLst/>
+                        <a:latin typeface="맑은 고딕" panose="020B0503020000020004" pitchFamily="34" charset="-127"/>
+                        <a:ea typeface="맑은 고딕" panose="020B0503020000020004" pitchFamily="34" charset="-127"/>
+                      </a:endParaRPr>
+                    </a:p>
+                  </a:txBody>
+                  <a:tcPr marL="7789" marR="7789" marT="7789" marB="0" anchor="ctr">
+                    <a:lnL w="12700" cap="flat" cmpd="sng" algn="ctr">
+                      <a:solidFill>
+                        <a:schemeClr val="tx1"/>
+                      </a:solidFill>
+                      <a:prstDash val="solid"/>
+                      <a:round/>
+                      <a:headEnd type="none" w="med" len="med"/>
+                      <a:tailEnd type="none" w="med" len="med"/>
+                    </a:lnL>
+                    <a:lnR w="12700" cap="flat" cmpd="sng" algn="ctr">
+                      <a:solidFill>
+                        <a:schemeClr val="tx1"/>
+                      </a:solidFill>
+                      <a:prstDash val="solid"/>
+                      <a:round/>
+                      <a:headEnd type="none" w="med" len="med"/>
+                      <a:tailEnd type="none" w="med" len="med"/>
+                    </a:lnR>
+                    <a:lnT w="12700" cap="flat" cmpd="sng" algn="ctr">
+                      <a:solidFill>
+                        <a:schemeClr val="tx1"/>
+                      </a:solidFill>
+                      <a:prstDash val="solid"/>
+                      <a:round/>
+                      <a:headEnd type="none" w="med" len="med"/>
+                      <a:tailEnd type="none" w="med" len="med"/>
+                    </a:lnT>
+                    <a:lnB w="12700" cap="flat" cmpd="sng" algn="ctr">
+                      <a:solidFill>
+                        <a:schemeClr val="tx1"/>
+                      </a:solidFill>
+                      <a:prstDash val="solid"/>
+                      <a:round/>
+                      <a:headEnd type="none" w="med" len="med"/>
+                      <a:tailEnd type="none" w="med" len="med"/>
+                    </a:lnB>
+                    <a:solidFill>
+                      <a:schemeClr val="bg1"/>
+                    </a:solidFill>
+                  </a:tcPr>
+                </a:tc>
+                <a:tc hMerge="1">
+                  <a:txBody>
+                    <a:bodyPr/>
+                    <a:lstStyle/>
+                    <a:p>
+                      <a:pPr latinLnBrk="1"/>
+                      <a:endParaRPr lang="ko-KR" altLang="en-US"/>
+                    </a:p>
+                  </a:txBody>
+                  <a:tcPr/>
+                </a:tc>
+                <a:tc hMerge="1">
+                  <a:txBody>
+                    <a:bodyPr/>
+                    <a:lstStyle/>
+                    <a:p>
+                      <a:pPr latinLnBrk="1"/>
+                      <a:endParaRPr lang="ko-KR" altLang="en-US"/>
+                    </a:p>
+                  </a:txBody>
+                  <a:tcPr/>
+                </a:tc>
+                <a:tc gridSpan="2">
+                  <a:txBody>
+                    <a:bodyPr/>
+                    <a:lstStyle/>
+                    <a:p>
+                      <a:pPr algn="ctr" fontAlgn="ctr"/>
+                      <a:r>
+                        <a:rPr lang="ko-KR" altLang="en-US" sz="1000" u="none" strike="noStrike" dirty="0">
+                          <a:effectLst/>
+                        </a:rPr>
+                        <a:t>화면 항목 설명</a:t>
+                      </a:r>
+                      <a:endParaRPr lang="ko-KR" altLang="en-US" sz="1000" b="0" i="0" u="none" strike="noStrike" dirty="0">
+                        <a:solidFill>
+                          <a:srgbClr val="000000"/>
+                        </a:solidFill>
+                        <a:effectLst/>
+                        <a:latin typeface="맑은 고딕" panose="020B0503020000020004" pitchFamily="34" charset="-127"/>
+                        <a:ea typeface="맑은 고딕" panose="020B0503020000020004" pitchFamily="34" charset="-127"/>
+                      </a:endParaRPr>
+                    </a:p>
+                  </a:txBody>
+                  <a:tcPr marL="7789" marR="7789" marT="7789" marB="0" anchor="ctr">
+                    <a:lnL w="12700" cap="flat" cmpd="sng" algn="ctr">
+                      <a:solidFill>
+                        <a:schemeClr val="tx1"/>
+                      </a:solidFill>
+                      <a:prstDash val="solid"/>
+                      <a:round/>
+                      <a:headEnd type="none" w="med" len="med"/>
+                      <a:tailEnd type="none" w="med" len="med"/>
+                    </a:lnL>
+                    <a:lnR w="12700" cap="flat" cmpd="sng" algn="ctr">
+                      <a:solidFill>
+                        <a:schemeClr val="tx1"/>
+                      </a:solidFill>
+                      <a:prstDash val="solid"/>
+                      <a:round/>
+                      <a:headEnd type="none" w="med" len="med"/>
+                      <a:tailEnd type="none" w="med" len="med"/>
+                    </a:lnR>
+                    <a:lnT w="12700" cap="flat" cmpd="sng" algn="ctr">
+                      <a:solidFill>
+                        <a:schemeClr val="tx1"/>
+                      </a:solidFill>
+                      <a:prstDash val="solid"/>
+                      <a:round/>
+                      <a:headEnd type="none" w="med" len="med"/>
+                      <a:tailEnd type="none" w="med" len="med"/>
+                    </a:lnT>
+                    <a:lnB w="12700" cap="flat" cmpd="sng" algn="ctr">
+                      <a:solidFill>
+                        <a:schemeClr val="tx1"/>
+                      </a:solidFill>
+                      <a:prstDash val="solid"/>
+                      <a:round/>
+                      <a:headEnd type="none" w="med" len="med"/>
+                      <a:tailEnd type="none" w="med" len="med"/>
+                    </a:lnB>
+                  </a:tcPr>
+                </a:tc>
+                <a:tc hMerge="1">
+                  <a:txBody>
+                    <a:bodyPr/>
+                    <a:lstStyle/>
+                    <a:p>
+                      <a:pPr latinLnBrk="1"/>
+                      <a:endParaRPr lang="ko-KR" altLang="en-US"/>
+                    </a:p>
+                  </a:txBody>
+                  <a:tcPr/>
+                </a:tc>
+                <a:extLst>
+                  <a:ext uri="{0D108BD9-81ED-4DB2-BD59-A6C34878D82A}">
+                    <a16:rowId xmlns:a16="http://schemas.microsoft.com/office/drawing/2014/main" val="2822108038"/>
+                  </a:ext>
+                </a:extLst>
+              </a:tr>
+              <a:tr h="5689885">
+                <a:tc gridSpan="4">
+                  <a:txBody>
+                    <a:bodyPr/>
+                    <a:lstStyle/>
+                    <a:p>
+                      <a:pPr algn="ctr" fontAlgn="ctr"/>
+                      <a:r>
+                        <a:rPr lang="ko-KR" altLang="en-US" sz="1000" u="none" strike="noStrike" dirty="0">
+                          <a:effectLst/>
+                        </a:rPr>
+                        <a:t>　</a:t>
+                      </a:r>
+                      <a:endParaRPr lang="ko-KR" altLang="en-US" sz="1000" b="0" i="0" u="none" strike="noStrike" dirty="0">
+                        <a:solidFill>
+                          <a:srgbClr val="000000"/>
+                        </a:solidFill>
+                        <a:effectLst/>
+                        <a:latin typeface="맑은 고딕" panose="020B0503020000020004" pitchFamily="34" charset="-127"/>
+                        <a:ea typeface="맑은 고딕" panose="020B0503020000020004" pitchFamily="34" charset="-127"/>
+                      </a:endParaRPr>
+                    </a:p>
+                  </a:txBody>
+                  <a:tcPr marL="7789" marR="7789" marT="7789" marB="0" anchor="ctr">
+                    <a:lnL w="12700" cap="flat" cmpd="sng" algn="ctr">
+                      <a:solidFill>
+                        <a:schemeClr val="tx1"/>
+                      </a:solidFill>
+                      <a:prstDash val="solid"/>
+                      <a:round/>
+                      <a:headEnd type="none" w="med" len="med"/>
+                      <a:tailEnd type="none" w="med" len="med"/>
+                    </a:lnL>
+                    <a:lnR w="12700" cap="flat" cmpd="sng" algn="ctr">
+                      <a:solidFill>
+                        <a:schemeClr val="tx1"/>
+                      </a:solidFill>
+                      <a:prstDash val="solid"/>
+                      <a:round/>
+                      <a:headEnd type="none" w="med" len="med"/>
+                      <a:tailEnd type="none" w="med" len="med"/>
+                    </a:lnR>
+                    <a:lnT w="12700" cap="flat" cmpd="sng" algn="ctr">
+                      <a:solidFill>
+                        <a:schemeClr val="tx1"/>
+                      </a:solidFill>
+                      <a:prstDash val="solid"/>
+                      <a:round/>
+                      <a:headEnd type="none" w="med" len="med"/>
+                      <a:tailEnd type="none" w="med" len="med"/>
+                    </a:lnT>
+                    <a:lnB w="12700" cap="flat" cmpd="sng" algn="ctr">
+                      <a:solidFill>
+                        <a:schemeClr val="tx1"/>
+                      </a:solidFill>
+                      <a:prstDash val="solid"/>
+                      <a:round/>
+                      <a:headEnd type="none" w="med" len="med"/>
+                      <a:tailEnd type="none" w="med" len="med"/>
+                    </a:lnB>
+                    <a:solidFill>
+                      <a:schemeClr val="bg1"/>
+                    </a:solidFill>
+                  </a:tcPr>
+                </a:tc>
+                <a:tc hMerge="1">
+                  <a:txBody>
+                    <a:bodyPr/>
+                    <a:lstStyle/>
+                    <a:p>
+                      <a:pPr latinLnBrk="1"/>
+                      <a:endParaRPr lang="ko-KR" altLang="en-US"/>
+                    </a:p>
+                  </a:txBody>
+                  <a:tcPr/>
+                </a:tc>
+                <a:tc hMerge="1">
+                  <a:txBody>
+                    <a:bodyPr/>
+                    <a:lstStyle/>
+                    <a:p>
+                      <a:pPr latinLnBrk="1"/>
+                      <a:endParaRPr lang="ko-KR" altLang="en-US"/>
+                    </a:p>
+                  </a:txBody>
+                  <a:tcPr/>
+                </a:tc>
+                <a:tc hMerge="1">
+                  <a:txBody>
+                    <a:bodyPr/>
+                    <a:lstStyle/>
+                    <a:p>
+                      <a:pPr latinLnBrk="1"/>
+                      <a:endParaRPr lang="ko-KR" altLang="en-US"/>
+                    </a:p>
+                  </a:txBody>
+                  <a:tcPr/>
+                </a:tc>
+                <a:tc gridSpan="2">
+                  <a:txBody>
+                    <a:bodyPr/>
+                    <a:lstStyle/>
+                    <a:p>
+                      <a:pPr marL="228600" indent="-228600" algn="l" fontAlgn="ctr">
+                        <a:buAutoNum type="arabicPeriod"/>
+                      </a:pPr>
+                      <a:r>
+                        <a:rPr lang="ko-KR" altLang="en-US" sz="1000" u="none" strike="noStrike" dirty="0">
+                          <a:effectLst/>
+                        </a:rPr>
+                        <a:t>정보 수정을 위한 정보 입력</a:t>
+                      </a:r>
+                      <a:endParaRPr lang="en-US" altLang="ko-KR" sz="1000" u="none" strike="noStrike" dirty="0">
+                        <a:effectLst/>
+                      </a:endParaRPr>
+                    </a:p>
+                    <a:p>
+                      <a:pPr marL="228600" indent="-228600" algn="l" fontAlgn="ctr">
+                        <a:buAutoNum type="arabicPeriod"/>
+                      </a:pPr>
+                      <a:endParaRPr lang="en-US" altLang="ko-KR" sz="1000" u="none" strike="noStrike" dirty="0">
+                        <a:effectLst/>
+                      </a:endParaRPr>
+                    </a:p>
+                    <a:p>
+                      <a:pPr marL="228600" indent="-228600" algn="l" fontAlgn="ctr">
+                        <a:buAutoNum type="arabicPeriod"/>
+                      </a:pPr>
+                      <a:r>
+                        <a:rPr lang="ko-KR" altLang="en-US" sz="1000" u="none" strike="noStrike" dirty="0">
+                          <a:effectLst/>
+                        </a:rPr>
+                        <a:t>버튼 </a:t>
+                      </a:r>
+                      <a:r>
+                        <a:rPr lang="ko-KR" altLang="en-US" sz="1000" u="none" strike="noStrike" dirty="0" err="1">
+                          <a:effectLst/>
+                        </a:rPr>
+                        <a:t>클릭시</a:t>
+                      </a:r>
+                      <a:r>
+                        <a:rPr lang="ko-KR" altLang="en-US" sz="1000" u="none" strike="noStrike" dirty="0">
+                          <a:effectLst/>
+                        </a:rPr>
+                        <a:t> 정보 수정　</a:t>
+                      </a:r>
+                      <a:endParaRPr lang="ko-KR" altLang="en-US" sz="1000" b="0" i="0" u="none" strike="noStrike" dirty="0">
+                        <a:solidFill>
+                          <a:srgbClr val="000000"/>
+                        </a:solidFill>
+                        <a:effectLst/>
+                        <a:latin typeface="맑은 고딕" panose="020B0503020000020004" pitchFamily="34" charset="-127"/>
+                        <a:ea typeface="맑은 고딕" panose="020B0503020000020004" pitchFamily="34" charset="-127"/>
+                      </a:endParaRPr>
+                    </a:p>
+                  </a:txBody>
+                  <a:tcPr marL="7789" marR="7789" marT="7789" marB="0" anchor="ctr">
+                    <a:lnL w="12700" cap="flat" cmpd="sng" algn="ctr">
+                      <a:solidFill>
+                        <a:schemeClr val="tx1"/>
+                      </a:solidFill>
+                      <a:prstDash val="solid"/>
+                      <a:round/>
+                      <a:headEnd type="none" w="med" len="med"/>
+                      <a:tailEnd type="none" w="med" len="med"/>
+                    </a:lnL>
+                    <a:lnR w="12700" cap="flat" cmpd="sng" algn="ctr">
+                      <a:solidFill>
+                        <a:schemeClr val="tx1"/>
+                      </a:solidFill>
+                      <a:prstDash val="solid"/>
+                      <a:round/>
+                      <a:headEnd type="none" w="med" len="med"/>
+                      <a:tailEnd type="none" w="med" len="med"/>
+                    </a:lnR>
+                    <a:lnT w="12700" cap="flat" cmpd="sng" algn="ctr">
+                      <a:solidFill>
+                        <a:schemeClr val="tx1"/>
+                      </a:solidFill>
+                      <a:prstDash val="solid"/>
+                      <a:round/>
+                      <a:headEnd type="none" w="med" len="med"/>
+                      <a:tailEnd type="none" w="med" len="med"/>
+                    </a:lnT>
+                    <a:lnB w="12700" cap="flat" cmpd="sng" algn="ctr">
+                      <a:solidFill>
+                        <a:schemeClr val="tx1"/>
+                      </a:solidFill>
+                      <a:prstDash val="solid"/>
+                      <a:round/>
+                      <a:headEnd type="none" w="med" len="med"/>
+                      <a:tailEnd type="none" w="med" len="med"/>
+                    </a:lnB>
+                    <a:solidFill>
+                      <a:schemeClr val="bg1"/>
+                    </a:solidFill>
+                  </a:tcPr>
+                </a:tc>
+                <a:tc hMerge="1">
+                  <a:txBody>
+                    <a:bodyPr/>
+                    <a:lstStyle/>
+                    <a:p>
+                      <a:pPr latinLnBrk="1"/>
+                      <a:endParaRPr lang="ko-KR" altLang="en-US"/>
+                    </a:p>
+                  </a:txBody>
+                  <a:tcPr/>
+                </a:tc>
+                <a:extLst>
+                  <a:ext uri="{0D108BD9-81ED-4DB2-BD59-A6C34878D82A}">
+                    <a16:rowId xmlns:a16="http://schemas.microsoft.com/office/drawing/2014/main" val="3381953073"/>
+                  </a:ext>
+                </a:extLst>
+              </a:tr>
+            </a:tbl>
+          </a:graphicData>
+        </a:graphic>
+      </p:graphicFrame>
+      <p:sp>
+        <p:nvSpPr>
+          <p:cNvPr id="3" name="TextBox 2">
+            <a:extLst>
+              <a:ext uri="{FF2B5EF4-FFF2-40B4-BE49-F238E27FC236}">
+                <a16:creationId xmlns:a16="http://schemas.microsoft.com/office/drawing/2014/main" id="{8BE4E6CA-5037-4246-B122-6F42B969A1E6}"/>
+              </a:ext>
+            </a:extLst>
+          </p:cNvPr>
+          <p:cNvSpPr txBox="1"/>
+          <p:nvPr/>
+        </p:nvSpPr>
+        <p:spPr>
+          <a:xfrm>
+            <a:off x="2498502" y="2125014"/>
+            <a:ext cx="779381" cy="369332"/>
+          </a:xfrm>
+          <a:prstGeom prst="rect">
+            <a:avLst/>
+          </a:prstGeom>
+          <a:noFill/>
+        </p:spPr>
+        <p:txBody>
+          <a:bodyPr wrap="none" rtlCol="0">
+            <a:spAutoFit/>
+          </a:bodyPr>
+          <a:lstStyle/>
+          <a:p>
+            <a:r>
+              <a:rPr kumimoji="1" lang="ko-KR" altLang="en-US" dirty="0"/>
+              <a:t>이름 </a:t>
+            </a:r>
+            <a:r>
+              <a:rPr kumimoji="1" lang="en-US" altLang="ko-KR" dirty="0"/>
+              <a:t>:</a:t>
+            </a:r>
+          </a:p>
+        </p:txBody>
+      </p:sp>
+      <p:sp>
+        <p:nvSpPr>
+          <p:cNvPr id="5" name="TextBox 4">
+            <a:extLst>
+              <a:ext uri="{FF2B5EF4-FFF2-40B4-BE49-F238E27FC236}">
+                <a16:creationId xmlns:a16="http://schemas.microsoft.com/office/drawing/2014/main" id="{43245D1A-6486-1F46-BA1B-A685A239373D}"/>
+              </a:ext>
+            </a:extLst>
+          </p:cNvPr>
+          <p:cNvSpPr txBox="1"/>
+          <p:nvPr/>
+        </p:nvSpPr>
+        <p:spPr>
+          <a:xfrm>
+            <a:off x="2498502" y="1724904"/>
+            <a:ext cx="1256049" cy="400110"/>
+          </a:xfrm>
+          <a:prstGeom prst="rect">
+            <a:avLst/>
+          </a:prstGeom>
+          <a:noFill/>
+        </p:spPr>
+        <p:txBody>
+          <a:bodyPr wrap="none" rtlCol="0">
+            <a:spAutoFit/>
+          </a:bodyPr>
+          <a:lstStyle/>
+          <a:p>
+            <a:r>
+              <a:rPr kumimoji="1" lang="en-US" altLang="ko-KR" sz="2000" dirty="0">
+                <a:solidFill>
+                  <a:schemeClr val="accent2"/>
+                </a:solidFill>
+              </a:rPr>
+              <a:t>MY PAGE</a:t>
+            </a:r>
+            <a:endParaRPr kumimoji="1" lang="ko-KR" altLang="en-US" sz="2000" dirty="0">
+              <a:solidFill>
+                <a:schemeClr val="accent2"/>
+              </a:solidFill>
+            </a:endParaRPr>
+          </a:p>
+        </p:txBody>
+      </p:sp>
+      <p:sp>
+        <p:nvSpPr>
+          <p:cNvPr id="6" name="직사각형 5">
+            <a:extLst>
+              <a:ext uri="{FF2B5EF4-FFF2-40B4-BE49-F238E27FC236}">
+                <a16:creationId xmlns:a16="http://schemas.microsoft.com/office/drawing/2014/main" id="{BD347533-F835-264E-AC6B-CF28592A0456}"/>
+              </a:ext>
+            </a:extLst>
+          </p:cNvPr>
+          <p:cNvSpPr/>
+          <p:nvPr/>
+        </p:nvSpPr>
+        <p:spPr>
+          <a:xfrm>
+            <a:off x="2212127" y="5350641"/>
+            <a:ext cx="914399" cy="399245"/>
+          </a:xfrm>
+          <a:prstGeom prst="rect">
+            <a:avLst/>
+          </a:prstGeom>
+          <a:solidFill>
+            <a:schemeClr val="accent2"/>
+          </a:solidFill>
+          <a:ln>
+            <a:solidFill>
+              <a:schemeClr val="bg1"/>
+            </a:solidFill>
+          </a:ln>
+        </p:spPr>
+        <p:style>
+          <a:lnRef idx="2">
+            <a:schemeClr val="accent1">
+              <a:shade val="50000"/>
+            </a:schemeClr>
+          </a:lnRef>
+          <a:fillRef idx="1">
+            <a:schemeClr val="accent1"/>
+          </a:fillRef>
+          <a:effectRef idx="0">
+            <a:schemeClr val="accent1"/>
+          </a:effectRef>
+          <a:fontRef idx="minor">
+            <a:schemeClr val="lt1"/>
+          </a:fontRef>
+        </p:style>
+        <p:txBody>
+          <a:bodyPr rtlCol="0" anchor="ctr"/>
+          <a:lstStyle/>
+          <a:p>
+            <a:pPr algn="ctr"/>
+            <a:r>
+              <a:rPr kumimoji="1" lang="ko-KR" altLang="en-US" sz="1300" dirty="0"/>
+              <a:t>정보수정</a:t>
+            </a:r>
+          </a:p>
+        </p:txBody>
+      </p:sp>
+      <p:sp>
+        <p:nvSpPr>
+          <p:cNvPr id="2" name="직사각형 1">
+            <a:extLst>
+              <a:ext uri="{FF2B5EF4-FFF2-40B4-BE49-F238E27FC236}">
+                <a16:creationId xmlns:a16="http://schemas.microsoft.com/office/drawing/2014/main" id="{F21A7F54-002B-EC45-9B5B-74244DC3B183}"/>
+              </a:ext>
+            </a:extLst>
+          </p:cNvPr>
+          <p:cNvSpPr/>
+          <p:nvPr/>
+        </p:nvSpPr>
+        <p:spPr>
+          <a:xfrm>
+            <a:off x="3508715" y="2183696"/>
+            <a:ext cx="2446986" cy="244699"/>
+          </a:xfrm>
+          <a:prstGeom prst="rect">
+            <a:avLst/>
+          </a:prstGeom>
+          <a:noFill/>
+          <a:ln>
+            <a:solidFill>
+              <a:schemeClr val="tx1"/>
+            </a:solidFill>
+          </a:ln>
+        </p:spPr>
+        <p:style>
+          <a:lnRef idx="2">
+            <a:schemeClr val="accent1">
+              <a:shade val="50000"/>
+            </a:schemeClr>
+          </a:lnRef>
+          <a:fillRef idx="1">
+            <a:schemeClr val="accent1"/>
+          </a:fillRef>
+          <a:effectRef idx="0">
+            <a:schemeClr val="accent1"/>
+          </a:effectRef>
+          <a:fontRef idx="minor">
+            <a:schemeClr val="lt1"/>
+          </a:fontRef>
+        </p:style>
+        <p:txBody>
+          <a:bodyPr rtlCol="0" anchor="ctr"/>
+          <a:lstStyle/>
+          <a:p>
+            <a:pPr algn="ctr"/>
+            <a:endParaRPr kumimoji="1" lang="ko-KR" altLang="en-US"/>
+          </a:p>
+        </p:txBody>
+      </p:sp>
+      <p:sp>
+        <p:nvSpPr>
+          <p:cNvPr id="10" name="TextBox 9">
+            <a:extLst>
+              <a:ext uri="{FF2B5EF4-FFF2-40B4-BE49-F238E27FC236}">
+                <a16:creationId xmlns:a16="http://schemas.microsoft.com/office/drawing/2014/main" id="{71AB0CC2-FA0B-EC47-8B40-0BD412CC4871}"/>
+              </a:ext>
+            </a:extLst>
+          </p:cNvPr>
+          <p:cNvSpPr txBox="1"/>
+          <p:nvPr/>
+        </p:nvSpPr>
+        <p:spPr>
+          <a:xfrm>
+            <a:off x="2165601" y="1550719"/>
+            <a:ext cx="415498" cy="369332"/>
+          </a:xfrm>
+          <a:prstGeom prst="rect">
+            <a:avLst/>
+          </a:prstGeom>
+          <a:noFill/>
+        </p:spPr>
+        <p:txBody>
+          <a:bodyPr wrap="none" rtlCol="0">
+            <a:spAutoFit/>
+          </a:bodyPr>
+          <a:lstStyle/>
+          <a:p>
+            <a:r>
+              <a:rPr lang="ko-KR" altLang="en-US" b="0" i="0" dirty="0">
+                <a:solidFill>
+                  <a:srgbClr val="FF0000"/>
+                </a:solidFill>
+                <a:effectLst/>
+                <a:latin typeface="Malgun Gothic" panose="020B0503020000020004" pitchFamily="34" charset="-127"/>
+                <a:ea typeface="Malgun Gothic" panose="020B0503020000020004" pitchFamily="34" charset="-127"/>
+              </a:rPr>
+              <a:t>①</a:t>
+            </a:r>
+            <a:endParaRPr kumimoji="1" lang="ko-KR" altLang="en-US" dirty="0">
+              <a:solidFill>
+                <a:srgbClr val="FF0000"/>
+              </a:solidFill>
+            </a:endParaRPr>
+          </a:p>
+        </p:txBody>
+      </p:sp>
+      <p:sp>
+        <p:nvSpPr>
+          <p:cNvPr id="11" name="TextBox 10">
+            <a:extLst>
+              <a:ext uri="{FF2B5EF4-FFF2-40B4-BE49-F238E27FC236}">
+                <a16:creationId xmlns:a16="http://schemas.microsoft.com/office/drawing/2014/main" id="{91E79DFE-DCDA-DA48-9E3E-50FE47C41CEC}"/>
+              </a:ext>
+            </a:extLst>
+          </p:cNvPr>
+          <p:cNvSpPr txBox="1"/>
+          <p:nvPr/>
+        </p:nvSpPr>
+        <p:spPr>
+          <a:xfrm>
+            <a:off x="1948724" y="5032229"/>
+            <a:ext cx="415498" cy="369332"/>
+          </a:xfrm>
+          <a:prstGeom prst="rect">
+            <a:avLst/>
+          </a:prstGeom>
+          <a:noFill/>
+        </p:spPr>
+        <p:txBody>
+          <a:bodyPr wrap="none" rtlCol="0">
+            <a:spAutoFit/>
+          </a:bodyPr>
+          <a:lstStyle/>
+          <a:p>
+            <a:r>
+              <a:rPr lang="ko-KR" altLang="en-US" b="0" i="0" dirty="0">
+                <a:solidFill>
+                  <a:srgbClr val="FF0000"/>
+                </a:solidFill>
+                <a:effectLst/>
+                <a:latin typeface="Malgun Gothic" panose="020B0503020000020004" pitchFamily="34" charset="-127"/>
+                <a:ea typeface="Malgun Gothic" panose="020B0503020000020004" pitchFamily="34" charset="-127"/>
+              </a:rPr>
+              <a:t>②</a:t>
+            </a:r>
+            <a:endParaRPr kumimoji="1" lang="ko-KR" altLang="en-US" dirty="0">
+              <a:solidFill>
+                <a:srgbClr val="FF0000"/>
+              </a:solidFill>
+            </a:endParaRPr>
+          </a:p>
+        </p:txBody>
+      </p:sp>
+      <p:sp>
+        <p:nvSpPr>
+          <p:cNvPr id="14" name="TextBox 13">
+            <a:extLst>
+              <a:ext uri="{FF2B5EF4-FFF2-40B4-BE49-F238E27FC236}">
+                <a16:creationId xmlns:a16="http://schemas.microsoft.com/office/drawing/2014/main" id="{F2226900-F833-A440-8974-F5CE6B595129}"/>
+              </a:ext>
+            </a:extLst>
+          </p:cNvPr>
+          <p:cNvSpPr txBox="1"/>
+          <p:nvPr/>
+        </p:nvSpPr>
+        <p:spPr>
+          <a:xfrm>
+            <a:off x="2255637" y="3096316"/>
+            <a:ext cx="1118014" cy="369332"/>
+          </a:xfrm>
+          <a:prstGeom prst="rect">
+            <a:avLst/>
+          </a:prstGeom>
+          <a:noFill/>
+        </p:spPr>
+        <p:txBody>
+          <a:bodyPr wrap="square" rtlCol="0">
+            <a:spAutoFit/>
+          </a:bodyPr>
+          <a:lstStyle/>
+          <a:p>
+            <a:r>
+              <a:rPr kumimoji="1" lang="ko-KR" altLang="en-US" dirty="0"/>
+              <a:t>연령대</a:t>
+            </a:r>
+          </a:p>
+        </p:txBody>
+      </p:sp>
+      <p:grpSp>
+        <p:nvGrpSpPr>
+          <p:cNvPr id="17" name="그룹 16">
+            <a:extLst>
+              <a:ext uri="{FF2B5EF4-FFF2-40B4-BE49-F238E27FC236}">
+                <a16:creationId xmlns:a16="http://schemas.microsoft.com/office/drawing/2014/main" id="{3AC375E5-7A63-C142-B40D-E63DCFDF88EF}"/>
+              </a:ext>
+            </a:extLst>
+          </p:cNvPr>
+          <p:cNvGrpSpPr/>
+          <p:nvPr/>
+        </p:nvGrpSpPr>
+        <p:grpSpPr>
+          <a:xfrm>
+            <a:off x="2498502" y="2569127"/>
+            <a:ext cx="4861349" cy="351087"/>
+            <a:chOff x="1970192" y="3655635"/>
+            <a:chExt cx="5472256" cy="379133"/>
+          </a:xfrm>
+        </p:grpSpPr>
+        <p:sp>
+          <p:nvSpPr>
+            <p:cNvPr id="18" name="타원 17">
+              <a:extLst>
+                <a:ext uri="{FF2B5EF4-FFF2-40B4-BE49-F238E27FC236}">
+                  <a16:creationId xmlns:a16="http://schemas.microsoft.com/office/drawing/2014/main" id="{4D8BB11E-7AC2-3240-91A0-25928B5C5824}"/>
+                </a:ext>
+              </a:extLst>
+            </p:cNvPr>
+            <p:cNvSpPr/>
+            <p:nvPr/>
+          </p:nvSpPr>
+          <p:spPr>
+            <a:xfrm>
+              <a:off x="2955318" y="3688701"/>
+              <a:ext cx="321972" cy="321972"/>
+            </a:xfrm>
+            <a:prstGeom prst="ellipse">
+              <a:avLst/>
+            </a:prstGeom>
+            <a:noFill/>
+            <a:ln>
+              <a:solidFill>
+                <a:schemeClr val="tx1">
+                  <a:lumMod val="75000"/>
+                  <a:lumOff val="25000"/>
+                </a:schemeClr>
+              </a:solidFill>
+            </a:ln>
+          </p:spPr>
+          <p:style>
+            <a:lnRef idx="2">
+              <a:schemeClr val="accent1">
+                <a:shade val="50000"/>
+              </a:schemeClr>
+            </a:lnRef>
+            <a:fillRef idx="1">
+              <a:schemeClr val="accent1"/>
+            </a:fillRef>
+            <a:effectRef idx="0">
+              <a:schemeClr val="accent1"/>
+            </a:effectRef>
+            <a:fontRef idx="minor">
+              <a:schemeClr val="lt1"/>
+            </a:fontRef>
+          </p:style>
+          <p:txBody>
+            <a:bodyPr rtlCol="0" anchor="ctr"/>
+            <a:lstStyle/>
+            <a:p>
+              <a:pPr algn="ctr"/>
+              <a:endParaRPr kumimoji="1" lang="ko-KR" altLang="en-US"/>
+            </a:p>
+          </p:txBody>
+        </p:sp>
+        <p:sp>
+          <p:nvSpPr>
+            <p:cNvPr id="19" name="타원 18">
+              <a:extLst>
+                <a:ext uri="{FF2B5EF4-FFF2-40B4-BE49-F238E27FC236}">
+                  <a16:creationId xmlns:a16="http://schemas.microsoft.com/office/drawing/2014/main" id="{F631CFC3-DC1E-CB4D-B4EB-0AF603397963}"/>
+                </a:ext>
+              </a:extLst>
+            </p:cNvPr>
+            <p:cNvSpPr/>
+            <p:nvPr/>
+          </p:nvSpPr>
+          <p:spPr>
+            <a:xfrm>
+              <a:off x="4419298" y="3683590"/>
+              <a:ext cx="321972" cy="321972"/>
+            </a:xfrm>
+            <a:prstGeom prst="ellipse">
+              <a:avLst/>
+            </a:prstGeom>
+            <a:noFill/>
+            <a:ln>
+              <a:solidFill>
+                <a:schemeClr val="tx1">
+                  <a:lumMod val="75000"/>
+                  <a:lumOff val="25000"/>
+                </a:schemeClr>
+              </a:solidFill>
+            </a:ln>
+          </p:spPr>
+          <p:style>
+            <a:lnRef idx="2">
+              <a:schemeClr val="accent1">
+                <a:shade val="50000"/>
+              </a:schemeClr>
+            </a:lnRef>
+            <a:fillRef idx="1">
+              <a:schemeClr val="accent1"/>
+            </a:fillRef>
+            <a:effectRef idx="0">
+              <a:schemeClr val="accent1"/>
+            </a:effectRef>
+            <a:fontRef idx="minor">
+              <a:schemeClr val="lt1"/>
+            </a:fontRef>
+          </p:style>
+          <p:txBody>
+            <a:bodyPr rtlCol="0" anchor="ctr"/>
+            <a:lstStyle/>
+            <a:p>
+              <a:pPr algn="ctr"/>
+              <a:endParaRPr kumimoji="1" lang="ko-KR" altLang="en-US"/>
+            </a:p>
+          </p:txBody>
+        </p:sp>
+        <p:sp>
+          <p:nvSpPr>
+            <p:cNvPr id="20" name="TextBox 19">
+              <a:extLst>
+                <a:ext uri="{FF2B5EF4-FFF2-40B4-BE49-F238E27FC236}">
+                  <a16:creationId xmlns:a16="http://schemas.microsoft.com/office/drawing/2014/main" id="{A8F9B1BD-84EC-6349-BA71-FBBAAAED0CA6}"/>
+                </a:ext>
+              </a:extLst>
+            </p:cNvPr>
+            <p:cNvSpPr txBox="1"/>
+            <p:nvPr/>
+          </p:nvSpPr>
+          <p:spPr>
+            <a:xfrm>
+              <a:off x="1970192" y="3655635"/>
+              <a:ext cx="646331" cy="369332"/>
+            </a:xfrm>
+            <a:prstGeom prst="rect">
+              <a:avLst/>
+            </a:prstGeom>
+            <a:noFill/>
+          </p:spPr>
+          <p:txBody>
+            <a:bodyPr wrap="none" rtlCol="0">
+              <a:spAutoFit/>
+            </a:bodyPr>
+            <a:lstStyle/>
+            <a:p>
+              <a:r>
+                <a:rPr kumimoji="1" lang="ko-KR" altLang="en-US" dirty="0"/>
+                <a:t>성별</a:t>
+              </a:r>
+            </a:p>
+          </p:txBody>
+        </p:sp>
+        <p:sp>
+          <p:nvSpPr>
+            <p:cNvPr id="21" name="TextBox 20">
+              <a:extLst>
+                <a:ext uri="{FF2B5EF4-FFF2-40B4-BE49-F238E27FC236}">
+                  <a16:creationId xmlns:a16="http://schemas.microsoft.com/office/drawing/2014/main" id="{74C22399-94F9-5B48-B2F1-870F31B9C153}"/>
+                </a:ext>
+              </a:extLst>
+            </p:cNvPr>
+            <p:cNvSpPr txBox="1"/>
+            <p:nvPr/>
+          </p:nvSpPr>
+          <p:spPr>
+            <a:xfrm>
+              <a:off x="3525492" y="3655635"/>
+              <a:ext cx="646331" cy="369332"/>
+            </a:xfrm>
+            <a:prstGeom prst="rect">
+              <a:avLst/>
+            </a:prstGeom>
+            <a:noFill/>
+          </p:spPr>
+          <p:txBody>
+            <a:bodyPr wrap="none" rtlCol="0">
+              <a:spAutoFit/>
+            </a:bodyPr>
+            <a:lstStyle/>
+            <a:p>
+              <a:r>
+                <a:rPr kumimoji="1" lang="ko-KR" altLang="en-US" dirty="0"/>
+                <a:t>남성</a:t>
+              </a:r>
+            </a:p>
+          </p:txBody>
+        </p:sp>
+        <p:sp>
+          <p:nvSpPr>
+            <p:cNvPr id="22" name="TextBox 21">
+              <a:extLst>
+                <a:ext uri="{FF2B5EF4-FFF2-40B4-BE49-F238E27FC236}">
+                  <a16:creationId xmlns:a16="http://schemas.microsoft.com/office/drawing/2014/main" id="{9FF6FC08-21AA-5C41-997B-743505FCF4CC}"/>
+                </a:ext>
+              </a:extLst>
+            </p:cNvPr>
+            <p:cNvSpPr txBox="1"/>
+            <p:nvPr/>
+          </p:nvSpPr>
+          <p:spPr>
+            <a:xfrm>
+              <a:off x="5097418" y="3665436"/>
+              <a:ext cx="646331" cy="369332"/>
+            </a:xfrm>
+            <a:prstGeom prst="rect">
+              <a:avLst/>
+            </a:prstGeom>
+            <a:noFill/>
+          </p:spPr>
+          <p:txBody>
+            <a:bodyPr wrap="none" rtlCol="0">
+              <a:spAutoFit/>
+            </a:bodyPr>
+            <a:lstStyle/>
+            <a:p>
+              <a:r>
+                <a:rPr kumimoji="1" lang="ko-KR" altLang="en-US" dirty="0"/>
+                <a:t>여성</a:t>
+              </a:r>
+            </a:p>
+          </p:txBody>
+        </p:sp>
+        <p:sp>
+          <p:nvSpPr>
+            <p:cNvPr id="23" name="타원 22">
+              <a:extLst>
+                <a:ext uri="{FF2B5EF4-FFF2-40B4-BE49-F238E27FC236}">
+                  <a16:creationId xmlns:a16="http://schemas.microsoft.com/office/drawing/2014/main" id="{E3516780-BF0E-B14B-8131-C49AEC2E62BE}"/>
+                </a:ext>
+              </a:extLst>
+            </p:cNvPr>
+            <p:cNvSpPr/>
+            <p:nvPr/>
+          </p:nvSpPr>
+          <p:spPr>
+            <a:xfrm>
+              <a:off x="5993531" y="3675316"/>
+              <a:ext cx="321972" cy="329969"/>
+            </a:xfrm>
+            <a:prstGeom prst="ellipse">
+              <a:avLst/>
+            </a:prstGeom>
+            <a:noFill/>
+            <a:ln>
+              <a:solidFill>
+                <a:schemeClr val="tx1">
+                  <a:lumMod val="75000"/>
+                  <a:lumOff val="25000"/>
+                </a:schemeClr>
+              </a:solidFill>
+            </a:ln>
+          </p:spPr>
+          <p:style>
+            <a:lnRef idx="2">
+              <a:schemeClr val="accent1">
+                <a:shade val="50000"/>
+              </a:schemeClr>
+            </a:lnRef>
+            <a:fillRef idx="1">
+              <a:schemeClr val="accent1"/>
+            </a:fillRef>
+            <a:effectRef idx="0">
+              <a:schemeClr val="accent1"/>
+            </a:effectRef>
+            <a:fontRef idx="minor">
+              <a:schemeClr val="lt1"/>
+            </a:fontRef>
+          </p:style>
+          <p:txBody>
+            <a:bodyPr rtlCol="0" anchor="ctr"/>
+            <a:lstStyle/>
+            <a:p>
+              <a:pPr algn="ctr"/>
+              <a:endParaRPr kumimoji="1" lang="ko-KR" altLang="en-US"/>
+            </a:p>
+          </p:txBody>
+        </p:sp>
+        <p:sp>
+          <p:nvSpPr>
+            <p:cNvPr id="24" name="TextBox 23">
+              <a:extLst>
+                <a:ext uri="{FF2B5EF4-FFF2-40B4-BE49-F238E27FC236}">
+                  <a16:creationId xmlns:a16="http://schemas.microsoft.com/office/drawing/2014/main" id="{96BE1342-3897-9441-BAAA-680309350C74}"/>
+                </a:ext>
+              </a:extLst>
+            </p:cNvPr>
+            <p:cNvSpPr txBox="1"/>
+            <p:nvPr/>
+          </p:nvSpPr>
+          <p:spPr>
+            <a:xfrm>
+              <a:off x="6565285" y="3663787"/>
+              <a:ext cx="877163" cy="369332"/>
+            </a:xfrm>
+            <a:prstGeom prst="rect">
+              <a:avLst/>
+            </a:prstGeom>
+            <a:noFill/>
+          </p:spPr>
+          <p:txBody>
+            <a:bodyPr wrap="none" rtlCol="0">
+              <a:spAutoFit/>
+            </a:bodyPr>
+            <a:lstStyle/>
+            <a:p>
+              <a:r>
+                <a:rPr kumimoji="1" lang="ko-KR" altLang="en-US" dirty="0"/>
+                <a:t>비공개</a:t>
+              </a:r>
+            </a:p>
+          </p:txBody>
+        </p:sp>
+      </p:grpSp>
+      <p:grpSp>
+        <p:nvGrpSpPr>
+          <p:cNvPr id="7" name="그룹 6">
+            <a:extLst>
+              <a:ext uri="{FF2B5EF4-FFF2-40B4-BE49-F238E27FC236}">
+                <a16:creationId xmlns:a16="http://schemas.microsoft.com/office/drawing/2014/main" id="{01CAE36B-813D-0C47-8F1F-6FE9F67D3E2B}"/>
+              </a:ext>
+            </a:extLst>
+          </p:cNvPr>
+          <p:cNvGrpSpPr/>
+          <p:nvPr/>
+        </p:nvGrpSpPr>
+        <p:grpSpPr>
+          <a:xfrm>
+            <a:off x="3176697" y="3109057"/>
+            <a:ext cx="4004389" cy="1846660"/>
+            <a:chOff x="3176697" y="3109057"/>
+            <a:chExt cx="4004389" cy="1846660"/>
+          </a:xfrm>
+        </p:grpSpPr>
+        <p:sp>
+          <p:nvSpPr>
+            <p:cNvPr id="15" name="TextBox 14">
+              <a:extLst>
+                <a:ext uri="{FF2B5EF4-FFF2-40B4-BE49-F238E27FC236}">
+                  <a16:creationId xmlns:a16="http://schemas.microsoft.com/office/drawing/2014/main" id="{DEA10CCE-1810-7F4B-A889-BCF096EBA457}"/>
+                </a:ext>
+              </a:extLst>
+            </p:cNvPr>
+            <p:cNvSpPr txBox="1"/>
+            <p:nvPr/>
+          </p:nvSpPr>
+          <p:spPr>
+            <a:xfrm>
+              <a:off x="3176697" y="3478389"/>
+              <a:ext cx="4004389" cy="1477328"/>
+            </a:xfrm>
+            <a:prstGeom prst="rect">
+              <a:avLst/>
+            </a:prstGeom>
+            <a:noFill/>
+            <a:ln>
+              <a:solidFill>
+                <a:schemeClr val="tx1">
+                  <a:lumMod val="75000"/>
+                  <a:lumOff val="25000"/>
+                </a:schemeClr>
+              </a:solidFill>
+            </a:ln>
+          </p:spPr>
+          <p:txBody>
+            <a:bodyPr wrap="square" rtlCol="0">
+              <a:spAutoFit/>
+            </a:bodyPr>
+            <a:lstStyle/>
+            <a:p>
+              <a:r>
+                <a:rPr kumimoji="1" lang="en-US" altLang="ko-KR" dirty="0"/>
+                <a:t>10</a:t>
+              </a:r>
+              <a:r>
+                <a:rPr kumimoji="1" lang="ko-KR" altLang="en-US" dirty="0"/>
+                <a:t>대</a:t>
+              </a:r>
+              <a:endParaRPr kumimoji="1" lang="en-US" altLang="ko-KR" dirty="0"/>
+            </a:p>
+            <a:p>
+              <a:r>
+                <a:rPr kumimoji="1" lang="en-US" altLang="ko-KR" dirty="0"/>
+                <a:t>20</a:t>
+              </a:r>
+              <a:r>
+                <a:rPr kumimoji="1" lang="ko-KR" altLang="en-US" dirty="0"/>
+                <a:t>대</a:t>
+              </a:r>
+              <a:endParaRPr kumimoji="1" lang="en-US" altLang="ko-KR" dirty="0"/>
+            </a:p>
+            <a:p>
+              <a:r>
+                <a:rPr kumimoji="1" lang="en-US" altLang="ko-KR" dirty="0"/>
+                <a:t>30</a:t>
+              </a:r>
+              <a:r>
+                <a:rPr kumimoji="1" lang="ko-KR" altLang="en-US" dirty="0"/>
+                <a:t>대</a:t>
+              </a:r>
+              <a:endParaRPr kumimoji="1" lang="en-US" altLang="ko-KR" dirty="0"/>
+            </a:p>
+            <a:p>
+              <a:r>
+                <a:rPr kumimoji="1" lang="en-US" altLang="ko-KR" dirty="0"/>
+                <a:t>40</a:t>
+              </a:r>
+              <a:r>
+                <a:rPr kumimoji="1" lang="ko-KR" altLang="en-US" dirty="0"/>
+                <a:t>대</a:t>
+              </a:r>
+              <a:endParaRPr kumimoji="1" lang="en-US" altLang="ko-KR" dirty="0"/>
+            </a:p>
+            <a:p>
+              <a:r>
+                <a:rPr kumimoji="1" lang="en-US" altLang="ko-KR" dirty="0"/>
+                <a:t>50</a:t>
+              </a:r>
+              <a:r>
+                <a:rPr kumimoji="1" lang="ko-KR" altLang="en-US" dirty="0"/>
+                <a:t>대</a:t>
+              </a:r>
+            </a:p>
+          </p:txBody>
+        </p:sp>
+        <p:sp>
+          <p:nvSpPr>
+            <p:cNvPr id="16" name="TextBox 15">
+              <a:extLst>
+                <a:ext uri="{FF2B5EF4-FFF2-40B4-BE49-F238E27FC236}">
+                  <a16:creationId xmlns:a16="http://schemas.microsoft.com/office/drawing/2014/main" id="{C995CD06-4FD3-494D-8311-6CA8186D51CA}"/>
+                </a:ext>
+              </a:extLst>
+            </p:cNvPr>
+            <p:cNvSpPr txBox="1"/>
+            <p:nvPr/>
+          </p:nvSpPr>
+          <p:spPr>
+            <a:xfrm>
+              <a:off x="3176697" y="3109057"/>
+              <a:ext cx="4004389" cy="369332"/>
+            </a:xfrm>
+            <a:prstGeom prst="rect">
+              <a:avLst/>
+            </a:prstGeom>
+            <a:noFill/>
+            <a:ln>
+              <a:solidFill>
+                <a:schemeClr val="tx1">
+                  <a:lumMod val="75000"/>
+                  <a:lumOff val="25000"/>
+                </a:schemeClr>
+              </a:solidFill>
+            </a:ln>
+          </p:spPr>
+          <p:txBody>
+            <a:bodyPr wrap="square" rtlCol="0">
+              <a:spAutoFit/>
+            </a:bodyPr>
+            <a:lstStyle/>
+            <a:p>
+              <a:r>
+                <a:rPr kumimoji="1" lang="en-US" altLang="ko-KR" dirty="0"/>
+                <a:t>10</a:t>
+              </a:r>
+              <a:r>
+                <a:rPr kumimoji="1" lang="ko-KR" altLang="en-US" dirty="0"/>
+                <a:t>대 미만</a:t>
+              </a:r>
+            </a:p>
+          </p:txBody>
+        </p:sp>
+        <p:sp>
+          <p:nvSpPr>
+            <p:cNvPr id="25" name="삼각형 24">
+              <a:extLst>
+                <a:ext uri="{FF2B5EF4-FFF2-40B4-BE49-F238E27FC236}">
+                  <a16:creationId xmlns:a16="http://schemas.microsoft.com/office/drawing/2014/main" id="{1E9F8E60-9833-7140-9A3E-F7E8CE2A1655}"/>
+                </a:ext>
+              </a:extLst>
+            </p:cNvPr>
+            <p:cNvSpPr/>
+            <p:nvPr/>
+          </p:nvSpPr>
+          <p:spPr>
+            <a:xfrm rot="10800000">
+              <a:off x="6847882" y="3233458"/>
+              <a:ext cx="244698" cy="195541"/>
+            </a:xfrm>
+            <a:prstGeom prst="triangle">
+              <a:avLst/>
+            </a:prstGeom>
+            <a:solidFill>
+              <a:schemeClr val="tx1">
+                <a:lumMod val="75000"/>
+                <a:lumOff val="25000"/>
+              </a:schemeClr>
+            </a:solidFill>
+            <a:ln>
+              <a:solidFill>
+                <a:schemeClr val="tx1">
+                  <a:lumMod val="75000"/>
+                  <a:lumOff val="25000"/>
+                </a:schemeClr>
+              </a:solidFill>
+            </a:ln>
+          </p:spPr>
+          <p:style>
+            <a:lnRef idx="2">
+              <a:schemeClr val="accent1">
+                <a:shade val="50000"/>
+              </a:schemeClr>
+            </a:lnRef>
+            <a:fillRef idx="1">
+              <a:schemeClr val="accent1"/>
+            </a:fillRef>
+            <a:effectRef idx="0">
+              <a:schemeClr val="accent1"/>
+            </a:effectRef>
+            <a:fontRef idx="minor">
+              <a:schemeClr val="lt1"/>
+            </a:fontRef>
+          </p:style>
+          <p:txBody>
+            <a:bodyPr rtlCol="0" anchor="ctr"/>
+            <a:lstStyle/>
+            <a:p>
+              <a:pPr algn="ctr"/>
+              <a:endParaRPr kumimoji="1" lang="ko-KR" altLang="en-US"/>
+            </a:p>
+          </p:txBody>
+        </p:sp>
+      </p:grpSp>
+    </p:spTree>
+    <p:extLst>
+      <p:ext uri="{BB962C8B-B14F-4D97-AF65-F5344CB8AC3E}">
+        <p14:creationId xmlns:p14="http://schemas.microsoft.com/office/powerpoint/2010/main" val="214683754"/>
       </p:ext>
     </p:extLst>
   </p:cSld>
